--- a/Customer_Activation_Retention(Data Analysis)/Case study.pptx
+++ b/Customer_Activation_Retention(Data Analysis)/Case study.pptx
@@ -21,16 +21,34 @@
     <p:sldId id="266" r:id="rId16"/>
     <p:sldId id="267" r:id="rId17"/>
     <p:sldId id="268" r:id="rId18"/>
+    <p:sldId id="269" r:id="rId19"/>
+    <p:sldId id="270" r:id="rId20"/>
+    <p:sldId id="271" r:id="rId21"/>
+    <p:sldId id="272" r:id="rId22"/>
+    <p:sldId id="273" r:id="rId23"/>
+    <p:sldId id="274" r:id="rId24"/>
+    <p:sldId id="275" r:id="rId25"/>
+    <p:sldId id="276" r:id="rId26"/>
+    <p:sldId id="277" r:id="rId27"/>
+    <p:sldId id="278" r:id="rId28"/>
+    <p:sldId id="279" r:id="rId29"/>
+    <p:sldId id="280" r:id="rId30"/>
+    <p:sldId id="281" r:id="rId31"/>
+    <p:sldId id="282" r:id="rId32"/>
+    <p:sldId id="283" r:id="rId33"/>
+    <p:sldId id="284" r:id="rId34"/>
+    <p:sldId id="285" r:id="rId35"/>
+    <p:sldId id="286" r:id="rId36"/>
   </p:sldIdLst>
   <p:sldSz cy="5143500" cx="9144000"/>
   <p:notesSz cx="6858000" cy="9144000"/>
   <p:embeddedFontLst>
     <p:embeddedFont>
       <p:font typeface="Roboto"/>
-      <p:regular r:id="rId19"/>
-      <p:bold r:id="rId20"/>
-      <p:italic r:id="rId21"/>
-      <p:boldItalic r:id="rId22"/>
+      <p:regular r:id="rId37"/>
+      <p:bold r:id="rId38"/>
+      <p:italic r:id="rId39"/>
+      <p:boldItalic r:id="rId40"/>
     </p:embeddedFont>
   </p:embeddedFontLst>
   <p:defaultTextStyle>
@@ -811,7 +829,7 @@
   <p:cSld>
     <p:spTree>
       <p:nvGrpSpPr>
-        <p:cNvPr id="159" name="Shape 159"/>
+        <p:cNvPr id="160" name="Shape 160"/>
         <p:cNvGrpSpPr/>
         <p:nvPr/>
       </p:nvGrpSpPr>
@@ -825,7 +843,7 @@
       </p:grpSpPr>
       <p:sp>
         <p:nvSpPr>
-          <p:cNvPr id="160" name="Google Shape;160;g11236344251_0_56:notes"/>
+          <p:cNvPr id="161" name="Google Shape;161;g11236344251_0_56:notes"/>
           <p:cNvSpPr/>
           <p:nvPr>
             <p:ph idx="2" type="sldImg"/>
@@ -860,7 +878,7 @@
       </p:sp>
       <p:sp>
         <p:nvSpPr>
-          <p:cNvPr id="161" name="Google Shape;161;g11236344251_0_56:notes"/>
+          <p:cNvPr id="162" name="Google Shape;162;g11236344251_0_56:notes"/>
           <p:cNvSpPr txBox="1"/>
           <p:nvPr>
             <p:ph idx="1" type="body"/>
@@ -910,7 +928,7 @@
   <p:cSld>
     <p:spTree>
       <p:nvGrpSpPr>
-        <p:cNvPr id="168" name="Shape 168"/>
+        <p:cNvPr id="169" name="Shape 169"/>
         <p:cNvGrpSpPr/>
         <p:nvPr/>
       </p:nvGrpSpPr>
@@ -924,7 +942,7 @@
       </p:grpSpPr>
       <p:sp>
         <p:nvSpPr>
-          <p:cNvPr id="169" name="Google Shape;169;g11236344251_0_67:notes"/>
+          <p:cNvPr id="170" name="Google Shape;170;g11236344251_0_67:notes"/>
           <p:cNvSpPr/>
           <p:nvPr>
             <p:ph idx="2" type="sldImg"/>
@@ -959,7 +977,7 @@
       </p:sp>
       <p:sp>
         <p:nvSpPr>
-          <p:cNvPr id="170" name="Google Shape;170;g11236344251_0_67:notes"/>
+          <p:cNvPr id="171" name="Google Shape;171;g11236344251_0_67:notes"/>
           <p:cNvSpPr txBox="1"/>
           <p:nvPr>
             <p:ph idx="1" type="body"/>
@@ -1009,7 +1027,7 @@
   <p:cSld>
     <p:spTree>
       <p:nvGrpSpPr>
-        <p:cNvPr id="177" name="Shape 177"/>
+        <p:cNvPr id="178" name="Shape 178"/>
         <p:cNvGrpSpPr/>
         <p:nvPr/>
       </p:nvGrpSpPr>
@@ -1023,7 +1041,7 @@
       </p:grpSpPr>
       <p:sp>
         <p:nvSpPr>
-          <p:cNvPr id="178" name="Google Shape;178;g11236344251_0_75:notes"/>
+          <p:cNvPr id="179" name="Google Shape;179;g11236344251_0_75:notes"/>
           <p:cNvSpPr/>
           <p:nvPr>
             <p:ph idx="2" type="sldImg"/>
@@ -1058,7 +1076,7 @@
       </p:sp>
       <p:sp>
         <p:nvSpPr>
-          <p:cNvPr id="179" name="Google Shape;179;g11236344251_0_75:notes"/>
+          <p:cNvPr id="180" name="Google Shape;180;g11236344251_0_75:notes"/>
           <p:cNvSpPr txBox="1"/>
           <p:nvPr>
             <p:ph idx="1" type="body"/>
@@ -1108,7 +1126,7 @@
   <p:cSld>
     <p:spTree>
       <p:nvGrpSpPr>
-        <p:cNvPr id="184" name="Shape 184"/>
+        <p:cNvPr id="185" name="Shape 185"/>
         <p:cNvGrpSpPr/>
         <p:nvPr/>
       </p:nvGrpSpPr>
@@ -1122,7 +1140,7 @@
       </p:grpSpPr>
       <p:sp>
         <p:nvSpPr>
-          <p:cNvPr id="185" name="Google Shape;185;gc6f9e470d_0_47:notes"/>
+          <p:cNvPr id="186" name="Google Shape;186;g11236344251_0_96:notes"/>
           <p:cNvSpPr/>
           <p:nvPr>
             <p:ph idx="2" type="sldImg"/>
@@ -1157,7 +1175,601 @@
       </p:sp>
       <p:sp>
         <p:nvSpPr>
-          <p:cNvPr id="186" name="Google Shape;186;gc6f9e470d_0_47:notes"/>
+          <p:cNvPr id="187" name="Google Shape;187;g11236344251_0_96:notes"/>
+          <p:cNvSpPr txBox="1"/>
+          <p:nvPr>
+            <p:ph idx="1" type="body"/>
+          </p:nvPr>
+        </p:nvSpPr>
+        <p:spPr>
+          <a:xfrm>
+            <a:off x="685800" y="4343400"/>
+            <a:ext cx="5486400" cy="4114800"/>
+          </a:xfrm>
+          <a:prstGeom prst="rect">
+            <a:avLst/>
+          </a:prstGeom>
+        </p:spPr>
+        <p:txBody>
+          <a:bodyPr anchorCtr="0" anchor="t" bIns="91425" lIns="91425" spcFirstLastPara="1" rIns="91425" wrap="square" tIns="91425">
+            <a:noAutofit/>
+          </a:bodyPr>
+          <a:lstStyle/>
+          <a:p>
+            <a:pPr indent="0" lvl="0" marL="0" rtl="0" algn="l">
+              <a:spcBef>
+                <a:spcPts val="0"/>
+              </a:spcBef>
+              <a:spcAft>
+                <a:spcPts val="0"/>
+              </a:spcAft>
+              <a:buNone/>
+            </a:pPr>
+            <a:r>
+              <a:t/>
+            </a:r>
+            <a:endParaRPr/>
+          </a:p>
+        </p:txBody>
+      </p:sp>
+    </p:spTree>
+  </p:cSld>
+  <p:clrMapOvr>
+    <a:masterClrMapping/>
+  </p:clrMapOvr>
+</p:notes>
+</file>
+
+<file path=ppt/notesSlides/notesSlide14.xml><?xml version="1.0" encoding="utf-8"?>
+<p:notes xmlns:a="http://schemas.openxmlformats.org/drawingml/2006/main" xmlns:r="http://schemas.openxmlformats.org/officeDocument/2006/relationships" xmlns:mc="http://schemas.openxmlformats.org/markup-compatibility/2006" xmlns:mv="urn:schemas-microsoft-com:mac:vml" xmlns:p="http://schemas.openxmlformats.org/presentationml/2006/main" xmlns:c="http://schemas.openxmlformats.org/drawingml/2006/chart" xmlns:dgm="http://schemas.openxmlformats.org/drawingml/2006/diagram" xmlns:o="urn:schemas-microsoft-com:office:office" xmlns:v="urn:schemas-microsoft-com:vml" xmlns:pvml="urn:schemas-microsoft-com:office:powerpoint" xmlns:com="http://schemas.openxmlformats.org/drawingml/2006/compatibility" xmlns:p14="http://schemas.microsoft.com/office/powerpoint/2010/main" xmlns:p15="http://schemas.microsoft.com/office/powerpoint/2012/main" xmlns:ahyp="http://schemas.microsoft.com/office/drawing/2018/hyperlinkcolor" showMasterPhAnim="0" showMasterSp="0">
+  <p:cSld>
+    <p:spTree>
+      <p:nvGrpSpPr>
+        <p:cNvPr id="191" name="Shape 191"/>
+        <p:cNvGrpSpPr/>
+        <p:nvPr/>
+      </p:nvGrpSpPr>
+      <p:grpSpPr>
+        <a:xfrm>
+          <a:off x="0" y="0"/>
+          <a:ext cx="0" cy="0"/>
+          <a:chOff x="0" y="0"/>
+          <a:chExt cx="0" cy="0"/>
+        </a:xfrm>
+      </p:grpSpPr>
+      <p:sp>
+        <p:nvSpPr>
+          <p:cNvPr id="192" name="Google Shape;192;g11236344251_0_116:notes"/>
+          <p:cNvSpPr/>
+          <p:nvPr>
+            <p:ph idx="2" type="sldImg"/>
+          </p:nvPr>
+        </p:nvSpPr>
+        <p:spPr>
+          <a:xfrm>
+            <a:off x="381188" y="685800"/>
+            <a:ext cx="6096300" cy="3429000"/>
+          </a:xfrm>
+          <a:custGeom>
+            <a:rect b="b" l="l" r="r" t="t"/>
+            <a:pathLst>
+              <a:path extrusionOk="0" h="120000" w="120000">
+                <a:moveTo>
+                  <a:pt x="0" y="0"/>
+                </a:moveTo>
+                <a:lnTo>
+                  <a:pt x="120000" y="0"/>
+                </a:lnTo>
+                <a:lnTo>
+                  <a:pt x="120000" y="120000"/>
+                </a:lnTo>
+                <a:lnTo>
+                  <a:pt x="0" y="120000"/>
+                </a:lnTo>
+                <a:close/>
+              </a:path>
+            </a:pathLst>
+          </a:custGeom>
+        </p:spPr>
+      </p:sp>
+      <p:sp>
+        <p:nvSpPr>
+          <p:cNvPr id="193" name="Google Shape;193;g11236344251_0_116:notes"/>
+          <p:cNvSpPr txBox="1"/>
+          <p:nvPr>
+            <p:ph idx="1" type="body"/>
+          </p:nvPr>
+        </p:nvSpPr>
+        <p:spPr>
+          <a:xfrm>
+            <a:off x="685800" y="4343400"/>
+            <a:ext cx="5486400" cy="4114800"/>
+          </a:xfrm>
+          <a:prstGeom prst="rect">
+            <a:avLst/>
+          </a:prstGeom>
+        </p:spPr>
+        <p:txBody>
+          <a:bodyPr anchorCtr="0" anchor="t" bIns="91425" lIns="91425" spcFirstLastPara="1" rIns="91425" wrap="square" tIns="91425">
+            <a:noAutofit/>
+          </a:bodyPr>
+          <a:lstStyle/>
+          <a:p>
+            <a:pPr indent="0" lvl="0" marL="0" rtl="0" algn="l">
+              <a:spcBef>
+                <a:spcPts val="0"/>
+              </a:spcBef>
+              <a:spcAft>
+                <a:spcPts val="0"/>
+              </a:spcAft>
+              <a:buNone/>
+            </a:pPr>
+            <a:r>
+              <a:t/>
+            </a:r>
+            <a:endParaRPr/>
+          </a:p>
+        </p:txBody>
+      </p:sp>
+    </p:spTree>
+  </p:cSld>
+  <p:clrMapOvr>
+    <a:masterClrMapping/>
+  </p:clrMapOvr>
+</p:notes>
+</file>
+
+<file path=ppt/notesSlides/notesSlide15.xml><?xml version="1.0" encoding="utf-8"?>
+<p:notes xmlns:a="http://schemas.openxmlformats.org/drawingml/2006/main" xmlns:r="http://schemas.openxmlformats.org/officeDocument/2006/relationships" xmlns:mc="http://schemas.openxmlformats.org/markup-compatibility/2006" xmlns:mv="urn:schemas-microsoft-com:mac:vml" xmlns:p="http://schemas.openxmlformats.org/presentationml/2006/main" xmlns:c="http://schemas.openxmlformats.org/drawingml/2006/chart" xmlns:dgm="http://schemas.openxmlformats.org/drawingml/2006/diagram" xmlns:o="urn:schemas-microsoft-com:office:office" xmlns:v="urn:schemas-microsoft-com:vml" xmlns:pvml="urn:schemas-microsoft-com:office:powerpoint" xmlns:com="http://schemas.openxmlformats.org/drawingml/2006/compatibility" xmlns:p14="http://schemas.microsoft.com/office/powerpoint/2010/main" xmlns:p15="http://schemas.microsoft.com/office/powerpoint/2012/main" xmlns:ahyp="http://schemas.microsoft.com/office/drawing/2018/hyperlinkcolor" showMasterPhAnim="0" showMasterSp="0">
+  <p:cSld>
+    <p:spTree>
+      <p:nvGrpSpPr>
+        <p:cNvPr id="198" name="Shape 198"/>
+        <p:cNvGrpSpPr/>
+        <p:nvPr/>
+      </p:nvGrpSpPr>
+      <p:grpSpPr>
+        <a:xfrm>
+          <a:off x="0" y="0"/>
+          <a:ext cx="0" cy="0"/>
+          <a:chOff x="0" y="0"/>
+          <a:chExt cx="0" cy="0"/>
+        </a:xfrm>
+      </p:grpSpPr>
+      <p:sp>
+        <p:nvSpPr>
+          <p:cNvPr id="199" name="Google Shape;199;g11236344251_0_122:notes"/>
+          <p:cNvSpPr/>
+          <p:nvPr>
+            <p:ph idx="2" type="sldImg"/>
+          </p:nvPr>
+        </p:nvSpPr>
+        <p:spPr>
+          <a:xfrm>
+            <a:off x="381188" y="685800"/>
+            <a:ext cx="6096300" cy="3429000"/>
+          </a:xfrm>
+          <a:custGeom>
+            <a:rect b="b" l="l" r="r" t="t"/>
+            <a:pathLst>
+              <a:path extrusionOk="0" h="120000" w="120000">
+                <a:moveTo>
+                  <a:pt x="0" y="0"/>
+                </a:moveTo>
+                <a:lnTo>
+                  <a:pt x="120000" y="0"/>
+                </a:lnTo>
+                <a:lnTo>
+                  <a:pt x="120000" y="120000"/>
+                </a:lnTo>
+                <a:lnTo>
+                  <a:pt x="0" y="120000"/>
+                </a:lnTo>
+                <a:close/>
+              </a:path>
+            </a:pathLst>
+          </a:custGeom>
+        </p:spPr>
+      </p:sp>
+      <p:sp>
+        <p:nvSpPr>
+          <p:cNvPr id="200" name="Google Shape;200;g11236344251_0_122:notes"/>
+          <p:cNvSpPr txBox="1"/>
+          <p:nvPr>
+            <p:ph idx="1" type="body"/>
+          </p:nvPr>
+        </p:nvSpPr>
+        <p:spPr>
+          <a:xfrm>
+            <a:off x="685800" y="4343400"/>
+            <a:ext cx="5486400" cy="4114800"/>
+          </a:xfrm>
+          <a:prstGeom prst="rect">
+            <a:avLst/>
+          </a:prstGeom>
+        </p:spPr>
+        <p:txBody>
+          <a:bodyPr anchorCtr="0" anchor="t" bIns="91425" lIns="91425" spcFirstLastPara="1" rIns="91425" wrap="square" tIns="91425">
+            <a:noAutofit/>
+          </a:bodyPr>
+          <a:lstStyle/>
+          <a:p>
+            <a:pPr indent="0" lvl="0" marL="0" rtl="0" algn="l">
+              <a:spcBef>
+                <a:spcPts val="0"/>
+              </a:spcBef>
+              <a:spcAft>
+                <a:spcPts val="0"/>
+              </a:spcAft>
+              <a:buNone/>
+            </a:pPr>
+            <a:r>
+              <a:t/>
+            </a:r>
+            <a:endParaRPr/>
+          </a:p>
+        </p:txBody>
+      </p:sp>
+    </p:spTree>
+  </p:cSld>
+  <p:clrMapOvr>
+    <a:masterClrMapping/>
+  </p:clrMapOvr>
+</p:notes>
+</file>
+
+<file path=ppt/notesSlides/notesSlide16.xml><?xml version="1.0" encoding="utf-8"?>
+<p:notes xmlns:a="http://schemas.openxmlformats.org/drawingml/2006/main" xmlns:r="http://schemas.openxmlformats.org/officeDocument/2006/relationships" xmlns:mc="http://schemas.openxmlformats.org/markup-compatibility/2006" xmlns:mv="urn:schemas-microsoft-com:mac:vml" xmlns:p="http://schemas.openxmlformats.org/presentationml/2006/main" xmlns:c="http://schemas.openxmlformats.org/drawingml/2006/chart" xmlns:dgm="http://schemas.openxmlformats.org/drawingml/2006/diagram" xmlns:o="urn:schemas-microsoft-com:office:office" xmlns:v="urn:schemas-microsoft-com:vml" xmlns:pvml="urn:schemas-microsoft-com:office:powerpoint" xmlns:com="http://schemas.openxmlformats.org/drawingml/2006/compatibility" xmlns:p14="http://schemas.microsoft.com/office/powerpoint/2010/main" xmlns:p15="http://schemas.microsoft.com/office/powerpoint/2012/main" xmlns:ahyp="http://schemas.microsoft.com/office/drawing/2018/hyperlinkcolor" showMasterPhAnim="0" showMasterSp="0">
+  <p:cSld>
+    <p:spTree>
+      <p:nvGrpSpPr>
+        <p:cNvPr id="207" name="Shape 207"/>
+        <p:cNvGrpSpPr/>
+        <p:nvPr/>
+      </p:nvGrpSpPr>
+      <p:grpSpPr>
+        <a:xfrm>
+          <a:off x="0" y="0"/>
+          <a:ext cx="0" cy="0"/>
+          <a:chOff x="0" y="0"/>
+          <a:chExt cx="0" cy="0"/>
+        </a:xfrm>
+      </p:grpSpPr>
+      <p:sp>
+        <p:nvSpPr>
+          <p:cNvPr id="208" name="Google Shape;208;g11236344251_0_135:notes"/>
+          <p:cNvSpPr/>
+          <p:nvPr>
+            <p:ph idx="2" type="sldImg"/>
+          </p:nvPr>
+        </p:nvSpPr>
+        <p:spPr>
+          <a:xfrm>
+            <a:off x="381188" y="685800"/>
+            <a:ext cx="6096300" cy="3429000"/>
+          </a:xfrm>
+          <a:custGeom>
+            <a:rect b="b" l="l" r="r" t="t"/>
+            <a:pathLst>
+              <a:path extrusionOk="0" h="120000" w="120000">
+                <a:moveTo>
+                  <a:pt x="0" y="0"/>
+                </a:moveTo>
+                <a:lnTo>
+                  <a:pt x="120000" y="0"/>
+                </a:lnTo>
+                <a:lnTo>
+                  <a:pt x="120000" y="120000"/>
+                </a:lnTo>
+                <a:lnTo>
+                  <a:pt x="0" y="120000"/>
+                </a:lnTo>
+                <a:close/>
+              </a:path>
+            </a:pathLst>
+          </a:custGeom>
+        </p:spPr>
+      </p:sp>
+      <p:sp>
+        <p:nvSpPr>
+          <p:cNvPr id="209" name="Google Shape;209;g11236344251_0_135:notes"/>
+          <p:cNvSpPr txBox="1"/>
+          <p:nvPr>
+            <p:ph idx="1" type="body"/>
+          </p:nvPr>
+        </p:nvSpPr>
+        <p:spPr>
+          <a:xfrm>
+            <a:off x="685800" y="4343400"/>
+            <a:ext cx="5486400" cy="4114800"/>
+          </a:xfrm>
+          <a:prstGeom prst="rect">
+            <a:avLst/>
+          </a:prstGeom>
+        </p:spPr>
+        <p:txBody>
+          <a:bodyPr anchorCtr="0" anchor="t" bIns="91425" lIns="91425" spcFirstLastPara="1" rIns="91425" wrap="square" tIns="91425">
+            <a:noAutofit/>
+          </a:bodyPr>
+          <a:lstStyle/>
+          <a:p>
+            <a:pPr indent="0" lvl="0" marL="0" rtl="0" algn="l">
+              <a:spcBef>
+                <a:spcPts val="0"/>
+              </a:spcBef>
+              <a:spcAft>
+                <a:spcPts val="0"/>
+              </a:spcAft>
+              <a:buNone/>
+            </a:pPr>
+            <a:r>
+              <a:t/>
+            </a:r>
+            <a:endParaRPr/>
+          </a:p>
+        </p:txBody>
+      </p:sp>
+    </p:spTree>
+  </p:cSld>
+  <p:clrMapOvr>
+    <a:masterClrMapping/>
+  </p:clrMapOvr>
+</p:notes>
+</file>
+
+<file path=ppt/notesSlides/notesSlide17.xml><?xml version="1.0" encoding="utf-8"?>
+<p:notes xmlns:a="http://schemas.openxmlformats.org/drawingml/2006/main" xmlns:r="http://schemas.openxmlformats.org/officeDocument/2006/relationships" xmlns:mc="http://schemas.openxmlformats.org/markup-compatibility/2006" xmlns:mv="urn:schemas-microsoft-com:mac:vml" xmlns:p="http://schemas.openxmlformats.org/presentationml/2006/main" xmlns:c="http://schemas.openxmlformats.org/drawingml/2006/chart" xmlns:dgm="http://schemas.openxmlformats.org/drawingml/2006/diagram" xmlns:o="urn:schemas-microsoft-com:office:office" xmlns:v="urn:schemas-microsoft-com:vml" xmlns:pvml="urn:schemas-microsoft-com:office:powerpoint" xmlns:com="http://schemas.openxmlformats.org/drawingml/2006/compatibility" xmlns:p14="http://schemas.microsoft.com/office/powerpoint/2010/main" xmlns:p15="http://schemas.microsoft.com/office/powerpoint/2012/main" xmlns:ahyp="http://schemas.microsoft.com/office/drawing/2018/hyperlinkcolor" showMasterPhAnim="0" showMasterSp="0">
+  <p:cSld>
+    <p:spTree>
+      <p:nvGrpSpPr>
+        <p:cNvPr id="214" name="Shape 214"/>
+        <p:cNvGrpSpPr/>
+        <p:nvPr/>
+      </p:nvGrpSpPr>
+      <p:grpSpPr>
+        <a:xfrm>
+          <a:off x="0" y="0"/>
+          <a:ext cx="0" cy="0"/>
+          <a:chOff x="0" y="0"/>
+          <a:chExt cx="0" cy="0"/>
+        </a:xfrm>
+      </p:grpSpPr>
+      <p:sp>
+        <p:nvSpPr>
+          <p:cNvPr id="215" name="Google Shape;215;g11236344251_0_144:notes"/>
+          <p:cNvSpPr/>
+          <p:nvPr>
+            <p:ph idx="2" type="sldImg"/>
+          </p:nvPr>
+        </p:nvSpPr>
+        <p:spPr>
+          <a:xfrm>
+            <a:off x="381188" y="685800"/>
+            <a:ext cx="6096300" cy="3429000"/>
+          </a:xfrm>
+          <a:custGeom>
+            <a:rect b="b" l="l" r="r" t="t"/>
+            <a:pathLst>
+              <a:path extrusionOk="0" h="120000" w="120000">
+                <a:moveTo>
+                  <a:pt x="0" y="0"/>
+                </a:moveTo>
+                <a:lnTo>
+                  <a:pt x="120000" y="0"/>
+                </a:lnTo>
+                <a:lnTo>
+                  <a:pt x="120000" y="120000"/>
+                </a:lnTo>
+                <a:lnTo>
+                  <a:pt x="0" y="120000"/>
+                </a:lnTo>
+                <a:close/>
+              </a:path>
+            </a:pathLst>
+          </a:custGeom>
+        </p:spPr>
+      </p:sp>
+      <p:sp>
+        <p:nvSpPr>
+          <p:cNvPr id="216" name="Google Shape;216;g11236344251_0_144:notes"/>
+          <p:cNvSpPr txBox="1"/>
+          <p:nvPr>
+            <p:ph idx="1" type="body"/>
+          </p:nvPr>
+        </p:nvSpPr>
+        <p:spPr>
+          <a:xfrm>
+            <a:off x="685800" y="4343400"/>
+            <a:ext cx="5486400" cy="4114800"/>
+          </a:xfrm>
+          <a:prstGeom prst="rect">
+            <a:avLst/>
+          </a:prstGeom>
+        </p:spPr>
+        <p:txBody>
+          <a:bodyPr anchorCtr="0" anchor="t" bIns="91425" lIns="91425" spcFirstLastPara="1" rIns="91425" wrap="square" tIns="91425">
+            <a:noAutofit/>
+          </a:bodyPr>
+          <a:lstStyle/>
+          <a:p>
+            <a:pPr indent="0" lvl="0" marL="0" rtl="0" algn="l">
+              <a:spcBef>
+                <a:spcPts val="0"/>
+              </a:spcBef>
+              <a:spcAft>
+                <a:spcPts val="0"/>
+              </a:spcAft>
+              <a:buNone/>
+            </a:pPr>
+            <a:r>
+              <a:t/>
+            </a:r>
+            <a:endParaRPr/>
+          </a:p>
+        </p:txBody>
+      </p:sp>
+    </p:spTree>
+  </p:cSld>
+  <p:clrMapOvr>
+    <a:masterClrMapping/>
+  </p:clrMapOvr>
+</p:notes>
+</file>
+
+<file path=ppt/notesSlides/notesSlide18.xml><?xml version="1.0" encoding="utf-8"?>
+<p:notes xmlns:a="http://schemas.openxmlformats.org/drawingml/2006/main" xmlns:r="http://schemas.openxmlformats.org/officeDocument/2006/relationships" xmlns:mc="http://schemas.openxmlformats.org/markup-compatibility/2006" xmlns:mv="urn:schemas-microsoft-com:mac:vml" xmlns:p="http://schemas.openxmlformats.org/presentationml/2006/main" xmlns:c="http://schemas.openxmlformats.org/drawingml/2006/chart" xmlns:dgm="http://schemas.openxmlformats.org/drawingml/2006/diagram" xmlns:o="urn:schemas-microsoft-com:office:office" xmlns:v="urn:schemas-microsoft-com:vml" xmlns:pvml="urn:schemas-microsoft-com:office:powerpoint" xmlns:com="http://schemas.openxmlformats.org/drawingml/2006/compatibility" xmlns:p14="http://schemas.microsoft.com/office/powerpoint/2010/main" xmlns:p15="http://schemas.microsoft.com/office/powerpoint/2012/main" xmlns:ahyp="http://schemas.microsoft.com/office/drawing/2018/hyperlinkcolor" showMasterPhAnim="0" showMasterSp="0">
+  <p:cSld>
+    <p:spTree>
+      <p:nvGrpSpPr>
+        <p:cNvPr id="222" name="Shape 222"/>
+        <p:cNvGrpSpPr/>
+        <p:nvPr/>
+      </p:nvGrpSpPr>
+      <p:grpSpPr>
+        <a:xfrm>
+          <a:off x="0" y="0"/>
+          <a:ext cx="0" cy="0"/>
+          <a:chOff x="0" y="0"/>
+          <a:chExt cx="0" cy="0"/>
+        </a:xfrm>
+      </p:grpSpPr>
+      <p:sp>
+        <p:nvSpPr>
+          <p:cNvPr id="223" name="Google Shape;223;g11236344251_0_154:notes"/>
+          <p:cNvSpPr/>
+          <p:nvPr>
+            <p:ph idx="2" type="sldImg"/>
+          </p:nvPr>
+        </p:nvSpPr>
+        <p:spPr>
+          <a:xfrm>
+            <a:off x="381188" y="685800"/>
+            <a:ext cx="6096300" cy="3429000"/>
+          </a:xfrm>
+          <a:custGeom>
+            <a:rect b="b" l="l" r="r" t="t"/>
+            <a:pathLst>
+              <a:path extrusionOk="0" h="120000" w="120000">
+                <a:moveTo>
+                  <a:pt x="0" y="0"/>
+                </a:moveTo>
+                <a:lnTo>
+                  <a:pt x="120000" y="0"/>
+                </a:lnTo>
+                <a:lnTo>
+                  <a:pt x="120000" y="120000"/>
+                </a:lnTo>
+                <a:lnTo>
+                  <a:pt x="0" y="120000"/>
+                </a:lnTo>
+                <a:close/>
+              </a:path>
+            </a:pathLst>
+          </a:custGeom>
+        </p:spPr>
+      </p:sp>
+      <p:sp>
+        <p:nvSpPr>
+          <p:cNvPr id="224" name="Google Shape;224;g11236344251_0_154:notes"/>
+          <p:cNvSpPr txBox="1"/>
+          <p:nvPr>
+            <p:ph idx="1" type="body"/>
+          </p:nvPr>
+        </p:nvSpPr>
+        <p:spPr>
+          <a:xfrm>
+            <a:off x="685800" y="4343400"/>
+            <a:ext cx="5486400" cy="4114800"/>
+          </a:xfrm>
+          <a:prstGeom prst="rect">
+            <a:avLst/>
+          </a:prstGeom>
+        </p:spPr>
+        <p:txBody>
+          <a:bodyPr anchorCtr="0" anchor="t" bIns="91425" lIns="91425" spcFirstLastPara="1" rIns="91425" wrap="square" tIns="91425">
+            <a:noAutofit/>
+          </a:bodyPr>
+          <a:lstStyle/>
+          <a:p>
+            <a:pPr indent="0" lvl="0" marL="0" rtl="0" algn="l">
+              <a:spcBef>
+                <a:spcPts val="0"/>
+              </a:spcBef>
+              <a:spcAft>
+                <a:spcPts val="0"/>
+              </a:spcAft>
+              <a:buNone/>
+            </a:pPr>
+            <a:r>
+              <a:t/>
+            </a:r>
+            <a:endParaRPr/>
+          </a:p>
+        </p:txBody>
+      </p:sp>
+    </p:spTree>
+  </p:cSld>
+  <p:clrMapOvr>
+    <a:masterClrMapping/>
+  </p:clrMapOvr>
+</p:notes>
+</file>
+
+<file path=ppt/notesSlides/notesSlide19.xml><?xml version="1.0" encoding="utf-8"?>
+<p:notes xmlns:a="http://schemas.openxmlformats.org/drawingml/2006/main" xmlns:r="http://schemas.openxmlformats.org/officeDocument/2006/relationships" xmlns:mc="http://schemas.openxmlformats.org/markup-compatibility/2006" xmlns:mv="urn:schemas-microsoft-com:mac:vml" xmlns:p="http://schemas.openxmlformats.org/presentationml/2006/main" xmlns:c="http://schemas.openxmlformats.org/drawingml/2006/chart" xmlns:dgm="http://schemas.openxmlformats.org/drawingml/2006/diagram" xmlns:o="urn:schemas-microsoft-com:office:office" xmlns:v="urn:schemas-microsoft-com:vml" xmlns:pvml="urn:schemas-microsoft-com:office:powerpoint" xmlns:com="http://schemas.openxmlformats.org/drawingml/2006/compatibility" xmlns:p14="http://schemas.microsoft.com/office/powerpoint/2010/main" xmlns:p15="http://schemas.microsoft.com/office/powerpoint/2012/main" xmlns:ahyp="http://schemas.microsoft.com/office/drawing/2018/hyperlinkcolor" showMasterPhAnim="0" showMasterSp="0">
+  <p:cSld>
+    <p:spTree>
+      <p:nvGrpSpPr>
+        <p:cNvPr id="230" name="Shape 230"/>
+        <p:cNvGrpSpPr/>
+        <p:nvPr/>
+      </p:nvGrpSpPr>
+      <p:grpSpPr>
+        <a:xfrm>
+          <a:off x="0" y="0"/>
+          <a:ext cx="0" cy="0"/>
+          <a:chOff x="0" y="0"/>
+          <a:chExt cx="0" cy="0"/>
+        </a:xfrm>
+      </p:grpSpPr>
+      <p:sp>
+        <p:nvSpPr>
+          <p:cNvPr id="231" name="Google Shape;231;g11236344251_0_170:notes"/>
+          <p:cNvSpPr/>
+          <p:nvPr>
+            <p:ph idx="2" type="sldImg"/>
+          </p:nvPr>
+        </p:nvSpPr>
+        <p:spPr>
+          <a:xfrm>
+            <a:off x="381188" y="685800"/>
+            <a:ext cx="6096300" cy="3429000"/>
+          </a:xfrm>
+          <a:custGeom>
+            <a:rect b="b" l="l" r="r" t="t"/>
+            <a:pathLst>
+              <a:path extrusionOk="0" h="120000" w="120000">
+                <a:moveTo>
+                  <a:pt x="0" y="0"/>
+                </a:moveTo>
+                <a:lnTo>
+                  <a:pt x="120000" y="0"/>
+                </a:lnTo>
+                <a:lnTo>
+                  <a:pt x="120000" y="120000"/>
+                </a:lnTo>
+                <a:lnTo>
+                  <a:pt x="0" y="120000"/>
+                </a:lnTo>
+                <a:close/>
+              </a:path>
+            </a:pathLst>
+          </a:custGeom>
+        </p:spPr>
+      </p:sp>
+      <p:sp>
+        <p:nvSpPr>
+          <p:cNvPr id="232" name="Google Shape;232;g11236344251_0_170:notes"/>
           <p:cNvSpPr txBox="1"/>
           <p:nvPr>
             <p:ph idx="1" type="body"/>
@@ -1301,6 +1913,996 @@
 </p:notes>
 </file>
 
+<file path=ppt/notesSlides/notesSlide20.xml><?xml version="1.0" encoding="utf-8"?>
+<p:notes xmlns:a="http://schemas.openxmlformats.org/drawingml/2006/main" xmlns:r="http://schemas.openxmlformats.org/officeDocument/2006/relationships" xmlns:mc="http://schemas.openxmlformats.org/markup-compatibility/2006" xmlns:mv="urn:schemas-microsoft-com:mac:vml" xmlns:p="http://schemas.openxmlformats.org/presentationml/2006/main" xmlns:c="http://schemas.openxmlformats.org/drawingml/2006/chart" xmlns:dgm="http://schemas.openxmlformats.org/drawingml/2006/diagram" xmlns:o="urn:schemas-microsoft-com:office:office" xmlns:v="urn:schemas-microsoft-com:vml" xmlns:pvml="urn:schemas-microsoft-com:office:powerpoint" xmlns:com="http://schemas.openxmlformats.org/drawingml/2006/compatibility" xmlns:p14="http://schemas.microsoft.com/office/powerpoint/2010/main" xmlns:p15="http://schemas.microsoft.com/office/powerpoint/2012/main" xmlns:ahyp="http://schemas.microsoft.com/office/drawing/2018/hyperlinkcolor" showMasterPhAnim="0" showMasterSp="0">
+  <p:cSld>
+    <p:spTree>
+      <p:nvGrpSpPr>
+        <p:cNvPr id="237" name="Shape 237"/>
+        <p:cNvGrpSpPr/>
+        <p:nvPr/>
+      </p:nvGrpSpPr>
+      <p:grpSpPr>
+        <a:xfrm>
+          <a:off x="0" y="0"/>
+          <a:ext cx="0" cy="0"/>
+          <a:chOff x="0" y="0"/>
+          <a:chExt cx="0" cy="0"/>
+        </a:xfrm>
+      </p:grpSpPr>
+      <p:sp>
+        <p:nvSpPr>
+          <p:cNvPr id="238" name="Google Shape;238;g11236344251_0_179:notes"/>
+          <p:cNvSpPr/>
+          <p:nvPr>
+            <p:ph idx="2" type="sldImg"/>
+          </p:nvPr>
+        </p:nvSpPr>
+        <p:spPr>
+          <a:xfrm>
+            <a:off x="381188" y="685800"/>
+            <a:ext cx="6096300" cy="3429000"/>
+          </a:xfrm>
+          <a:custGeom>
+            <a:rect b="b" l="l" r="r" t="t"/>
+            <a:pathLst>
+              <a:path extrusionOk="0" h="120000" w="120000">
+                <a:moveTo>
+                  <a:pt x="0" y="0"/>
+                </a:moveTo>
+                <a:lnTo>
+                  <a:pt x="120000" y="0"/>
+                </a:lnTo>
+                <a:lnTo>
+                  <a:pt x="120000" y="120000"/>
+                </a:lnTo>
+                <a:lnTo>
+                  <a:pt x="0" y="120000"/>
+                </a:lnTo>
+                <a:close/>
+              </a:path>
+            </a:pathLst>
+          </a:custGeom>
+        </p:spPr>
+      </p:sp>
+      <p:sp>
+        <p:nvSpPr>
+          <p:cNvPr id="239" name="Google Shape;239;g11236344251_0_179:notes"/>
+          <p:cNvSpPr txBox="1"/>
+          <p:nvPr>
+            <p:ph idx="1" type="body"/>
+          </p:nvPr>
+        </p:nvSpPr>
+        <p:spPr>
+          <a:xfrm>
+            <a:off x="685800" y="4343400"/>
+            <a:ext cx="5486400" cy="4114800"/>
+          </a:xfrm>
+          <a:prstGeom prst="rect">
+            <a:avLst/>
+          </a:prstGeom>
+        </p:spPr>
+        <p:txBody>
+          <a:bodyPr anchorCtr="0" anchor="t" bIns="91425" lIns="91425" spcFirstLastPara="1" rIns="91425" wrap="square" tIns="91425">
+            <a:noAutofit/>
+          </a:bodyPr>
+          <a:lstStyle/>
+          <a:p>
+            <a:pPr indent="0" lvl="0" marL="0" rtl="0" algn="l">
+              <a:spcBef>
+                <a:spcPts val="0"/>
+              </a:spcBef>
+              <a:spcAft>
+                <a:spcPts val="0"/>
+              </a:spcAft>
+              <a:buNone/>
+            </a:pPr>
+            <a:r>
+              <a:t/>
+            </a:r>
+            <a:endParaRPr/>
+          </a:p>
+        </p:txBody>
+      </p:sp>
+    </p:spTree>
+  </p:cSld>
+  <p:clrMapOvr>
+    <a:masterClrMapping/>
+  </p:clrMapOvr>
+</p:notes>
+</file>
+
+<file path=ppt/notesSlides/notesSlide21.xml><?xml version="1.0" encoding="utf-8"?>
+<p:notes xmlns:a="http://schemas.openxmlformats.org/drawingml/2006/main" xmlns:r="http://schemas.openxmlformats.org/officeDocument/2006/relationships" xmlns:mc="http://schemas.openxmlformats.org/markup-compatibility/2006" xmlns:mv="urn:schemas-microsoft-com:mac:vml" xmlns:p="http://schemas.openxmlformats.org/presentationml/2006/main" xmlns:c="http://schemas.openxmlformats.org/drawingml/2006/chart" xmlns:dgm="http://schemas.openxmlformats.org/drawingml/2006/diagram" xmlns:o="urn:schemas-microsoft-com:office:office" xmlns:v="urn:schemas-microsoft-com:vml" xmlns:pvml="urn:schemas-microsoft-com:office:powerpoint" xmlns:com="http://schemas.openxmlformats.org/drawingml/2006/compatibility" xmlns:p14="http://schemas.microsoft.com/office/powerpoint/2010/main" xmlns:p15="http://schemas.microsoft.com/office/powerpoint/2012/main" xmlns:ahyp="http://schemas.microsoft.com/office/drawing/2018/hyperlinkcolor" showMasterPhAnim="0" showMasterSp="0">
+  <p:cSld>
+    <p:spTree>
+      <p:nvGrpSpPr>
+        <p:cNvPr id="251" name="Shape 251"/>
+        <p:cNvGrpSpPr/>
+        <p:nvPr/>
+      </p:nvGrpSpPr>
+      <p:grpSpPr>
+        <a:xfrm>
+          <a:off x="0" y="0"/>
+          <a:ext cx="0" cy="0"/>
+          <a:chOff x="0" y="0"/>
+          <a:chExt cx="0" cy="0"/>
+        </a:xfrm>
+      </p:grpSpPr>
+      <p:sp>
+        <p:nvSpPr>
+          <p:cNvPr id="252" name="Google Shape;252;g11236344251_0_194:notes"/>
+          <p:cNvSpPr/>
+          <p:nvPr>
+            <p:ph idx="2" type="sldImg"/>
+          </p:nvPr>
+        </p:nvSpPr>
+        <p:spPr>
+          <a:xfrm>
+            <a:off x="381188" y="685800"/>
+            <a:ext cx="6096300" cy="3429000"/>
+          </a:xfrm>
+          <a:custGeom>
+            <a:rect b="b" l="l" r="r" t="t"/>
+            <a:pathLst>
+              <a:path extrusionOk="0" h="120000" w="120000">
+                <a:moveTo>
+                  <a:pt x="0" y="0"/>
+                </a:moveTo>
+                <a:lnTo>
+                  <a:pt x="120000" y="0"/>
+                </a:lnTo>
+                <a:lnTo>
+                  <a:pt x="120000" y="120000"/>
+                </a:lnTo>
+                <a:lnTo>
+                  <a:pt x="0" y="120000"/>
+                </a:lnTo>
+                <a:close/>
+              </a:path>
+            </a:pathLst>
+          </a:custGeom>
+        </p:spPr>
+      </p:sp>
+      <p:sp>
+        <p:nvSpPr>
+          <p:cNvPr id="253" name="Google Shape;253;g11236344251_0_194:notes"/>
+          <p:cNvSpPr txBox="1"/>
+          <p:nvPr>
+            <p:ph idx="1" type="body"/>
+          </p:nvPr>
+        </p:nvSpPr>
+        <p:spPr>
+          <a:xfrm>
+            <a:off x="685800" y="4343400"/>
+            <a:ext cx="5486400" cy="4114800"/>
+          </a:xfrm>
+          <a:prstGeom prst="rect">
+            <a:avLst/>
+          </a:prstGeom>
+        </p:spPr>
+        <p:txBody>
+          <a:bodyPr anchorCtr="0" anchor="t" bIns="91425" lIns="91425" spcFirstLastPara="1" rIns="91425" wrap="square" tIns="91425">
+            <a:noAutofit/>
+          </a:bodyPr>
+          <a:lstStyle/>
+          <a:p>
+            <a:pPr indent="0" lvl="0" marL="0" rtl="0" algn="l">
+              <a:spcBef>
+                <a:spcPts val="0"/>
+              </a:spcBef>
+              <a:spcAft>
+                <a:spcPts val="0"/>
+              </a:spcAft>
+              <a:buNone/>
+            </a:pPr>
+            <a:r>
+              <a:t/>
+            </a:r>
+            <a:endParaRPr/>
+          </a:p>
+        </p:txBody>
+      </p:sp>
+    </p:spTree>
+  </p:cSld>
+  <p:clrMapOvr>
+    <a:masterClrMapping/>
+  </p:clrMapOvr>
+</p:notes>
+</file>
+
+<file path=ppt/notesSlides/notesSlide22.xml><?xml version="1.0" encoding="utf-8"?>
+<p:notes xmlns:a="http://schemas.openxmlformats.org/drawingml/2006/main" xmlns:r="http://schemas.openxmlformats.org/officeDocument/2006/relationships" xmlns:mc="http://schemas.openxmlformats.org/markup-compatibility/2006" xmlns:mv="urn:schemas-microsoft-com:mac:vml" xmlns:p="http://schemas.openxmlformats.org/presentationml/2006/main" xmlns:c="http://schemas.openxmlformats.org/drawingml/2006/chart" xmlns:dgm="http://schemas.openxmlformats.org/drawingml/2006/diagram" xmlns:o="urn:schemas-microsoft-com:office:office" xmlns:v="urn:schemas-microsoft-com:vml" xmlns:pvml="urn:schemas-microsoft-com:office:powerpoint" xmlns:com="http://schemas.openxmlformats.org/drawingml/2006/compatibility" xmlns:p14="http://schemas.microsoft.com/office/powerpoint/2010/main" xmlns:p15="http://schemas.microsoft.com/office/powerpoint/2012/main" xmlns:ahyp="http://schemas.microsoft.com/office/drawing/2018/hyperlinkcolor" showMasterPhAnim="0" showMasterSp="0">
+  <p:cSld>
+    <p:spTree>
+      <p:nvGrpSpPr>
+        <p:cNvPr id="260" name="Shape 260"/>
+        <p:cNvGrpSpPr/>
+        <p:nvPr/>
+      </p:nvGrpSpPr>
+      <p:grpSpPr>
+        <a:xfrm>
+          <a:off x="0" y="0"/>
+          <a:ext cx="0" cy="0"/>
+          <a:chOff x="0" y="0"/>
+          <a:chExt cx="0" cy="0"/>
+        </a:xfrm>
+      </p:grpSpPr>
+      <p:sp>
+        <p:nvSpPr>
+          <p:cNvPr id="261" name="Google Shape;261;g11236344251_0_218:notes"/>
+          <p:cNvSpPr/>
+          <p:nvPr>
+            <p:ph idx="2" type="sldImg"/>
+          </p:nvPr>
+        </p:nvSpPr>
+        <p:spPr>
+          <a:xfrm>
+            <a:off x="381188" y="685800"/>
+            <a:ext cx="6096300" cy="3429000"/>
+          </a:xfrm>
+          <a:custGeom>
+            <a:rect b="b" l="l" r="r" t="t"/>
+            <a:pathLst>
+              <a:path extrusionOk="0" h="120000" w="120000">
+                <a:moveTo>
+                  <a:pt x="0" y="0"/>
+                </a:moveTo>
+                <a:lnTo>
+                  <a:pt x="120000" y="0"/>
+                </a:lnTo>
+                <a:lnTo>
+                  <a:pt x="120000" y="120000"/>
+                </a:lnTo>
+                <a:lnTo>
+                  <a:pt x="0" y="120000"/>
+                </a:lnTo>
+                <a:close/>
+              </a:path>
+            </a:pathLst>
+          </a:custGeom>
+        </p:spPr>
+      </p:sp>
+      <p:sp>
+        <p:nvSpPr>
+          <p:cNvPr id="262" name="Google Shape;262;g11236344251_0_218:notes"/>
+          <p:cNvSpPr txBox="1"/>
+          <p:nvPr>
+            <p:ph idx="1" type="body"/>
+          </p:nvPr>
+        </p:nvSpPr>
+        <p:spPr>
+          <a:xfrm>
+            <a:off x="685800" y="4343400"/>
+            <a:ext cx="5486400" cy="4114800"/>
+          </a:xfrm>
+          <a:prstGeom prst="rect">
+            <a:avLst/>
+          </a:prstGeom>
+        </p:spPr>
+        <p:txBody>
+          <a:bodyPr anchorCtr="0" anchor="t" bIns="91425" lIns="91425" spcFirstLastPara="1" rIns="91425" wrap="square" tIns="91425">
+            <a:noAutofit/>
+          </a:bodyPr>
+          <a:lstStyle/>
+          <a:p>
+            <a:pPr indent="0" lvl="0" marL="0" rtl="0" algn="l">
+              <a:spcBef>
+                <a:spcPts val="0"/>
+              </a:spcBef>
+              <a:spcAft>
+                <a:spcPts val="0"/>
+              </a:spcAft>
+              <a:buNone/>
+            </a:pPr>
+            <a:r>
+              <a:t/>
+            </a:r>
+            <a:endParaRPr/>
+          </a:p>
+        </p:txBody>
+      </p:sp>
+    </p:spTree>
+  </p:cSld>
+  <p:clrMapOvr>
+    <a:masterClrMapping/>
+  </p:clrMapOvr>
+</p:notes>
+</file>
+
+<file path=ppt/notesSlides/notesSlide23.xml><?xml version="1.0" encoding="utf-8"?>
+<p:notes xmlns:a="http://schemas.openxmlformats.org/drawingml/2006/main" xmlns:r="http://schemas.openxmlformats.org/officeDocument/2006/relationships" xmlns:mc="http://schemas.openxmlformats.org/markup-compatibility/2006" xmlns:mv="urn:schemas-microsoft-com:mac:vml" xmlns:p="http://schemas.openxmlformats.org/presentationml/2006/main" xmlns:c="http://schemas.openxmlformats.org/drawingml/2006/chart" xmlns:dgm="http://schemas.openxmlformats.org/drawingml/2006/diagram" xmlns:o="urn:schemas-microsoft-com:office:office" xmlns:v="urn:schemas-microsoft-com:vml" xmlns:pvml="urn:schemas-microsoft-com:office:powerpoint" xmlns:com="http://schemas.openxmlformats.org/drawingml/2006/compatibility" xmlns:p14="http://schemas.microsoft.com/office/powerpoint/2010/main" xmlns:p15="http://schemas.microsoft.com/office/powerpoint/2012/main" xmlns:ahyp="http://schemas.microsoft.com/office/drawing/2018/hyperlinkcolor" showMasterPhAnim="0" showMasterSp="0">
+  <p:cSld>
+    <p:spTree>
+      <p:nvGrpSpPr>
+        <p:cNvPr id="270" name="Shape 270"/>
+        <p:cNvGrpSpPr/>
+        <p:nvPr/>
+      </p:nvGrpSpPr>
+      <p:grpSpPr>
+        <a:xfrm>
+          <a:off x="0" y="0"/>
+          <a:ext cx="0" cy="0"/>
+          <a:chOff x="0" y="0"/>
+          <a:chExt cx="0" cy="0"/>
+        </a:xfrm>
+      </p:grpSpPr>
+      <p:sp>
+        <p:nvSpPr>
+          <p:cNvPr id="271" name="Google Shape;271;g11236344251_0_228:notes"/>
+          <p:cNvSpPr/>
+          <p:nvPr>
+            <p:ph idx="2" type="sldImg"/>
+          </p:nvPr>
+        </p:nvSpPr>
+        <p:spPr>
+          <a:xfrm>
+            <a:off x="381188" y="685800"/>
+            <a:ext cx="6096300" cy="3429000"/>
+          </a:xfrm>
+          <a:custGeom>
+            <a:rect b="b" l="l" r="r" t="t"/>
+            <a:pathLst>
+              <a:path extrusionOk="0" h="120000" w="120000">
+                <a:moveTo>
+                  <a:pt x="0" y="0"/>
+                </a:moveTo>
+                <a:lnTo>
+                  <a:pt x="120000" y="0"/>
+                </a:lnTo>
+                <a:lnTo>
+                  <a:pt x="120000" y="120000"/>
+                </a:lnTo>
+                <a:lnTo>
+                  <a:pt x="0" y="120000"/>
+                </a:lnTo>
+                <a:close/>
+              </a:path>
+            </a:pathLst>
+          </a:custGeom>
+        </p:spPr>
+      </p:sp>
+      <p:sp>
+        <p:nvSpPr>
+          <p:cNvPr id="272" name="Google Shape;272;g11236344251_0_228:notes"/>
+          <p:cNvSpPr txBox="1"/>
+          <p:nvPr>
+            <p:ph idx="1" type="body"/>
+          </p:nvPr>
+        </p:nvSpPr>
+        <p:spPr>
+          <a:xfrm>
+            <a:off x="685800" y="4343400"/>
+            <a:ext cx="5486400" cy="4114800"/>
+          </a:xfrm>
+          <a:prstGeom prst="rect">
+            <a:avLst/>
+          </a:prstGeom>
+        </p:spPr>
+        <p:txBody>
+          <a:bodyPr anchorCtr="0" anchor="t" bIns="91425" lIns="91425" spcFirstLastPara="1" rIns="91425" wrap="square" tIns="91425">
+            <a:noAutofit/>
+          </a:bodyPr>
+          <a:lstStyle/>
+          <a:p>
+            <a:pPr indent="0" lvl="0" marL="0" rtl="0" algn="l">
+              <a:spcBef>
+                <a:spcPts val="0"/>
+              </a:spcBef>
+              <a:spcAft>
+                <a:spcPts val="0"/>
+              </a:spcAft>
+              <a:buNone/>
+            </a:pPr>
+            <a:r>
+              <a:t/>
+            </a:r>
+            <a:endParaRPr/>
+          </a:p>
+        </p:txBody>
+      </p:sp>
+    </p:spTree>
+  </p:cSld>
+  <p:clrMapOvr>
+    <a:masterClrMapping/>
+  </p:clrMapOvr>
+</p:notes>
+</file>
+
+<file path=ppt/notesSlides/notesSlide24.xml><?xml version="1.0" encoding="utf-8"?>
+<p:notes xmlns:a="http://schemas.openxmlformats.org/drawingml/2006/main" xmlns:r="http://schemas.openxmlformats.org/officeDocument/2006/relationships" xmlns:mc="http://schemas.openxmlformats.org/markup-compatibility/2006" xmlns:mv="urn:schemas-microsoft-com:mac:vml" xmlns:p="http://schemas.openxmlformats.org/presentationml/2006/main" xmlns:c="http://schemas.openxmlformats.org/drawingml/2006/chart" xmlns:dgm="http://schemas.openxmlformats.org/drawingml/2006/diagram" xmlns:o="urn:schemas-microsoft-com:office:office" xmlns:v="urn:schemas-microsoft-com:vml" xmlns:pvml="urn:schemas-microsoft-com:office:powerpoint" xmlns:com="http://schemas.openxmlformats.org/drawingml/2006/compatibility" xmlns:p14="http://schemas.microsoft.com/office/powerpoint/2010/main" xmlns:p15="http://schemas.microsoft.com/office/powerpoint/2012/main" xmlns:ahyp="http://schemas.microsoft.com/office/drawing/2018/hyperlinkcolor" showMasterPhAnim="0" showMasterSp="0">
+  <p:cSld>
+    <p:spTree>
+      <p:nvGrpSpPr>
+        <p:cNvPr id="277" name="Shape 277"/>
+        <p:cNvGrpSpPr/>
+        <p:nvPr/>
+      </p:nvGrpSpPr>
+      <p:grpSpPr>
+        <a:xfrm>
+          <a:off x="0" y="0"/>
+          <a:ext cx="0" cy="0"/>
+          <a:chOff x="0" y="0"/>
+          <a:chExt cx="0" cy="0"/>
+        </a:xfrm>
+      </p:grpSpPr>
+      <p:sp>
+        <p:nvSpPr>
+          <p:cNvPr id="278" name="Google Shape;278;g11236344251_0_236:notes"/>
+          <p:cNvSpPr/>
+          <p:nvPr>
+            <p:ph idx="2" type="sldImg"/>
+          </p:nvPr>
+        </p:nvSpPr>
+        <p:spPr>
+          <a:xfrm>
+            <a:off x="381188" y="685800"/>
+            <a:ext cx="6096300" cy="3429000"/>
+          </a:xfrm>
+          <a:custGeom>
+            <a:rect b="b" l="l" r="r" t="t"/>
+            <a:pathLst>
+              <a:path extrusionOk="0" h="120000" w="120000">
+                <a:moveTo>
+                  <a:pt x="0" y="0"/>
+                </a:moveTo>
+                <a:lnTo>
+                  <a:pt x="120000" y="0"/>
+                </a:lnTo>
+                <a:lnTo>
+                  <a:pt x="120000" y="120000"/>
+                </a:lnTo>
+                <a:lnTo>
+                  <a:pt x="0" y="120000"/>
+                </a:lnTo>
+                <a:close/>
+              </a:path>
+            </a:pathLst>
+          </a:custGeom>
+        </p:spPr>
+      </p:sp>
+      <p:sp>
+        <p:nvSpPr>
+          <p:cNvPr id="279" name="Google Shape;279;g11236344251_0_236:notes"/>
+          <p:cNvSpPr txBox="1"/>
+          <p:nvPr>
+            <p:ph idx="1" type="body"/>
+          </p:nvPr>
+        </p:nvSpPr>
+        <p:spPr>
+          <a:xfrm>
+            <a:off x="685800" y="4343400"/>
+            <a:ext cx="5486400" cy="4114800"/>
+          </a:xfrm>
+          <a:prstGeom prst="rect">
+            <a:avLst/>
+          </a:prstGeom>
+        </p:spPr>
+        <p:txBody>
+          <a:bodyPr anchorCtr="0" anchor="t" bIns="91425" lIns="91425" spcFirstLastPara="1" rIns="91425" wrap="square" tIns="91425">
+            <a:noAutofit/>
+          </a:bodyPr>
+          <a:lstStyle/>
+          <a:p>
+            <a:pPr indent="0" lvl="0" marL="0" rtl="0" algn="l">
+              <a:spcBef>
+                <a:spcPts val="0"/>
+              </a:spcBef>
+              <a:spcAft>
+                <a:spcPts val="0"/>
+              </a:spcAft>
+              <a:buNone/>
+            </a:pPr>
+            <a:r>
+              <a:t/>
+            </a:r>
+            <a:endParaRPr/>
+          </a:p>
+        </p:txBody>
+      </p:sp>
+    </p:spTree>
+  </p:cSld>
+  <p:clrMapOvr>
+    <a:masterClrMapping/>
+  </p:clrMapOvr>
+</p:notes>
+</file>
+
+<file path=ppt/notesSlides/notesSlide25.xml><?xml version="1.0" encoding="utf-8"?>
+<p:notes xmlns:a="http://schemas.openxmlformats.org/drawingml/2006/main" xmlns:r="http://schemas.openxmlformats.org/officeDocument/2006/relationships" xmlns:mc="http://schemas.openxmlformats.org/markup-compatibility/2006" xmlns:mv="urn:schemas-microsoft-com:mac:vml" xmlns:p="http://schemas.openxmlformats.org/presentationml/2006/main" xmlns:c="http://schemas.openxmlformats.org/drawingml/2006/chart" xmlns:dgm="http://schemas.openxmlformats.org/drawingml/2006/diagram" xmlns:o="urn:schemas-microsoft-com:office:office" xmlns:v="urn:schemas-microsoft-com:vml" xmlns:pvml="urn:schemas-microsoft-com:office:powerpoint" xmlns:com="http://schemas.openxmlformats.org/drawingml/2006/compatibility" xmlns:p14="http://schemas.microsoft.com/office/powerpoint/2010/main" xmlns:p15="http://schemas.microsoft.com/office/powerpoint/2012/main" xmlns:ahyp="http://schemas.microsoft.com/office/drawing/2018/hyperlinkcolor" showMasterPhAnim="0" showMasterSp="0">
+  <p:cSld>
+    <p:spTree>
+      <p:nvGrpSpPr>
+        <p:cNvPr id="285" name="Shape 285"/>
+        <p:cNvGrpSpPr/>
+        <p:nvPr/>
+      </p:nvGrpSpPr>
+      <p:grpSpPr>
+        <a:xfrm>
+          <a:off x="0" y="0"/>
+          <a:ext cx="0" cy="0"/>
+          <a:chOff x="0" y="0"/>
+          <a:chExt cx="0" cy="0"/>
+        </a:xfrm>
+      </p:grpSpPr>
+      <p:sp>
+        <p:nvSpPr>
+          <p:cNvPr id="286" name="Google Shape;286;g11236344251_0_264:notes"/>
+          <p:cNvSpPr/>
+          <p:nvPr>
+            <p:ph idx="2" type="sldImg"/>
+          </p:nvPr>
+        </p:nvSpPr>
+        <p:spPr>
+          <a:xfrm>
+            <a:off x="381188" y="685800"/>
+            <a:ext cx="6096300" cy="3429000"/>
+          </a:xfrm>
+          <a:custGeom>
+            <a:rect b="b" l="l" r="r" t="t"/>
+            <a:pathLst>
+              <a:path extrusionOk="0" h="120000" w="120000">
+                <a:moveTo>
+                  <a:pt x="0" y="0"/>
+                </a:moveTo>
+                <a:lnTo>
+                  <a:pt x="120000" y="0"/>
+                </a:lnTo>
+                <a:lnTo>
+                  <a:pt x="120000" y="120000"/>
+                </a:lnTo>
+                <a:lnTo>
+                  <a:pt x="0" y="120000"/>
+                </a:lnTo>
+                <a:close/>
+              </a:path>
+            </a:pathLst>
+          </a:custGeom>
+        </p:spPr>
+      </p:sp>
+      <p:sp>
+        <p:nvSpPr>
+          <p:cNvPr id="287" name="Google Shape;287;g11236344251_0_264:notes"/>
+          <p:cNvSpPr txBox="1"/>
+          <p:nvPr>
+            <p:ph idx="1" type="body"/>
+          </p:nvPr>
+        </p:nvSpPr>
+        <p:spPr>
+          <a:xfrm>
+            <a:off x="685800" y="4343400"/>
+            <a:ext cx="5486400" cy="4114800"/>
+          </a:xfrm>
+          <a:prstGeom prst="rect">
+            <a:avLst/>
+          </a:prstGeom>
+        </p:spPr>
+        <p:txBody>
+          <a:bodyPr anchorCtr="0" anchor="t" bIns="91425" lIns="91425" spcFirstLastPara="1" rIns="91425" wrap="square" tIns="91425">
+            <a:noAutofit/>
+          </a:bodyPr>
+          <a:lstStyle/>
+          <a:p>
+            <a:pPr indent="0" lvl="0" marL="0" rtl="0" algn="l">
+              <a:spcBef>
+                <a:spcPts val="0"/>
+              </a:spcBef>
+              <a:spcAft>
+                <a:spcPts val="0"/>
+              </a:spcAft>
+              <a:buNone/>
+            </a:pPr>
+            <a:r>
+              <a:t/>
+            </a:r>
+            <a:endParaRPr/>
+          </a:p>
+        </p:txBody>
+      </p:sp>
+    </p:spTree>
+  </p:cSld>
+  <p:clrMapOvr>
+    <a:masterClrMapping/>
+  </p:clrMapOvr>
+</p:notes>
+</file>
+
+<file path=ppt/notesSlides/notesSlide26.xml><?xml version="1.0" encoding="utf-8"?>
+<p:notes xmlns:a="http://schemas.openxmlformats.org/drawingml/2006/main" xmlns:r="http://schemas.openxmlformats.org/officeDocument/2006/relationships" xmlns:mc="http://schemas.openxmlformats.org/markup-compatibility/2006" xmlns:mv="urn:schemas-microsoft-com:mac:vml" xmlns:p="http://schemas.openxmlformats.org/presentationml/2006/main" xmlns:c="http://schemas.openxmlformats.org/drawingml/2006/chart" xmlns:dgm="http://schemas.openxmlformats.org/drawingml/2006/diagram" xmlns:o="urn:schemas-microsoft-com:office:office" xmlns:v="urn:schemas-microsoft-com:vml" xmlns:pvml="urn:schemas-microsoft-com:office:powerpoint" xmlns:com="http://schemas.openxmlformats.org/drawingml/2006/compatibility" xmlns:p14="http://schemas.microsoft.com/office/powerpoint/2010/main" xmlns:p15="http://schemas.microsoft.com/office/powerpoint/2012/main" xmlns:ahyp="http://schemas.microsoft.com/office/drawing/2018/hyperlinkcolor" showMasterPhAnim="0" showMasterSp="0">
+  <p:cSld>
+    <p:spTree>
+      <p:nvGrpSpPr>
+        <p:cNvPr id="293" name="Shape 293"/>
+        <p:cNvGrpSpPr/>
+        <p:nvPr/>
+      </p:nvGrpSpPr>
+      <p:grpSpPr>
+        <a:xfrm>
+          <a:off x="0" y="0"/>
+          <a:ext cx="0" cy="0"/>
+          <a:chOff x="0" y="0"/>
+          <a:chExt cx="0" cy="0"/>
+        </a:xfrm>
+      </p:grpSpPr>
+      <p:sp>
+        <p:nvSpPr>
+          <p:cNvPr id="294" name="Google Shape;294;g11236344251_0_273:notes"/>
+          <p:cNvSpPr/>
+          <p:nvPr>
+            <p:ph idx="2" type="sldImg"/>
+          </p:nvPr>
+        </p:nvSpPr>
+        <p:spPr>
+          <a:xfrm>
+            <a:off x="381188" y="685800"/>
+            <a:ext cx="6096300" cy="3429000"/>
+          </a:xfrm>
+          <a:custGeom>
+            <a:rect b="b" l="l" r="r" t="t"/>
+            <a:pathLst>
+              <a:path extrusionOk="0" h="120000" w="120000">
+                <a:moveTo>
+                  <a:pt x="0" y="0"/>
+                </a:moveTo>
+                <a:lnTo>
+                  <a:pt x="120000" y="0"/>
+                </a:lnTo>
+                <a:lnTo>
+                  <a:pt x="120000" y="120000"/>
+                </a:lnTo>
+                <a:lnTo>
+                  <a:pt x="0" y="120000"/>
+                </a:lnTo>
+                <a:close/>
+              </a:path>
+            </a:pathLst>
+          </a:custGeom>
+        </p:spPr>
+      </p:sp>
+      <p:sp>
+        <p:nvSpPr>
+          <p:cNvPr id="295" name="Google Shape;295;g11236344251_0_273:notes"/>
+          <p:cNvSpPr txBox="1"/>
+          <p:nvPr>
+            <p:ph idx="1" type="body"/>
+          </p:nvPr>
+        </p:nvSpPr>
+        <p:spPr>
+          <a:xfrm>
+            <a:off x="685800" y="4343400"/>
+            <a:ext cx="5486400" cy="4114800"/>
+          </a:xfrm>
+          <a:prstGeom prst="rect">
+            <a:avLst/>
+          </a:prstGeom>
+        </p:spPr>
+        <p:txBody>
+          <a:bodyPr anchorCtr="0" anchor="t" bIns="91425" lIns="91425" spcFirstLastPara="1" rIns="91425" wrap="square" tIns="91425">
+            <a:noAutofit/>
+          </a:bodyPr>
+          <a:lstStyle/>
+          <a:p>
+            <a:pPr indent="0" lvl="0" marL="0" rtl="0" algn="l">
+              <a:spcBef>
+                <a:spcPts val="0"/>
+              </a:spcBef>
+              <a:spcAft>
+                <a:spcPts val="0"/>
+              </a:spcAft>
+              <a:buNone/>
+            </a:pPr>
+            <a:r>
+              <a:t/>
+            </a:r>
+            <a:endParaRPr/>
+          </a:p>
+        </p:txBody>
+      </p:sp>
+    </p:spTree>
+  </p:cSld>
+  <p:clrMapOvr>
+    <a:masterClrMapping/>
+  </p:clrMapOvr>
+</p:notes>
+</file>
+
+<file path=ppt/notesSlides/notesSlide27.xml><?xml version="1.0" encoding="utf-8"?>
+<p:notes xmlns:a="http://schemas.openxmlformats.org/drawingml/2006/main" xmlns:r="http://schemas.openxmlformats.org/officeDocument/2006/relationships" xmlns:mc="http://schemas.openxmlformats.org/markup-compatibility/2006" xmlns:mv="urn:schemas-microsoft-com:mac:vml" xmlns:p="http://schemas.openxmlformats.org/presentationml/2006/main" xmlns:c="http://schemas.openxmlformats.org/drawingml/2006/chart" xmlns:dgm="http://schemas.openxmlformats.org/drawingml/2006/diagram" xmlns:o="urn:schemas-microsoft-com:office:office" xmlns:v="urn:schemas-microsoft-com:vml" xmlns:pvml="urn:schemas-microsoft-com:office:powerpoint" xmlns:com="http://schemas.openxmlformats.org/drawingml/2006/compatibility" xmlns:p14="http://schemas.microsoft.com/office/powerpoint/2010/main" xmlns:p15="http://schemas.microsoft.com/office/powerpoint/2012/main" xmlns:ahyp="http://schemas.microsoft.com/office/drawing/2018/hyperlinkcolor" showMasterPhAnim="0" showMasterSp="0">
+  <p:cSld>
+    <p:spTree>
+      <p:nvGrpSpPr>
+        <p:cNvPr id="301" name="Shape 301"/>
+        <p:cNvGrpSpPr/>
+        <p:nvPr/>
+      </p:nvGrpSpPr>
+      <p:grpSpPr>
+        <a:xfrm>
+          <a:off x="0" y="0"/>
+          <a:ext cx="0" cy="0"/>
+          <a:chOff x="0" y="0"/>
+          <a:chExt cx="0" cy="0"/>
+        </a:xfrm>
+      </p:grpSpPr>
+      <p:sp>
+        <p:nvSpPr>
+          <p:cNvPr id="302" name="Google Shape;302;g11236344251_0_284:notes"/>
+          <p:cNvSpPr/>
+          <p:nvPr>
+            <p:ph idx="2" type="sldImg"/>
+          </p:nvPr>
+        </p:nvSpPr>
+        <p:spPr>
+          <a:xfrm>
+            <a:off x="381188" y="685800"/>
+            <a:ext cx="6096300" cy="3429000"/>
+          </a:xfrm>
+          <a:custGeom>
+            <a:rect b="b" l="l" r="r" t="t"/>
+            <a:pathLst>
+              <a:path extrusionOk="0" h="120000" w="120000">
+                <a:moveTo>
+                  <a:pt x="0" y="0"/>
+                </a:moveTo>
+                <a:lnTo>
+                  <a:pt x="120000" y="0"/>
+                </a:lnTo>
+                <a:lnTo>
+                  <a:pt x="120000" y="120000"/>
+                </a:lnTo>
+                <a:lnTo>
+                  <a:pt x="0" y="120000"/>
+                </a:lnTo>
+                <a:close/>
+              </a:path>
+            </a:pathLst>
+          </a:custGeom>
+        </p:spPr>
+      </p:sp>
+      <p:sp>
+        <p:nvSpPr>
+          <p:cNvPr id="303" name="Google Shape;303;g11236344251_0_284:notes"/>
+          <p:cNvSpPr txBox="1"/>
+          <p:nvPr>
+            <p:ph idx="1" type="body"/>
+          </p:nvPr>
+        </p:nvSpPr>
+        <p:spPr>
+          <a:xfrm>
+            <a:off x="685800" y="4343400"/>
+            <a:ext cx="5486400" cy="4114800"/>
+          </a:xfrm>
+          <a:prstGeom prst="rect">
+            <a:avLst/>
+          </a:prstGeom>
+        </p:spPr>
+        <p:txBody>
+          <a:bodyPr anchorCtr="0" anchor="t" bIns="91425" lIns="91425" spcFirstLastPara="1" rIns="91425" wrap="square" tIns="91425">
+            <a:noAutofit/>
+          </a:bodyPr>
+          <a:lstStyle/>
+          <a:p>
+            <a:pPr indent="0" lvl="0" marL="0" rtl="0" algn="l">
+              <a:spcBef>
+                <a:spcPts val="0"/>
+              </a:spcBef>
+              <a:spcAft>
+                <a:spcPts val="0"/>
+              </a:spcAft>
+              <a:buNone/>
+            </a:pPr>
+            <a:r>
+              <a:t/>
+            </a:r>
+            <a:endParaRPr/>
+          </a:p>
+        </p:txBody>
+      </p:sp>
+    </p:spTree>
+  </p:cSld>
+  <p:clrMapOvr>
+    <a:masterClrMapping/>
+  </p:clrMapOvr>
+</p:notes>
+</file>
+
+<file path=ppt/notesSlides/notesSlide28.xml><?xml version="1.0" encoding="utf-8"?>
+<p:notes xmlns:a="http://schemas.openxmlformats.org/drawingml/2006/main" xmlns:r="http://schemas.openxmlformats.org/officeDocument/2006/relationships" xmlns:mc="http://schemas.openxmlformats.org/markup-compatibility/2006" xmlns:mv="urn:schemas-microsoft-com:mac:vml" xmlns:p="http://schemas.openxmlformats.org/presentationml/2006/main" xmlns:c="http://schemas.openxmlformats.org/drawingml/2006/chart" xmlns:dgm="http://schemas.openxmlformats.org/drawingml/2006/diagram" xmlns:o="urn:schemas-microsoft-com:office:office" xmlns:v="urn:schemas-microsoft-com:vml" xmlns:pvml="urn:schemas-microsoft-com:office:powerpoint" xmlns:com="http://schemas.openxmlformats.org/drawingml/2006/compatibility" xmlns:p14="http://schemas.microsoft.com/office/powerpoint/2010/main" xmlns:p15="http://schemas.microsoft.com/office/powerpoint/2012/main" xmlns:ahyp="http://schemas.microsoft.com/office/drawing/2018/hyperlinkcolor" showMasterPhAnim="0" showMasterSp="0">
+  <p:cSld>
+    <p:spTree>
+      <p:nvGrpSpPr>
+        <p:cNvPr id="309" name="Shape 309"/>
+        <p:cNvGrpSpPr/>
+        <p:nvPr/>
+      </p:nvGrpSpPr>
+      <p:grpSpPr>
+        <a:xfrm>
+          <a:off x="0" y="0"/>
+          <a:ext cx="0" cy="0"/>
+          <a:chOff x="0" y="0"/>
+          <a:chExt cx="0" cy="0"/>
+        </a:xfrm>
+      </p:grpSpPr>
+      <p:sp>
+        <p:nvSpPr>
+          <p:cNvPr id="310" name="Google Shape;310;g11236344251_0_293:notes"/>
+          <p:cNvSpPr/>
+          <p:nvPr>
+            <p:ph idx="2" type="sldImg"/>
+          </p:nvPr>
+        </p:nvSpPr>
+        <p:spPr>
+          <a:xfrm>
+            <a:off x="381188" y="685800"/>
+            <a:ext cx="6096300" cy="3429000"/>
+          </a:xfrm>
+          <a:custGeom>
+            <a:rect b="b" l="l" r="r" t="t"/>
+            <a:pathLst>
+              <a:path extrusionOk="0" h="120000" w="120000">
+                <a:moveTo>
+                  <a:pt x="0" y="0"/>
+                </a:moveTo>
+                <a:lnTo>
+                  <a:pt x="120000" y="0"/>
+                </a:lnTo>
+                <a:lnTo>
+                  <a:pt x="120000" y="120000"/>
+                </a:lnTo>
+                <a:lnTo>
+                  <a:pt x="0" y="120000"/>
+                </a:lnTo>
+                <a:close/>
+              </a:path>
+            </a:pathLst>
+          </a:custGeom>
+        </p:spPr>
+      </p:sp>
+      <p:sp>
+        <p:nvSpPr>
+          <p:cNvPr id="311" name="Google Shape;311;g11236344251_0_293:notes"/>
+          <p:cNvSpPr txBox="1"/>
+          <p:nvPr>
+            <p:ph idx="1" type="body"/>
+          </p:nvPr>
+        </p:nvSpPr>
+        <p:spPr>
+          <a:xfrm>
+            <a:off x="685800" y="4343400"/>
+            <a:ext cx="5486400" cy="4114800"/>
+          </a:xfrm>
+          <a:prstGeom prst="rect">
+            <a:avLst/>
+          </a:prstGeom>
+        </p:spPr>
+        <p:txBody>
+          <a:bodyPr anchorCtr="0" anchor="t" bIns="91425" lIns="91425" spcFirstLastPara="1" rIns="91425" wrap="square" tIns="91425">
+            <a:noAutofit/>
+          </a:bodyPr>
+          <a:lstStyle/>
+          <a:p>
+            <a:pPr indent="0" lvl="0" marL="0" rtl="0" algn="l">
+              <a:spcBef>
+                <a:spcPts val="0"/>
+              </a:spcBef>
+              <a:spcAft>
+                <a:spcPts val="0"/>
+              </a:spcAft>
+              <a:buNone/>
+            </a:pPr>
+            <a:r>
+              <a:t/>
+            </a:r>
+            <a:endParaRPr/>
+          </a:p>
+        </p:txBody>
+      </p:sp>
+    </p:spTree>
+  </p:cSld>
+  <p:clrMapOvr>
+    <a:masterClrMapping/>
+  </p:clrMapOvr>
+</p:notes>
+</file>
+
+<file path=ppt/notesSlides/notesSlide29.xml><?xml version="1.0" encoding="utf-8"?>
+<p:notes xmlns:a="http://schemas.openxmlformats.org/drawingml/2006/main" xmlns:r="http://schemas.openxmlformats.org/officeDocument/2006/relationships" xmlns:mc="http://schemas.openxmlformats.org/markup-compatibility/2006" xmlns:mv="urn:schemas-microsoft-com:mac:vml" xmlns:p="http://schemas.openxmlformats.org/presentationml/2006/main" xmlns:c="http://schemas.openxmlformats.org/drawingml/2006/chart" xmlns:dgm="http://schemas.openxmlformats.org/drawingml/2006/diagram" xmlns:o="urn:schemas-microsoft-com:office:office" xmlns:v="urn:schemas-microsoft-com:vml" xmlns:pvml="urn:schemas-microsoft-com:office:powerpoint" xmlns:com="http://schemas.openxmlformats.org/drawingml/2006/compatibility" xmlns:p14="http://schemas.microsoft.com/office/powerpoint/2010/main" xmlns:p15="http://schemas.microsoft.com/office/powerpoint/2012/main" xmlns:ahyp="http://schemas.microsoft.com/office/drawing/2018/hyperlinkcolor" showMasterPhAnim="0" showMasterSp="0">
+  <p:cSld>
+    <p:spTree>
+      <p:nvGrpSpPr>
+        <p:cNvPr id="317" name="Shape 317"/>
+        <p:cNvGrpSpPr/>
+        <p:nvPr/>
+      </p:nvGrpSpPr>
+      <p:grpSpPr>
+        <a:xfrm>
+          <a:off x="0" y="0"/>
+          <a:ext cx="0" cy="0"/>
+          <a:chOff x="0" y="0"/>
+          <a:chExt cx="0" cy="0"/>
+        </a:xfrm>
+      </p:grpSpPr>
+      <p:sp>
+        <p:nvSpPr>
+          <p:cNvPr id="318" name="Google Shape;318;g11236344251_0_302:notes"/>
+          <p:cNvSpPr/>
+          <p:nvPr>
+            <p:ph idx="2" type="sldImg"/>
+          </p:nvPr>
+        </p:nvSpPr>
+        <p:spPr>
+          <a:xfrm>
+            <a:off x="381188" y="685800"/>
+            <a:ext cx="6096300" cy="3429000"/>
+          </a:xfrm>
+          <a:custGeom>
+            <a:rect b="b" l="l" r="r" t="t"/>
+            <a:pathLst>
+              <a:path extrusionOk="0" h="120000" w="120000">
+                <a:moveTo>
+                  <a:pt x="0" y="0"/>
+                </a:moveTo>
+                <a:lnTo>
+                  <a:pt x="120000" y="0"/>
+                </a:lnTo>
+                <a:lnTo>
+                  <a:pt x="120000" y="120000"/>
+                </a:lnTo>
+                <a:lnTo>
+                  <a:pt x="0" y="120000"/>
+                </a:lnTo>
+                <a:close/>
+              </a:path>
+            </a:pathLst>
+          </a:custGeom>
+        </p:spPr>
+      </p:sp>
+      <p:sp>
+        <p:nvSpPr>
+          <p:cNvPr id="319" name="Google Shape;319;g11236344251_0_302:notes"/>
+          <p:cNvSpPr txBox="1"/>
+          <p:nvPr>
+            <p:ph idx="1" type="body"/>
+          </p:nvPr>
+        </p:nvSpPr>
+        <p:spPr>
+          <a:xfrm>
+            <a:off x="685800" y="4343400"/>
+            <a:ext cx="5486400" cy="4114800"/>
+          </a:xfrm>
+          <a:prstGeom prst="rect">
+            <a:avLst/>
+          </a:prstGeom>
+        </p:spPr>
+        <p:txBody>
+          <a:bodyPr anchorCtr="0" anchor="t" bIns="91425" lIns="91425" spcFirstLastPara="1" rIns="91425" wrap="square" tIns="91425">
+            <a:noAutofit/>
+          </a:bodyPr>
+          <a:lstStyle/>
+          <a:p>
+            <a:pPr indent="0" lvl="0" marL="0" rtl="0" algn="l">
+              <a:spcBef>
+                <a:spcPts val="0"/>
+              </a:spcBef>
+              <a:spcAft>
+                <a:spcPts val="0"/>
+              </a:spcAft>
+              <a:buNone/>
+            </a:pPr>
+            <a:r>
+              <a:t/>
+            </a:r>
+            <a:endParaRPr/>
+          </a:p>
+        </p:txBody>
+      </p:sp>
+    </p:spTree>
+  </p:cSld>
+  <p:clrMapOvr>
+    <a:masterClrMapping/>
+  </p:clrMapOvr>
+</p:notes>
+</file>
+
 <file path=ppt/notesSlides/notesSlide3.xml><?xml version="1.0" encoding="utf-8"?>
 <p:notes xmlns:a="http://schemas.openxmlformats.org/drawingml/2006/main" xmlns:r="http://schemas.openxmlformats.org/officeDocument/2006/relationships" xmlns:mc="http://schemas.openxmlformats.org/markup-compatibility/2006" xmlns:mv="urn:schemas-microsoft-com:mac:vml" xmlns:p="http://schemas.openxmlformats.org/presentationml/2006/main" xmlns:c="http://schemas.openxmlformats.org/drawingml/2006/chart" xmlns:dgm="http://schemas.openxmlformats.org/drawingml/2006/diagram" xmlns:o="urn:schemas-microsoft-com:office:office" xmlns:v="urn:schemas-microsoft-com:vml" xmlns:pvml="urn:schemas-microsoft-com:office:powerpoint" xmlns:com="http://schemas.openxmlformats.org/drawingml/2006/compatibility" xmlns:p14="http://schemas.microsoft.com/office/powerpoint/2010/main" xmlns:p15="http://schemas.microsoft.com/office/powerpoint/2012/main" xmlns:ahyp="http://schemas.microsoft.com/office/drawing/2018/hyperlinkcolor" showMasterPhAnim="0" showMasterSp="0">
   <p:cSld>
@@ -1356,6 +2958,204 @@
       <p:sp>
         <p:nvSpPr>
           <p:cNvPr id="98" name="Google Shape;98;gc6f9e470d_0_37:notes"/>
+          <p:cNvSpPr txBox="1"/>
+          <p:nvPr>
+            <p:ph idx="1" type="body"/>
+          </p:nvPr>
+        </p:nvSpPr>
+        <p:spPr>
+          <a:xfrm>
+            <a:off x="685800" y="4343400"/>
+            <a:ext cx="5486400" cy="4114800"/>
+          </a:xfrm>
+          <a:prstGeom prst="rect">
+            <a:avLst/>
+          </a:prstGeom>
+        </p:spPr>
+        <p:txBody>
+          <a:bodyPr anchorCtr="0" anchor="t" bIns="91425" lIns="91425" spcFirstLastPara="1" rIns="91425" wrap="square" tIns="91425">
+            <a:noAutofit/>
+          </a:bodyPr>
+          <a:lstStyle/>
+          <a:p>
+            <a:pPr indent="0" lvl="0" marL="0" rtl="0" algn="l">
+              <a:spcBef>
+                <a:spcPts val="0"/>
+              </a:spcBef>
+              <a:spcAft>
+                <a:spcPts val="0"/>
+              </a:spcAft>
+              <a:buNone/>
+            </a:pPr>
+            <a:r>
+              <a:t/>
+            </a:r>
+            <a:endParaRPr/>
+          </a:p>
+        </p:txBody>
+      </p:sp>
+    </p:spTree>
+  </p:cSld>
+  <p:clrMapOvr>
+    <a:masterClrMapping/>
+  </p:clrMapOvr>
+</p:notes>
+</file>
+
+<file path=ppt/notesSlides/notesSlide30.xml><?xml version="1.0" encoding="utf-8"?>
+<p:notes xmlns:a="http://schemas.openxmlformats.org/drawingml/2006/main" xmlns:r="http://schemas.openxmlformats.org/officeDocument/2006/relationships" xmlns:mc="http://schemas.openxmlformats.org/markup-compatibility/2006" xmlns:mv="urn:schemas-microsoft-com:mac:vml" xmlns:p="http://schemas.openxmlformats.org/presentationml/2006/main" xmlns:c="http://schemas.openxmlformats.org/drawingml/2006/chart" xmlns:dgm="http://schemas.openxmlformats.org/drawingml/2006/diagram" xmlns:o="urn:schemas-microsoft-com:office:office" xmlns:v="urn:schemas-microsoft-com:vml" xmlns:pvml="urn:schemas-microsoft-com:office:powerpoint" xmlns:com="http://schemas.openxmlformats.org/drawingml/2006/compatibility" xmlns:p14="http://schemas.microsoft.com/office/powerpoint/2010/main" xmlns:p15="http://schemas.microsoft.com/office/powerpoint/2012/main" xmlns:ahyp="http://schemas.microsoft.com/office/drawing/2018/hyperlinkcolor" showMasterPhAnim="0" showMasterSp="0">
+  <p:cSld>
+    <p:spTree>
+      <p:nvGrpSpPr>
+        <p:cNvPr id="324" name="Shape 324"/>
+        <p:cNvGrpSpPr/>
+        <p:nvPr/>
+      </p:nvGrpSpPr>
+      <p:grpSpPr>
+        <a:xfrm>
+          <a:off x="0" y="0"/>
+          <a:ext cx="0" cy="0"/>
+          <a:chOff x="0" y="0"/>
+          <a:chExt cx="0" cy="0"/>
+        </a:xfrm>
+      </p:grpSpPr>
+      <p:sp>
+        <p:nvSpPr>
+          <p:cNvPr id="325" name="Google Shape;325;g11236344251_0_319:notes"/>
+          <p:cNvSpPr/>
+          <p:nvPr>
+            <p:ph idx="2" type="sldImg"/>
+          </p:nvPr>
+        </p:nvSpPr>
+        <p:spPr>
+          <a:xfrm>
+            <a:off x="381188" y="685800"/>
+            <a:ext cx="6096300" cy="3429000"/>
+          </a:xfrm>
+          <a:custGeom>
+            <a:rect b="b" l="l" r="r" t="t"/>
+            <a:pathLst>
+              <a:path extrusionOk="0" h="120000" w="120000">
+                <a:moveTo>
+                  <a:pt x="0" y="0"/>
+                </a:moveTo>
+                <a:lnTo>
+                  <a:pt x="120000" y="0"/>
+                </a:lnTo>
+                <a:lnTo>
+                  <a:pt x="120000" y="120000"/>
+                </a:lnTo>
+                <a:lnTo>
+                  <a:pt x="0" y="120000"/>
+                </a:lnTo>
+                <a:close/>
+              </a:path>
+            </a:pathLst>
+          </a:custGeom>
+        </p:spPr>
+      </p:sp>
+      <p:sp>
+        <p:nvSpPr>
+          <p:cNvPr id="326" name="Google Shape;326;g11236344251_0_319:notes"/>
+          <p:cNvSpPr txBox="1"/>
+          <p:nvPr>
+            <p:ph idx="1" type="body"/>
+          </p:nvPr>
+        </p:nvSpPr>
+        <p:spPr>
+          <a:xfrm>
+            <a:off x="685800" y="4343400"/>
+            <a:ext cx="5486400" cy="4114800"/>
+          </a:xfrm>
+          <a:prstGeom prst="rect">
+            <a:avLst/>
+          </a:prstGeom>
+        </p:spPr>
+        <p:txBody>
+          <a:bodyPr anchorCtr="0" anchor="t" bIns="91425" lIns="91425" spcFirstLastPara="1" rIns="91425" wrap="square" tIns="91425">
+            <a:noAutofit/>
+          </a:bodyPr>
+          <a:lstStyle/>
+          <a:p>
+            <a:pPr indent="0" lvl="0" marL="0" rtl="0" algn="l">
+              <a:spcBef>
+                <a:spcPts val="0"/>
+              </a:spcBef>
+              <a:spcAft>
+                <a:spcPts val="0"/>
+              </a:spcAft>
+              <a:buNone/>
+            </a:pPr>
+            <a:r>
+              <a:t/>
+            </a:r>
+            <a:endParaRPr/>
+          </a:p>
+        </p:txBody>
+      </p:sp>
+    </p:spTree>
+  </p:cSld>
+  <p:clrMapOvr>
+    <a:masterClrMapping/>
+  </p:clrMapOvr>
+</p:notes>
+</file>
+
+<file path=ppt/notesSlides/notesSlide31.xml><?xml version="1.0" encoding="utf-8"?>
+<p:notes xmlns:a="http://schemas.openxmlformats.org/drawingml/2006/main" xmlns:r="http://schemas.openxmlformats.org/officeDocument/2006/relationships" xmlns:mc="http://schemas.openxmlformats.org/markup-compatibility/2006" xmlns:mv="urn:schemas-microsoft-com:mac:vml" xmlns:p="http://schemas.openxmlformats.org/presentationml/2006/main" xmlns:c="http://schemas.openxmlformats.org/drawingml/2006/chart" xmlns:dgm="http://schemas.openxmlformats.org/drawingml/2006/diagram" xmlns:o="urn:schemas-microsoft-com:office:office" xmlns:v="urn:schemas-microsoft-com:vml" xmlns:pvml="urn:schemas-microsoft-com:office:powerpoint" xmlns:com="http://schemas.openxmlformats.org/drawingml/2006/compatibility" xmlns:p14="http://schemas.microsoft.com/office/powerpoint/2010/main" xmlns:p15="http://schemas.microsoft.com/office/powerpoint/2012/main" xmlns:ahyp="http://schemas.microsoft.com/office/drawing/2018/hyperlinkcolor" showMasterPhAnim="0" showMasterSp="0">
+  <p:cSld>
+    <p:spTree>
+      <p:nvGrpSpPr>
+        <p:cNvPr id="330" name="Shape 330"/>
+        <p:cNvGrpSpPr/>
+        <p:nvPr/>
+      </p:nvGrpSpPr>
+      <p:grpSpPr>
+        <a:xfrm>
+          <a:off x="0" y="0"/>
+          <a:ext cx="0" cy="0"/>
+          <a:chOff x="0" y="0"/>
+          <a:chExt cx="0" cy="0"/>
+        </a:xfrm>
+      </p:grpSpPr>
+      <p:sp>
+        <p:nvSpPr>
+          <p:cNvPr id="331" name="Google Shape;331;gc6f9e470d_0_47:notes"/>
+          <p:cNvSpPr/>
+          <p:nvPr>
+            <p:ph idx="2" type="sldImg"/>
+          </p:nvPr>
+        </p:nvSpPr>
+        <p:spPr>
+          <a:xfrm>
+            <a:off x="381188" y="685800"/>
+            <a:ext cx="6096300" cy="3429000"/>
+          </a:xfrm>
+          <a:custGeom>
+            <a:rect b="b" l="l" r="r" t="t"/>
+            <a:pathLst>
+              <a:path extrusionOk="0" h="120000" w="120000">
+                <a:moveTo>
+                  <a:pt x="0" y="0"/>
+                </a:moveTo>
+                <a:lnTo>
+                  <a:pt x="120000" y="0"/>
+                </a:lnTo>
+                <a:lnTo>
+                  <a:pt x="120000" y="120000"/>
+                </a:lnTo>
+                <a:lnTo>
+                  <a:pt x="0" y="120000"/>
+                </a:lnTo>
+                <a:close/>
+              </a:path>
+            </a:pathLst>
+          </a:custGeom>
+        </p:spPr>
+      </p:sp>
+      <p:sp>
+        <p:nvSpPr>
+          <p:cNvPr id="332" name="Google Shape;332;gc6f9e470d_0_47:notes"/>
           <p:cNvSpPr txBox="1"/>
           <p:nvPr>
             <p:ph idx="1" type="body"/>
@@ -1900,7 +3700,7 @@
   <p:cSld>
     <p:spTree>
       <p:nvGrpSpPr>
-        <p:cNvPr id="152" name="Shape 152"/>
+        <p:cNvPr id="153" name="Shape 153"/>
         <p:cNvGrpSpPr/>
         <p:nvPr/>
       </p:nvGrpSpPr>
@@ -1914,7 +3714,7 @@
       </p:grpSpPr>
       <p:sp>
         <p:nvSpPr>
-          <p:cNvPr id="153" name="Google Shape;153;g11236344251_0_9:notes"/>
+          <p:cNvPr id="154" name="Google Shape;154;g11236344251_0_9:notes"/>
           <p:cNvSpPr/>
           <p:nvPr>
             <p:ph idx="2" type="sldImg"/>
@@ -1949,7 +3749,7 @@
       </p:sp>
       <p:sp>
         <p:nvSpPr>
-          <p:cNvPr id="154" name="Google Shape;154;g11236344251_0_9:notes"/>
+          <p:cNvPr id="155" name="Google Shape;155;g11236344251_0_9:notes"/>
           <p:cNvSpPr txBox="1"/>
           <p:nvPr>
             <p:ph idx="1" type="body"/>
@@ -8782,7 +10582,7 @@
   <p:cSld>
     <p:spTree>
       <p:nvGrpSpPr>
-        <p:cNvPr id="162" name="Shape 162"/>
+        <p:cNvPr id="163" name="Shape 163"/>
         <p:cNvGrpSpPr/>
         <p:nvPr/>
       </p:nvGrpSpPr>
@@ -8796,7 +10596,7 @@
       </p:grpSpPr>
       <p:pic>
         <p:nvPicPr>
-          <p:cNvPr id="163" name="Google Shape;163;p22"/>
+          <p:cNvPr id="164" name="Google Shape;164;p22"/>
           <p:cNvPicPr preferRelativeResize="0"/>
           <p:nvPr/>
         </p:nvPicPr>
@@ -8824,7 +10624,7 @@
       </p:pic>
       <p:pic>
         <p:nvPicPr>
-          <p:cNvPr id="164" name="Google Shape;164;p22"/>
+          <p:cNvPr id="165" name="Google Shape;165;p22"/>
           <p:cNvPicPr preferRelativeResize="0"/>
           <p:nvPr/>
         </p:nvPicPr>
@@ -8852,7 +10652,7 @@
       </p:pic>
       <p:pic>
         <p:nvPicPr>
-          <p:cNvPr id="165" name="Google Shape;165;p22"/>
+          <p:cNvPr id="166" name="Google Shape;166;p22"/>
           <p:cNvPicPr preferRelativeResize="0"/>
           <p:nvPr/>
         </p:nvPicPr>
@@ -8880,7 +10680,7 @@
       </p:pic>
       <p:pic>
         <p:nvPicPr>
-          <p:cNvPr id="166" name="Google Shape;166;p22"/>
+          <p:cNvPr id="167" name="Google Shape;167;p22"/>
           <p:cNvPicPr preferRelativeResize="0"/>
           <p:nvPr/>
         </p:nvPicPr>
@@ -8908,7 +10708,7 @@
       </p:pic>
       <p:sp>
         <p:nvSpPr>
-          <p:cNvPr id="167" name="Google Shape;167;p22"/>
+          <p:cNvPr id="168" name="Google Shape;168;p22"/>
           <p:cNvSpPr txBox="1"/>
           <p:nvPr/>
         </p:nvSpPr>
@@ -8977,7 +10777,7 @@
   <p:cSld>
     <p:spTree>
       <p:nvGrpSpPr>
-        <p:cNvPr id="171" name="Shape 171"/>
+        <p:cNvPr id="172" name="Shape 172"/>
         <p:cNvGrpSpPr/>
         <p:nvPr/>
       </p:nvGrpSpPr>
@@ -8991,7 +10791,7 @@
       </p:grpSpPr>
       <p:grpSp>
         <p:nvGrpSpPr>
-          <p:cNvPr id="172" name="Google Shape;172;p23"/>
+          <p:cNvPr id="173" name="Google Shape;173;p23"/>
           <p:cNvGrpSpPr/>
           <p:nvPr/>
         </p:nvGrpSpPr>
@@ -9005,7 +10805,7 @@
         </p:grpSpPr>
         <p:sp>
           <p:nvSpPr>
-            <p:cNvPr id="173" name="Google Shape;173;p23"/>
+            <p:cNvPr id="174" name="Google Shape;174;p23"/>
             <p:cNvSpPr txBox="1"/>
             <p:nvPr/>
           </p:nvSpPr>
@@ -9048,7 +10848,7 @@
         </p:sp>
         <p:sp>
           <p:nvSpPr>
-            <p:cNvPr id="174" name="Google Shape;174;p23"/>
+            <p:cNvPr id="175" name="Google Shape;175;p23"/>
             <p:cNvSpPr/>
             <p:nvPr/>
           </p:nvSpPr>
@@ -9096,7 +10896,7 @@
       </p:grpSp>
       <p:sp>
         <p:nvSpPr>
-          <p:cNvPr id="175" name="Google Shape;175;p23"/>
+          <p:cNvPr id="176" name="Google Shape;176;p23"/>
           <p:cNvSpPr txBox="1"/>
           <p:nvPr>
             <p:ph idx="4294967295" type="body"/>
@@ -9163,7 +10963,7 @@
       </p:sp>
       <p:sp>
         <p:nvSpPr>
-          <p:cNvPr id="176" name="Google Shape;176;p23"/>
+          <p:cNvPr id="177" name="Google Shape;177;p23"/>
           <p:cNvSpPr txBox="1"/>
           <p:nvPr>
             <p:ph idx="4294967295" type="body"/>
@@ -9409,7 +11209,7 @@
   <p:cSld>
     <p:spTree>
       <p:nvGrpSpPr>
-        <p:cNvPr id="180" name="Shape 180"/>
+        <p:cNvPr id="181" name="Shape 181"/>
         <p:cNvGrpSpPr/>
         <p:nvPr/>
       </p:nvGrpSpPr>
@@ -9423,7 +11223,7 @@
       </p:grpSpPr>
       <p:sp>
         <p:nvSpPr>
-          <p:cNvPr id="181" name="Google Shape;181;p24"/>
+          <p:cNvPr id="182" name="Google Shape;182;p24"/>
           <p:cNvSpPr txBox="1"/>
           <p:nvPr/>
         </p:nvSpPr>
@@ -9505,7 +11305,7 @@
       </p:sp>
       <p:pic>
         <p:nvPicPr>
-          <p:cNvPr id="182" name="Google Shape;182;p24"/>
+          <p:cNvPr id="183" name="Google Shape;183;p24"/>
           <p:cNvPicPr preferRelativeResize="0"/>
           <p:nvPr/>
         </p:nvPicPr>
@@ -9533,7 +11333,7 @@
       </p:pic>
       <p:sp>
         <p:nvSpPr>
-          <p:cNvPr id="183" name="Google Shape;183;p24"/>
+          <p:cNvPr id="184" name="Google Shape;184;p24"/>
           <p:cNvSpPr txBox="1"/>
           <p:nvPr/>
         </p:nvSpPr>
@@ -9626,7 +11426,7 @@
   <p:cSld>
     <p:spTree>
       <p:nvGrpSpPr>
-        <p:cNvPr id="187" name="Shape 187"/>
+        <p:cNvPr id="188" name="Shape 188"/>
         <p:cNvGrpSpPr/>
         <p:nvPr/>
       </p:nvGrpSpPr>
@@ -9640,67 +11440,292 @@
       </p:grpSpPr>
       <p:sp>
         <p:nvSpPr>
-          <p:cNvPr descr="Background pointer shape in timeline graphic" id="188" name="Google Shape;188;p25"/>
-          <p:cNvSpPr/>
+          <p:cNvPr id="189" name="Google Shape;189;p25"/>
+          <p:cNvSpPr txBox="1"/>
           <p:nvPr/>
         </p:nvSpPr>
         <p:spPr>
           <a:xfrm>
-            <a:off x="340934" y="2199000"/>
-            <a:ext cx="1872300" cy="745500"/>
-          </a:xfrm>
-          <a:prstGeom prst="homePlate">
-            <a:avLst>
-              <a:gd fmla="val 50000" name="adj"/>
-            </a:avLst>
+            <a:off x="2610100" y="178775"/>
+            <a:ext cx="3721800" cy="400200"/>
+          </a:xfrm>
+          <a:prstGeom prst="rect">
+            <a:avLst/>
           </a:prstGeom>
-          <a:solidFill>
-            <a:schemeClr val="dk1"/>
-          </a:solidFill>
-          <a:ln cap="flat" cmpd="sng" w="9525">
-            <a:solidFill>
-              <a:schemeClr val="lt1"/>
-            </a:solidFill>
-            <a:prstDash val="solid"/>
-            <a:round/>
-            <a:headEnd len="sm" w="sm" type="none"/>
-            <a:tailEnd len="sm" w="sm" type="none"/>
+          <a:noFill/>
+          <a:ln>
+            <a:noFill/>
           </a:ln>
         </p:spPr>
         <p:txBody>
-          <a:bodyPr anchorCtr="0" anchor="ctr" bIns="121875" lIns="121875" spcFirstLastPara="1" rIns="121875" wrap="square" tIns="121875">
-            <a:noAutofit/>
+          <a:bodyPr anchorCtr="0" anchor="t" bIns="91425" lIns="91425" spcFirstLastPara="1" rIns="91425" wrap="square" tIns="91425">
+            <a:spAutoFit/>
           </a:bodyPr>
           <a:lstStyle/>
           <a:p>
-            <a:pPr indent="0" lvl="0" marL="0" rtl="0" algn="l">
-              <a:spcBef>
-                <a:spcPts val="0"/>
-              </a:spcBef>
-              <a:spcAft>
-                <a:spcPts val="0"/>
-              </a:spcAft>
-              <a:buNone/>
-            </a:pPr>
-            <a:r>
-              <a:t/>
-            </a:r>
-            <a:endParaRPr/>
+            <a:pPr indent="0" lvl="0" marL="0" rtl="0" algn="ctr">
+              <a:spcBef>
+                <a:spcPts val="0"/>
+              </a:spcBef>
+              <a:spcAft>
+                <a:spcPts val="0"/>
+              </a:spcAft>
+              <a:buNone/>
+            </a:pPr>
+            <a:r>
+              <a:rPr b="1" lang="en">
+                <a:solidFill>
+                  <a:schemeClr val="lt1"/>
+                </a:solidFill>
+                <a:latin typeface="Roboto"/>
+                <a:ea typeface="Roboto"/>
+                <a:cs typeface="Roboto"/>
+                <a:sym typeface="Roboto"/>
+              </a:rPr>
+              <a:t>Analysis based on the </a:t>
+            </a:r>
+            <a:r>
+              <a:rPr b="1" lang="en">
+                <a:solidFill>
+                  <a:schemeClr val="lt1"/>
+                </a:solidFill>
+                <a:latin typeface="Roboto"/>
+                <a:ea typeface="Roboto"/>
+                <a:cs typeface="Roboto"/>
+                <a:sym typeface="Roboto"/>
+              </a:rPr>
+              <a:t>categories</a:t>
+            </a:r>
+            <a:endParaRPr b="1">
+              <a:solidFill>
+                <a:schemeClr val="lt1"/>
+              </a:solidFill>
+              <a:latin typeface="Roboto"/>
+              <a:ea typeface="Roboto"/>
+              <a:cs typeface="Roboto"/>
+              <a:sym typeface="Roboto"/>
+            </a:endParaRPr>
           </a:p>
         </p:txBody>
       </p:sp>
       <p:sp>
         <p:nvSpPr>
-          <p:cNvPr id="189" name="Google Shape;189;p25"/>
+          <p:cNvPr id="190" name="Google Shape;190;p25"/>
+          <p:cNvSpPr txBox="1"/>
+          <p:nvPr/>
+        </p:nvSpPr>
+        <p:spPr>
+          <a:xfrm>
+            <a:off x="594050" y="1897575"/>
+            <a:ext cx="8361300" cy="1782300"/>
+          </a:xfrm>
+          <a:prstGeom prst="rect">
+            <a:avLst/>
+          </a:prstGeom>
+          <a:noFill/>
+          <a:ln>
+            <a:noFill/>
+          </a:ln>
+        </p:spPr>
+        <p:txBody>
+          <a:bodyPr anchorCtr="0" anchor="t" bIns="91425" lIns="91425" spcFirstLastPara="1" rIns="91425" wrap="square" tIns="91425">
+            <a:spAutoFit/>
+          </a:bodyPr>
+          <a:lstStyle/>
+          <a:p>
+            <a:pPr indent="0" lvl="0" marL="101600" marR="114300" rtl="0" algn="l">
+              <a:lnSpc>
+                <a:spcPct val="115000"/>
+              </a:lnSpc>
+              <a:spcBef>
+                <a:spcPts val="0"/>
+              </a:spcBef>
+              <a:spcAft>
+                <a:spcPts val="0"/>
+              </a:spcAft>
+              <a:buNone/>
+            </a:pPr>
+            <a:r>
+              <a:rPr lang="en" sz="1050">
+                <a:solidFill>
+                  <a:schemeClr val="lt1"/>
+                </a:solidFill>
+              </a:rPr>
+              <a:t>As per the case study : customer </a:t>
+            </a:r>
+            <a:r>
+              <a:rPr lang="en" sz="1050">
+                <a:solidFill>
+                  <a:schemeClr val="lt1"/>
+                </a:solidFill>
+              </a:rPr>
+              <a:t>loyalty</a:t>
+            </a:r>
+            <a:r>
+              <a:rPr lang="en" sz="1050">
+                <a:solidFill>
+                  <a:schemeClr val="lt1"/>
+                </a:solidFill>
+              </a:rPr>
+              <a:t> is based on the combination of both utilitarian value and hedonistic values we will split the data into these two and further analyse how much it affects customer </a:t>
+            </a:r>
+            <a:r>
+              <a:rPr lang="en" sz="1050">
+                <a:solidFill>
+                  <a:schemeClr val="lt1"/>
+                </a:solidFill>
+              </a:rPr>
+              <a:t>loyalty</a:t>
+            </a:r>
+            <a:endParaRPr sz="1050">
+              <a:solidFill>
+                <a:schemeClr val="lt1"/>
+              </a:solidFill>
+            </a:endParaRPr>
+          </a:p>
+          <a:p>
+            <a:pPr indent="0" lvl="0" marL="101600" marR="114300" rtl="0" algn="l">
+              <a:lnSpc>
+                <a:spcPct val="115000"/>
+              </a:lnSpc>
+              <a:spcBef>
+                <a:spcPts val="0"/>
+              </a:spcBef>
+              <a:spcAft>
+                <a:spcPts val="0"/>
+              </a:spcAft>
+              <a:buNone/>
+            </a:pPr>
+            <a:r>
+              <a:rPr lang="en" sz="1050">
+                <a:solidFill>
+                  <a:schemeClr val="lt1"/>
+                </a:solidFill>
+              </a:rPr>
+              <a:t>definition:</a:t>
+            </a:r>
+            <a:endParaRPr sz="1050">
+              <a:solidFill>
+                <a:schemeClr val="lt1"/>
+              </a:solidFill>
+            </a:endParaRPr>
+          </a:p>
+          <a:p>
+            <a:pPr indent="0" lvl="0" marL="101600" marR="114300" rtl="0" algn="l">
+              <a:lnSpc>
+                <a:spcPct val="115000"/>
+              </a:lnSpc>
+              <a:spcBef>
+                <a:spcPts val="1100"/>
+              </a:spcBef>
+              <a:spcAft>
+                <a:spcPts val="0"/>
+              </a:spcAft>
+              <a:buNone/>
+            </a:pPr>
+            <a:r>
+              <a:rPr lang="en" sz="1050">
+                <a:solidFill>
+                  <a:schemeClr val="lt1"/>
+                </a:solidFill>
+              </a:rPr>
+              <a:t>Utilitarian value is defined as that value that a customer receives based on a task-related and rational consumption behavior</a:t>
+            </a:r>
+            <a:endParaRPr sz="1050">
+              <a:solidFill>
+                <a:schemeClr val="lt1"/>
+              </a:solidFill>
+            </a:endParaRPr>
+          </a:p>
+          <a:p>
+            <a:pPr indent="0" lvl="0" marL="101600" marR="114300" rtl="0" algn="l">
+              <a:lnSpc>
+                <a:spcPct val="115000"/>
+              </a:lnSpc>
+              <a:spcBef>
+                <a:spcPts val="1100"/>
+              </a:spcBef>
+              <a:spcAft>
+                <a:spcPts val="0"/>
+              </a:spcAft>
+              <a:buNone/>
+            </a:pPr>
+            <a:r>
+              <a:rPr lang="en" sz="1050">
+                <a:solidFill>
+                  <a:schemeClr val="lt1"/>
+                </a:solidFill>
+              </a:rPr>
+              <a:t>The hedonic values are related to gratification of the senses enhanced through experiences of pleasure, entertainment, fantasy and playfulness</a:t>
+            </a:r>
+            <a:endParaRPr sz="1050">
+              <a:solidFill>
+                <a:schemeClr val="lt1"/>
+              </a:solidFill>
+            </a:endParaRPr>
+          </a:p>
+          <a:p>
+            <a:pPr indent="0" lvl="0" marL="0" rtl="0" algn="l">
+              <a:spcBef>
+                <a:spcPts val="0"/>
+              </a:spcBef>
+              <a:spcAft>
+                <a:spcPts val="0"/>
+              </a:spcAft>
+              <a:buNone/>
+            </a:pPr>
+            <a:r>
+              <a:t/>
+            </a:r>
+            <a:endParaRPr sz="1300">
+              <a:solidFill>
+                <a:schemeClr val="lt1"/>
+              </a:solidFill>
+              <a:latin typeface="Roboto"/>
+              <a:ea typeface="Roboto"/>
+              <a:cs typeface="Roboto"/>
+              <a:sym typeface="Roboto"/>
+            </a:endParaRPr>
+          </a:p>
+        </p:txBody>
+      </p:sp>
+    </p:spTree>
+  </p:cSld>
+  <p:clrMapOvr>
+    <a:masterClrMapping/>
+  </p:clrMapOvr>
+</p:sld>
+</file>
+
+<file path=ppt/slides/slide14.xml><?xml version="1.0" encoding="utf-8"?>
+<p:sld xmlns:a="http://schemas.openxmlformats.org/drawingml/2006/main" xmlns:r="http://schemas.openxmlformats.org/officeDocument/2006/relationships" xmlns:mc="http://schemas.openxmlformats.org/markup-compatibility/2006" xmlns:mv="urn:schemas-microsoft-com:mac:vml" xmlns:p="http://schemas.openxmlformats.org/presentationml/2006/main" xmlns:c="http://schemas.openxmlformats.org/drawingml/2006/chart" xmlns:dgm="http://schemas.openxmlformats.org/drawingml/2006/diagram" xmlns:o="urn:schemas-microsoft-com:office:office" xmlns:v="urn:schemas-microsoft-com:vml" xmlns:pvml="urn:schemas-microsoft-com:office:powerpoint" xmlns:com="http://schemas.openxmlformats.org/drawingml/2006/compatibility" xmlns:p14="http://schemas.microsoft.com/office/powerpoint/2010/main" xmlns:p15="http://schemas.microsoft.com/office/powerpoint/2012/main" xmlns:ahyp="http://schemas.microsoft.com/office/drawing/2018/hyperlinkcolor">
+  <p:cSld>
+    <p:spTree>
+      <p:nvGrpSpPr>
+        <p:cNvPr id="194" name="Shape 194"/>
+        <p:cNvGrpSpPr/>
+        <p:nvPr/>
+      </p:nvGrpSpPr>
+      <p:grpSpPr>
+        <a:xfrm>
+          <a:off x="0" y="0"/>
+          <a:ext cx="0" cy="0"/>
+          <a:chOff x="0" y="0"/>
+          <a:chExt cx="0" cy="0"/>
+        </a:xfrm>
+      </p:grpSpPr>
+      <p:sp>
+        <p:nvSpPr>
+          <p:cNvPr id="195" name="Google Shape;195;p26"/>
           <p:cNvSpPr txBox="1"/>
           <p:nvPr>
-            <p:ph idx="4294967295" type="body"/>
+            <p:ph type="title"/>
           </p:nvPr>
         </p:nvSpPr>
         <p:spPr>
           <a:xfrm>
-            <a:off x="340923" y="2336550"/>
-            <a:ext cx="1455600" cy="470400"/>
+            <a:off x="544775" y="1177850"/>
+            <a:ext cx="3837000" cy="1564500"/>
           </a:xfrm>
           <a:prstGeom prst="rect">
             <a:avLst/>
@@ -9712,221 +11737,35 @@
           </a:bodyPr>
           <a:lstStyle/>
           <a:p>
-            <a:pPr indent="0" lvl="0" marL="0" rtl="0" algn="ctr">
-              <a:lnSpc>
-                <a:spcPct val="100000"/>
-              </a:lnSpc>
-              <a:spcBef>
-                <a:spcPts val="0"/>
-              </a:spcBef>
-              <a:spcAft>
-                <a:spcPts val="0"/>
-              </a:spcAft>
-              <a:buNone/>
-            </a:pPr>
-            <a:r>
-              <a:rPr lang="en" sz="1600">
-                <a:solidFill>
-                  <a:schemeClr val="lt1"/>
-                </a:solidFill>
-              </a:rPr>
-              <a:t>09.05.XX</a:t>
-            </a:r>
-            <a:endParaRPr sz="1600">
-              <a:solidFill>
-                <a:schemeClr val="lt1"/>
-              </a:solidFill>
-            </a:endParaRPr>
-          </a:p>
-        </p:txBody>
-      </p:sp>
-      <p:grpSp>
-        <p:nvGrpSpPr>
-          <p:cNvPr id="190" name="Google Shape;190;p25"/>
-          <p:cNvGrpSpPr/>
-          <p:nvPr/>
-        </p:nvGrpSpPr>
-        <p:grpSpPr>
-          <a:xfrm>
-            <a:off x="969270" y="1610215"/>
-            <a:ext cx="198900" cy="593656"/>
-            <a:chOff x="777447" y="1610215"/>
-            <a:chExt cx="198900" cy="593656"/>
-          </a:xfrm>
-        </p:grpSpPr>
-        <p:cxnSp>
-          <p:nvCxnSpPr>
-            <p:cNvPr id="191" name="Google Shape;191;p25"/>
-            <p:cNvCxnSpPr/>
-            <p:nvPr/>
-          </p:nvCxnSpPr>
-          <p:spPr>
-            <a:xfrm>
-              <a:off x="876909" y="1649171"/>
-              <a:ext cx="0" cy="554700"/>
-            </a:xfrm>
-            <a:prstGeom prst="straightConnector1">
-              <a:avLst/>
-            </a:prstGeom>
-            <a:noFill/>
-            <a:ln cap="flat" cmpd="sng" w="9525">
-              <a:solidFill>
-                <a:schemeClr val="dk2"/>
-              </a:solidFill>
-              <a:prstDash val="solid"/>
-              <a:round/>
-              <a:headEnd len="sm" w="sm" type="none"/>
-              <a:tailEnd len="sm" w="sm" type="none"/>
-            </a:ln>
-          </p:spPr>
-        </p:cxnSp>
-        <p:sp>
-          <p:nvSpPr>
-            <p:cNvPr id="192" name="Google Shape;192;p25"/>
-            <p:cNvSpPr/>
-            <p:nvPr/>
-          </p:nvSpPr>
-          <p:spPr>
-            <a:xfrm>
-              <a:off x="777447" y="1610215"/>
-              <a:ext cx="198900" cy="198900"/>
-            </a:xfrm>
-            <a:prstGeom prst="ellipse">
-              <a:avLst/>
-            </a:prstGeom>
-            <a:solidFill>
-              <a:schemeClr val="dk1"/>
-            </a:solidFill>
-            <a:ln>
-              <a:noFill/>
-            </a:ln>
-          </p:spPr>
-          <p:txBody>
-            <a:bodyPr anchorCtr="0" anchor="ctr" bIns="91425" lIns="91425" spcFirstLastPara="1" rIns="91425" wrap="square" tIns="91425">
-              <a:noAutofit/>
-            </a:bodyPr>
-            <a:lstStyle/>
-            <a:p>
-              <a:pPr indent="0" lvl="0" marL="0" rtl="0" algn="l">
-                <a:spcBef>
-                  <a:spcPts val="0"/>
-                </a:spcBef>
-                <a:spcAft>
-                  <a:spcPts val="0"/>
-                </a:spcAft>
-                <a:buNone/>
-              </a:pPr>
-              <a:r>
-                <a:t/>
-              </a:r>
-              <a:endParaRPr/>
-            </a:p>
-          </p:txBody>
-        </p:sp>
-      </p:grpSp>
-      <p:sp>
-        <p:nvSpPr>
-          <p:cNvPr id="193" name="Google Shape;193;p25"/>
-          <p:cNvSpPr txBox="1"/>
-          <p:nvPr>
-            <p:ph idx="4294967295" type="body"/>
-          </p:nvPr>
-        </p:nvSpPr>
-        <p:spPr>
-          <a:xfrm>
-            <a:off x="318375" y="385667"/>
-            <a:ext cx="2242800" cy="906300"/>
-          </a:xfrm>
-          <a:prstGeom prst="rect">
-            <a:avLst/>
-          </a:prstGeom>
-        </p:spPr>
-        <p:txBody>
-          <a:bodyPr anchorCtr="0" anchor="t" bIns="91425" lIns="91425" spcFirstLastPara="1" rIns="91425" wrap="square" tIns="91425">
-            <a:noAutofit/>
-          </a:bodyPr>
-          <a:lstStyle/>
-          <a:p>
             <a:pPr indent="0" lvl="0" marL="0" rtl="0" algn="l">
               <a:spcBef>
                 <a:spcPts val="0"/>
               </a:spcBef>
               <a:spcAft>
-                <a:spcPts val="1600"/>
-              </a:spcAft>
-              <a:buNone/>
-            </a:pPr>
-            <a:r>
-              <a:rPr lang="en" sz="1600"/>
-              <a:t>Lorem ipsum dolor sit amet, consectetur adipiscing elit</a:t>
-            </a:r>
-            <a:endParaRPr sz="1600"/>
+                <a:spcPts val="0"/>
+              </a:spcAft>
+              <a:buNone/>
+            </a:pPr>
+            <a:r>
+              <a:rPr lang="en" sz="3100"/>
+              <a:t>Category 1 (Platform)</a:t>
+            </a:r>
+            <a:endParaRPr sz="3100"/>
           </a:p>
         </p:txBody>
       </p:sp>
       <p:sp>
         <p:nvSpPr>
-          <p:cNvPr descr="Background pointer shape in timeline graphic" id="194" name="Google Shape;194;p25"/>
-          <p:cNvSpPr/>
-          <p:nvPr/>
-        </p:nvSpPr>
-        <p:spPr>
-          <a:xfrm>
-            <a:off x="1817054" y="2199000"/>
-            <a:ext cx="2051100" cy="745500"/>
-          </a:xfrm>
-          <a:prstGeom prst="chevron">
-            <a:avLst>
-              <a:gd fmla="val 50000" name="adj"/>
-            </a:avLst>
-          </a:prstGeom>
-          <a:solidFill>
-            <a:schemeClr val="dk1"/>
-          </a:solidFill>
-          <a:ln cap="flat" cmpd="sng" w="9525">
-            <a:solidFill>
-              <a:schemeClr val="lt1"/>
-            </a:solidFill>
-            <a:prstDash val="solid"/>
-            <a:round/>
-            <a:headEnd len="sm" w="sm" type="none"/>
-            <a:tailEnd len="sm" w="sm" type="none"/>
-          </a:ln>
-        </p:spPr>
-        <p:txBody>
-          <a:bodyPr anchorCtr="0" anchor="ctr" bIns="121875" lIns="121875" spcFirstLastPara="1" rIns="121875" wrap="square" tIns="121875">
-            <a:noAutofit/>
-          </a:bodyPr>
-          <a:lstStyle/>
-          <a:p>
-            <a:pPr indent="0" lvl="0" marL="0" rtl="0" algn="l">
-              <a:spcBef>
-                <a:spcPts val="0"/>
-              </a:spcBef>
-              <a:spcAft>
-                <a:spcPts val="0"/>
-              </a:spcAft>
-              <a:buNone/>
-            </a:pPr>
-            <a:r>
-              <a:t/>
-            </a:r>
-            <a:endParaRPr/>
-          </a:p>
-        </p:txBody>
-      </p:sp>
-      <p:sp>
-        <p:nvSpPr>
-          <p:cNvPr id="195" name="Google Shape;195;p25"/>
+          <p:cNvPr id="196" name="Google Shape;196;p26"/>
           <p:cNvSpPr txBox="1"/>
           <p:nvPr>
-            <p:ph idx="4294967295" type="body"/>
+            <p:ph idx="2" type="body"/>
           </p:nvPr>
         </p:nvSpPr>
         <p:spPr>
           <a:xfrm>
-            <a:off x="2126317" y="2336550"/>
-            <a:ext cx="1315500" cy="470400"/>
+            <a:off x="4939500" y="724200"/>
+            <a:ext cx="3837000" cy="3695100"/>
           </a:xfrm>
           <a:prstGeom prst="rect">
             <a:avLst/>
@@ -9938,7 +11777,7 @@
           </a:bodyPr>
           <a:lstStyle/>
           <a:p>
-            <a:pPr indent="0" lvl="0" marL="0" rtl="0" algn="ctr">
+            <a:pPr indent="0" lvl="0" marL="0" rtl="0" algn="l">
               <a:lnSpc>
                 <a:spcPct val="100000"/>
               </a:lnSpc>
@@ -9951,127 +11790,214 @@
               <a:buNone/>
             </a:pPr>
             <a:r>
-              <a:rPr lang="en" sz="1600">
-                <a:solidFill>
-                  <a:schemeClr val="lt1"/>
-                </a:solidFill>
+              <a:rPr lang="en" sz="1350">
+                <a:latin typeface="Arial"/>
+                <a:ea typeface="Arial"/>
+                <a:cs typeface="Arial"/>
+                <a:sym typeface="Arial"/>
               </a:rPr>
-              <a:t>09.17.XX</a:t>
-            </a:r>
-            <a:endParaRPr sz="1600">
-              <a:solidFill>
+              <a:t>Factors extracted for graphical representation:</a:t>
+            </a:r>
+            <a:endParaRPr sz="1350">
+              <a:latin typeface="Arial"/>
+              <a:ea typeface="Arial"/>
+              <a:cs typeface="Arial"/>
+              <a:sym typeface="Arial"/>
+            </a:endParaRPr>
+          </a:p>
+          <a:p>
+            <a:pPr indent="0" lvl="0" marL="0" rtl="0" algn="l">
+              <a:lnSpc>
+                <a:spcPct val="100000"/>
+              </a:lnSpc>
+              <a:spcBef>
+                <a:spcPts val="0"/>
+              </a:spcBef>
+              <a:spcAft>
+                <a:spcPts val="0"/>
+              </a:spcAft>
+              <a:buNone/>
+            </a:pPr>
+            <a:r>
+              <a:t/>
+            </a:r>
+            <a:endParaRPr sz="1350">
+              <a:latin typeface="Arial"/>
+              <a:ea typeface="Arial"/>
+              <a:cs typeface="Arial"/>
+              <a:sym typeface="Arial"/>
+            </a:endParaRPr>
+          </a:p>
+          <a:p>
+            <a:pPr indent="-314325" lvl="0" marL="457200" rtl="0" algn="l">
+              <a:lnSpc>
+                <a:spcPct val="100000"/>
+              </a:lnSpc>
+              <a:spcBef>
+                <a:spcPts val="0"/>
+              </a:spcBef>
+              <a:spcAft>
+                <a:spcPts val="0"/>
+              </a:spcAft>
+              <a:buClr>
                 <a:schemeClr val="lt1"/>
-              </a:solidFill>
+              </a:buClr>
+              <a:buSzPts val="1350"/>
+              <a:buFont typeface="Arial"/>
+              <a:buAutoNum type="arabicPeriod"/>
+            </a:pPr>
+            <a:r>
+              <a:rPr lang="en" sz="1350">
+                <a:latin typeface="Arial"/>
+                <a:ea typeface="Arial"/>
+                <a:cs typeface="Arial"/>
+                <a:sym typeface="Arial"/>
+              </a:rPr>
+              <a:t>Ease of Navigation</a:t>
+            </a:r>
+            <a:endParaRPr sz="1350">
+              <a:latin typeface="Arial"/>
+              <a:ea typeface="Arial"/>
+              <a:cs typeface="Arial"/>
+              <a:sym typeface="Arial"/>
             </a:endParaRPr>
           </a:p>
-        </p:txBody>
-      </p:sp>
-      <p:grpSp>
-        <p:nvGrpSpPr>
-          <p:cNvPr id="196" name="Google Shape;196;p25"/>
-          <p:cNvGrpSpPr/>
-          <p:nvPr/>
-        </p:nvGrpSpPr>
-        <p:grpSpPr>
-          <a:xfrm>
-            <a:off x="2684632" y="2938958"/>
-            <a:ext cx="198900" cy="593656"/>
-            <a:chOff x="2223534" y="2938958"/>
-            <a:chExt cx="198900" cy="593656"/>
-          </a:xfrm>
-        </p:grpSpPr>
-        <p:cxnSp>
-          <p:nvCxnSpPr>
-            <p:cNvPr id="197" name="Google Shape;197;p25"/>
-            <p:cNvCxnSpPr/>
-            <p:nvPr/>
-          </p:nvCxnSpPr>
-          <p:spPr>
-            <a:xfrm rot="10800000">
-              <a:off x="2322997" y="2938958"/>
-              <a:ext cx="0" cy="554700"/>
-            </a:xfrm>
-            <a:prstGeom prst="straightConnector1">
-              <a:avLst/>
-            </a:prstGeom>
-            <a:noFill/>
-            <a:ln cap="flat" cmpd="sng" w="9525">
-              <a:solidFill>
-                <a:schemeClr val="dk2"/>
-              </a:solidFill>
-              <a:prstDash val="solid"/>
-              <a:round/>
-              <a:headEnd len="sm" w="sm" type="none"/>
-              <a:tailEnd len="sm" w="sm" type="none"/>
-            </a:ln>
-          </p:spPr>
-        </p:cxnSp>
-        <p:sp>
-          <p:nvSpPr>
-            <p:cNvPr id="198" name="Google Shape;198;p25"/>
-            <p:cNvSpPr/>
-            <p:nvPr/>
-          </p:nvSpPr>
-          <p:spPr>
-            <a:xfrm flipH="1" rot="10800000">
-              <a:off x="2223534" y="3333714"/>
-              <a:ext cx="198900" cy="198900"/>
-            </a:xfrm>
-            <a:prstGeom prst="ellipse">
-              <a:avLst/>
-            </a:prstGeom>
-            <a:solidFill>
-              <a:schemeClr val="dk1"/>
-            </a:solidFill>
-            <a:ln>
-              <a:noFill/>
-            </a:ln>
-          </p:spPr>
-          <p:txBody>
-            <a:bodyPr anchorCtr="0" anchor="ctr" bIns="91425" lIns="91425" spcFirstLastPara="1" rIns="91425" wrap="square" tIns="91425">
-              <a:noAutofit/>
-            </a:bodyPr>
-            <a:lstStyle/>
-            <a:p>
-              <a:pPr indent="0" lvl="0" marL="0" rtl="0" algn="l">
-                <a:spcBef>
-                  <a:spcPts val="0"/>
-                </a:spcBef>
-                <a:spcAft>
-                  <a:spcPts val="0"/>
-                </a:spcAft>
-                <a:buNone/>
-              </a:pPr>
-              <a:r>
-                <a:t/>
-              </a:r>
-              <a:endParaRPr/>
-            </a:p>
-          </p:txBody>
-        </p:sp>
-      </p:grpSp>
-      <p:sp>
-        <p:nvSpPr>
-          <p:cNvPr id="199" name="Google Shape;199;p25"/>
-          <p:cNvSpPr txBox="1"/>
-          <p:nvPr>
-            <p:ph idx="4294967295" type="body"/>
-          </p:nvPr>
-        </p:nvSpPr>
-        <p:spPr>
-          <a:xfrm>
-            <a:off x="1244337" y="3757725"/>
-            <a:ext cx="2242800" cy="906300"/>
-          </a:xfrm>
-          <a:prstGeom prst="rect">
-            <a:avLst/>
-          </a:prstGeom>
-        </p:spPr>
-        <p:txBody>
-          <a:bodyPr anchorCtr="0" anchor="t" bIns="91425" lIns="91425" spcFirstLastPara="1" rIns="91425" wrap="square" tIns="91425">
-            <a:noAutofit/>
-          </a:bodyPr>
-          <a:lstStyle/>
+          <a:p>
+            <a:pPr indent="-314325" lvl="0" marL="457200" rtl="0" algn="l">
+              <a:lnSpc>
+                <a:spcPct val="100000"/>
+              </a:lnSpc>
+              <a:spcBef>
+                <a:spcPts val="0"/>
+              </a:spcBef>
+              <a:spcAft>
+                <a:spcPts val="0"/>
+              </a:spcAft>
+              <a:buClr>
+                <a:schemeClr val="lt1"/>
+              </a:buClr>
+              <a:buSzPts val="1350"/>
+              <a:buFont typeface="Arial"/>
+              <a:buAutoNum type="arabicPeriod"/>
+            </a:pPr>
+            <a:r>
+              <a:rPr lang="en" sz="1350">
+                <a:latin typeface="Arial"/>
+                <a:ea typeface="Arial"/>
+                <a:cs typeface="Arial"/>
+                <a:sym typeface="Arial"/>
+              </a:rPr>
+              <a:t>Loading and processing speed</a:t>
+            </a:r>
+            <a:endParaRPr sz="1350">
+              <a:latin typeface="Arial"/>
+              <a:ea typeface="Arial"/>
+              <a:cs typeface="Arial"/>
+              <a:sym typeface="Arial"/>
+            </a:endParaRPr>
+          </a:p>
+          <a:p>
+            <a:pPr indent="-314325" lvl="0" marL="457200" rtl="0" algn="l">
+              <a:lnSpc>
+                <a:spcPct val="100000"/>
+              </a:lnSpc>
+              <a:spcBef>
+                <a:spcPts val="0"/>
+              </a:spcBef>
+              <a:spcAft>
+                <a:spcPts val="0"/>
+              </a:spcAft>
+              <a:buClr>
+                <a:schemeClr val="lt1"/>
+              </a:buClr>
+              <a:buSzPts val="1350"/>
+              <a:buFont typeface="Arial"/>
+              <a:buAutoNum type="arabicPeriod"/>
+            </a:pPr>
+            <a:r>
+              <a:rPr lang="en" sz="1350">
+                <a:latin typeface="Arial"/>
+                <a:ea typeface="Arial"/>
+                <a:cs typeface="Arial"/>
+                <a:sym typeface="Arial"/>
+              </a:rPr>
+              <a:t>User friendly interface</a:t>
+            </a:r>
+            <a:endParaRPr sz="1350">
+              <a:latin typeface="Arial"/>
+              <a:ea typeface="Arial"/>
+              <a:cs typeface="Arial"/>
+              <a:sym typeface="Arial"/>
+            </a:endParaRPr>
+          </a:p>
+          <a:p>
+            <a:pPr indent="-314325" lvl="0" marL="457200" rtl="0" algn="l">
+              <a:lnSpc>
+                <a:spcPct val="100000"/>
+              </a:lnSpc>
+              <a:spcBef>
+                <a:spcPts val="0"/>
+              </a:spcBef>
+              <a:spcAft>
+                <a:spcPts val="0"/>
+              </a:spcAft>
+              <a:buClr>
+                <a:schemeClr val="lt1"/>
+              </a:buClr>
+              <a:buSzPts val="1350"/>
+              <a:buFont typeface="Arial"/>
+              <a:buAutoNum type="arabicPeriod"/>
+            </a:pPr>
+            <a:r>
+              <a:rPr lang="en" sz="1350">
+                <a:latin typeface="Arial"/>
+                <a:ea typeface="Arial"/>
+                <a:cs typeface="Arial"/>
+                <a:sym typeface="Arial"/>
+              </a:rPr>
+              <a:t>Convenient options</a:t>
+            </a:r>
+            <a:endParaRPr sz="1350">
+              <a:latin typeface="Arial"/>
+              <a:ea typeface="Arial"/>
+              <a:cs typeface="Arial"/>
+              <a:sym typeface="Arial"/>
+            </a:endParaRPr>
+          </a:p>
+          <a:p>
+            <a:pPr indent="-314325" lvl="0" marL="457200" rtl="0" algn="l">
+              <a:lnSpc>
+                <a:spcPct val="100000"/>
+              </a:lnSpc>
+              <a:spcBef>
+                <a:spcPts val="0"/>
+              </a:spcBef>
+              <a:spcAft>
+                <a:spcPts val="0"/>
+              </a:spcAft>
+              <a:buClr>
+                <a:schemeClr val="lt1"/>
+              </a:buClr>
+              <a:buSzPts val="1350"/>
+              <a:buFont typeface="Arial"/>
+              <a:buAutoNum type="arabicPeriod"/>
+            </a:pPr>
+            <a:r>
+              <a:rPr lang="en" sz="1350">
+                <a:latin typeface="Arial"/>
+                <a:ea typeface="Arial"/>
+                <a:cs typeface="Arial"/>
+                <a:sym typeface="Arial"/>
+              </a:rPr>
+              <a:t>Responsiveness and availability for communication</a:t>
+            </a:r>
+            <a:endParaRPr sz="1350">
+              <a:latin typeface="Arial"/>
+              <a:ea typeface="Arial"/>
+              <a:cs typeface="Arial"/>
+              <a:sym typeface="Arial"/>
+            </a:endParaRPr>
+          </a:p>
           <a:p>
             <a:pPr indent="0" lvl="0" marL="0" rtl="0" algn="l">
               <a:spcBef>
@@ -10083,76 +12009,375 @@
               <a:buNone/>
             </a:pPr>
             <a:r>
-              <a:rPr lang="en" sz="1600"/>
-              <a:t>Lorem ipsum dolor sit amet, consectetur adipiscing elit</a:t>
-            </a:r>
-            <a:endParaRPr sz="1600"/>
+              <a:t/>
+            </a:r>
+            <a:endParaRPr sz="2100">
+              <a:latin typeface="Arial"/>
+              <a:ea typeface="Arial"/>
+              <a:cs typeface="Arial"/>
+              <a:sym typeface="Arial"/>
+            </a:endParaRPr>
           </a:p>
         </p:txBody>
       </p:sp>
       <p:sp>
         <p:nvSpPr>
-          <p:cNvPr descr="Background pointer shape in timeline graphic" id="200" name="Google Shape;200;p25"/>
-          <p:cNvSpPr/>
+          <p:cNvPr id="197" name="Google Shape;197;p26"/>
+          <p:cNvSpPr txBox="1"/>
           <p:nvPr/>
         </p:nvSpPr>
         <p:spPr>
           <a:xfrm>
-            <a:off x="3471973" y="2199000"/>
-            <a:ext cx="2051100" cy="745500"/>
-          </a:xfrm>
-          <a:prstGeom prst="chevron">
-            <a:avLst>
-              <a:gd fmla="val 50000" name="adj"/>
-            </a:avLst>
+            <a:off x="210700" y="2703550"/>
+            <a:ext cx="3882900" cy="1262100"/>
+          </a:xfrm>
+          <a:prstGeom prst="rect">
+            <a:avLst/>
           </a:prstGeom>
-          <a:solidFill>
-            <a:schemeClr val="dk1"/>
-          </a:solidFill>
-          <a:ln cap="flat" cmpd="sng" w="9525">
-            <a:solidFill>
-              <a:schemeClr val="lt1"/>
-            </a:solidFill>
-            <a:prstDash val="solid"/>
-            <a:round/>
-            <a:headEnd len="sm" w="sm" type="none"/>
-            <a:tailEnd len="sm" w="sm" type="none"/>
+          <a:noFill/>
+          <a:ln>
+            <a:noFill/>
           </a:ln>
         </p:spPr>
         <p:txBody>
-          <a:bodyPr anchorCtr="0" anchor="ctr" bIns="121875" lIns="121875" spcFirstLastPara="1" rIns="121875" wrap="square" tIns="121875">
-            <a:noAutofit/>
+          <a:bodyPr anchorCtr="0" anchor="t" bIns="91425" lIns="91425" spcFirstLastPara="1" rIns="91425" wrap="square" tIns="91425">
+            <a:spAutoFit/>
           </a:bodyPr>
           <a:lstStyle/>
           <a:p>
-            <a:pPr indent="0" lvl="0" marL="0" rtl="0" algn="l">
-              <a:spcBef>
-                <a:spcPts val="0"/>
-              </a:spcBef>
-              <a:spcAft>
-                <a:spcPts val="0"/>
+            <a:pPr indent="0" lvl="0" marL="292100" marR="304800" rtl="0" algn="l">
+              <a:spcBef>
+                <a:spcPts val="1000"/>
+              </a:spcBef>
+              <a:spcAft>
+                <a:spcPts val="0"/>
+              </a:spcAft>
+              <a:buNone/>
+            </a:pPr>
+            <a:r>
+              <a:rPr b="1" lang="en" sz="1350">
+                <a:solidFill>
+                  <a:schemeClr val="dk2"/>
+                </a:solidFill>
+              </a:rPr>
+              <a:t>Visualizing how the platform(Application interface) has effect on the customer retention / Activation</a:t>
+            </a:r>
+            <a:endParaRPr b="1" sz="1350">
+              <a:solidFill>
+                <a:schemeClr val="dk2"/>
+              </a:solidFill>
+            </a:endParaRPr>
+          </a:p>
+          <a:p>
+            <a:pPr indent="0" lvl="0" marL="457200" rtl="0" algn="ctr">
+              <a:lnSpc>
+                <a:spcPct val="140000"/>
+              </a:lnSpc>
+              <a:spcBef>
+                <a:spcPts val="0"/>
+              </a:spcBef>
+              <a:spcAft>
+                <a:spcPts val="600"/>
               </a:spcAft>
               <a:buNone/>
             </a:pPr>
             <a:r>
               <a:t/>
             </a:r>
-            <a:endParaRPr/>
+            <a:endParaRPr sz="1600">
+              <a:solidFill>
+                <a:schemeClr val="dk2"/>
+              </a:solidFill>
+            </a:endParaRPr>
           </a:p>
         </p:txBody>
       </p:sp>
+    </p:spTree>
+  </p:cSld>
+  <p:clrMapOvr>
+    <a:masterClrMapping/>
+  </p:clrMapOvr>
+</p:sld>
+</file>
+
+<file path=ppt/slides/slide15.xml><?xml version="1.0" encoding="utf-8"?>
+<p:sld xmlns:a="http://schemas.openxmlformats.org/drawingml/2006/main" xmlns:r="http://schemas.openxmlformats.org/officeDocument/2006/relationships" xmlns:mc="http://schemas.openxmlformats.org/markup-compatibility/2006" xmlns:mv="urn:schemas-microsoft-com:mac:vml" xmlns:p="http://schemas.openxmlformats.org/presentationml/2006/main" xmlns:c="http://schemas.openxmlformats.org/drawingml/2006/chart" xmlns:dgm="http://schemas.openxmlformats.org/drawingml/2006/diagram" xmlns:o="urn:schemas-microsoft-com:office:office" xmlns:v="urn:schemas-microsoft-com:vml" xmlns:pvml="urn:schemas-microsoft-com:office:powerpoint" xmlns:com="http://schemas.openxmlformats.org/drawingml/2006/compatibility" xmlns:p14="http://schemas.microsoft.com/office/powerpoint/2010/main" xmlns:p15="http://schemas.microsoft.com/office/powerpoint/2012/main" xmlns:ahyp="http://schemas.microsoft.com/office/drawing/2018/hyperlinkcolor">
+  <p:cSld>
+    <p:spTree>
+      <p:nvGrpSpPr>
+        <p:cNvPr id="201" name="Shape 201"/>
+        <p:cNvGrpSpPr/>
+        <p:nvPr/>
+      </p:nvGrpSpPr>
+      <p:grpSpPr>
+        <a:xfrm>
+          <a:off x="0" y="0"/>
+          <a:ext cx="0" cy="0"/>
+          <a:chOff x="0" y="0"/>
+          <a:chExt cx="0" cy="0"/>
+        </a:xfrm>
+      </p:grpSpPr>
       <p:sp>
         <p:nvSpPr>
-          <p:cNvPr id="201" name="Google Shape;201;p25"/>
+          <p:cNvPr id="202" name="Google Shape;202;p27"/>
+          <p:cNvSpPr txBox="1"/>
+          <p:nvPr/>
+        </p:nvSpPr>
+        <p:spPr>
+          <a:xfrm>
+            <a:off x="2577775" y="482475"/>
+            <a:ext cx="3721800" cy="400200"/>
+          </a:xfrm>
+          <a:prstGeom prst="rect">
+            <a:avLst/>
+          </a:prstGeom>
+          <a:noFill/>
+          <a:ln>
+            <a:noFill/>
+          </a:ln>
+        </p:spPr>
+        <p:txBody>
+          <a:bodyPr anchorCtr="0" anchor="t" bIns="91425" lIns="91425" spcFirstLastPara="1" rIns="91425" wrap="square" tIns="91425">
+            <a:spAutoFit/>
+          </a:bodyPr>
+          <a:lstStyle/>
+          <a:p>
+            <a:pPr indent="0" lvl="0" marL="0" rtl="0" algn="ctr">
+              <a:spcBef>
+                <a:spcPts val="0"/>
+              </a:spcBef>
+              <a:spcAft>
+                <a:spcPts val="0"/>
+              </a:spcAft>
+              <a:buNone/>
+            </a:pPr>
+            <a:r>
+              <a:rPr lang="en">
+                <a:solidFill>
+                  <a:schemeClr val="lt1"/>
+                </a:solidFill>
+                <a:latin typeface="Roboto"/>
+                <a:ea typeface="Roboto"/>
+                <a:cs typeface="Roboto"/>
+                <a:sym typeface="Roboto"/>
+              </a:rPr>
+              <a:t>GRAPHICAL REPRESENTATION</a:t>
+            </a:r>
+            <a:endParaRPr>
+              <a:solidFill>
+                <a:schemeClr val="lt1"/>
+              </a:solidFill>
+              <a:latin typeface="Roboto"/>
+              <a:ea typeface="Roboto"/>
+              <a:cs typeface="Roboto"/>
+              <a:sym typeface="Roboto"/>
+            </a:endParaRPr>
+          </a:p>
+        </p:txBody>
+      </p:sp>
+      <p:pic>
+        <p:nvPicPr>
+          <p:cNvPr id="203" name="Google Shape;203;p27"/>
+          <p:cNvPicPr preferRelativeResize="0"/>
+          <p:nvPr/>
+        </p:nvPicPr>
+        <p:blipFill>
+          <a:blip r:embed="rId3">
+            <a:alphaModFix/>
+          </a:blip>
+          <a:stretch>
+            <a:fillRect/>
+          </a:stretch>
+        </p:blipFill>
+        <p:spPr>
+          <a:xfrm>
+            <a:off x="6161374" y="947727"/>
+            <a:ext cx="2650900" cy="3347149"/>
+          </a:xfrm>
+          <a:prstGeom prst="rect">
+            <a:avLst/>
+          </a:prstGeom>
+          <a:noFill/>
+          <a:ln>
+            <a:noFill/>
+          </a:ln>
+        </p:spPr>
+      </p:pic>
+      <p:pic>
+        <p:nvPicPr>
+          <p:cNvPr id="204" name="Google Shape;204;p27"/>
+          <p:cNvPicPr preferRelativeResize="0"/>
+          <p:nvPr/>
+        </p:nvPicPr>
+        <p:blipFill>
+          <a:blip r:embed="rId4">
+            <a:alphaModFix/>
+          </a:blip>
+          <a:stretch>
+            <a:fillRect/>
+          </a:stretch>
+        </p:blipFill>
+        <p:spPr>
+          <a:xfrm>
+            <a:off x="2767984" y="2949222"/>
+            <a:ext cx="3425717" cy="1345653"/>
+          </a:xfrm>
+          <a:prstGeom prst="rect">
+            <a:avLst/>
+          </a:prstGeom>
+          <a:noFill/>
+          <a:ln>
+            <a:noFill/>
+          </a:ln>
+        </p:spPr>
+      </p:pic>
+      <p:pic>
+        <p:nvPicPr>
+          <p:cNvPr id="205" name="Google Shape;205;p27"/>
+          <p:cNvPicPr preferRelativeResize="0"/>
+          <p:nvPr/>
+        </p:nvPicPr>
+        <p:blipFill>
+          <a:blip r:embed="rId5">
+            <a:alphaModFix/>
+          </a:blip>
+          <a:stretch>
+            <a:fillRect/>
+          </a:stretch>
+        </p:blipFill>
+        <p:spPr>
+          <a:xfrm>
+            <a:off x="396901" y="1122175"/>
+            <a:ext cx="2408026" cy="3172699"/>
+          </a:xfrm>
+          <a:prstGeom prst="rect">
+            <a:avLst/>
+          </a:prstGeom>
+          <a:noFill/>
+          <a:ln>
+            <a:noFill/>
+          </a:ln>
+        </p:spPr>
+      </p:pic>
+      <p:sp>
+        <p:nvSpPr>
+          <p:cNvPr id="206" name="Google Shape;206;p27"/>
+          <p:cNvSpPr txBox="1"/>
+          <p:nvPr/>
+        </p:nvSpPr>
+        <p:spPr>
+          <a:xfrm>
+            <a:off x="568200" y="4443500"/>
+            <a:ext cx="8148300" cy="400200"/>
+          </a:xfrm>
+          <a:prstGeom prst="rect">
+            <a:avLst/>
+          </a:prstGeom>
+          <a:noFill/>
+          <a:ln>
+            <a:noFill/>
+          </a:ln>
+        </p:spPr>
+        <p:txBody>
+          <a:bodyPr anchorCtr="0" anchor="t" bIns="91425" lIns="91425" spcFirstLastPara="1" rIns="91425" wrap="square" tIns="91425">
+            <a:spAutoFit/>
+          </a:bodyPr>
+          <a:lstStyle/>
+          <a:p>
+            <a:pPr indent="0" lvl="0" marL="0" rtl="0" algn="l">
+              <a:spcBef>
+                <a:spcPts val="0"/>
+              </a:spcBef>
+              <a:spcAft>
+                <a:spcPts val="0"/>
+              </a:spcAft>
+              <a:buNone/>
+            </a:pPr>
+            <a:r>
+              <a:rPr lang="en">
+                <a:solidFill>
+                  <a:schemeClr val="lt1"/>
+                </a:solidFill>
+                <a:latin typeface="Roboto"/>
+                <a:ea typeface="Roboto"/>
+                <a:cs typeface="Roboto"/>
+                <a:sym typeface="Roboto"/>
+              </a:rPr>
+              <a:t>Observation : Most of the users strongly agree on these variables </a:t>
+            </a:r>
+            <a:r>
+              <a:rPr lang="en">
+                <a:solidFill>
+                  <a:schemeClr val="lt1"/>
+                </a:solidFill>
+                <a:latin typeface="Roboto"/>
+                <a:ea typeface="Roboto"/>
+                <a:cs typeface="Roboto"/>
+                <a:sym typeface="Roboto"/>
+              </a:rPr>
+              <a:t>affecting</a:t>
+            </a:r>
+            <a:r>
+              <a:rPr lang="en">
+                <a:solidFill>
+                  <a:schemeClr val="lt1"/>
+                </a:solidFill>
+                <a:latin typeface="Roboto"/>
+                <a:ea typeface="Roboto"/>
+                <a:cs typeface="Roboto"/>
+                <a:sym typeface="Roboto"/>
+              </a:rPr>
+              <a:t> the purchase</a:t>
+            </a:r>
+            <a:endParaRPr>
+              <a:solidFill>
+                <a:schemeClr val="lt1"/>
+              </a:solidFill>
+              <a:latin typeface="Roboto"/>
+              <a:ea typeface="Roboto"/>
+              <a:cs typeface="Roboto"/>
+              <a:sym typeface="Roboto"/>
+            </a:endParaRPr>
+          </a:p>
+        </p:txBody>
+      </p:sp>
+    </p:spTree>
+  </p:cSld>
+  <p:clrMapOvr>
+    <a:masterClrMapping/>
+  </p:clrMapOvr>
+</p:sld>
+</file>
+
+<file path=ppt/slides/slide16.xml><?xml version="1.0" encoding="utf-8"?>
+<p:sld xmlns:a="http://schemas.openxmlformats.org/drawingml/2006/main" xmlns:r="http://schemas.openxmlformats.org/officeDocument/2006/relationships" xmlns:mc="http://schemas.openxmlformats.org/markup-compatibility/2006" xmlns:mv="urn:schemas-microsoft-com:mac:vml" xmlns:p="http://schemas.openxmlformats.org/presentationml/2006/main" xmlns:c="http://schemas.openxmlformats.org/drawingml/2006/chart" xmlns:dgm="http://schemas.openxmlformats.org/drawingml/2006/diagram" xmlns:o="urn:schemas-microsoft-com:office:office" xmlns:v="urn:schemas-microsoft-com:vml" xmlns:pvml="urn:schemas-microsoft-com:office:powerpoint" xmlns:com="http://schemas.openxmlformats.org/drawingml/2006/compatibility" xmlns:p14="http://schemas.microsoft.com/office/powerpoint/2010/main" xmlns:p15="http://schemas.microsoft.com/office/powerpoint/2012/main" xmlns:ahyp="http://schemas.microsoft.com/office/drawing/2018/hyperlinkcolor">
+  <p:cSld>
+    <p:spTree>
+      <p:nvGrpSpPr>
+        <p:cNvPr id="210" name="Shape 210"/>
+        <p:cNvGrpSpPr/>
+        <p:nvPr/>
+      </p:nvGrpSpPr>
+      <p:grpSpPr>
+        <a:xfrm>
+          <a:off x="0" y="0"/>
+          <a:ext cx="0" cy="0"/>
+          <a:chOff x="0" y="0"/>
+          <a:chExt cx="0" cy="0"/>
+        </a:xfrm>
+      </p:grpSpPr>
+      <p:sp>
+        <p:nvSpPr>
+          <p:cNvPr id="211" name="Google Shape;211;p28"/>
           <p:cNvSpPr txBox="1"/>
           <p:nvPr>
-            <p:ph idx="4294967295" type="body"/>
+            <p:ph type="title"/>
           </p:nvPr>
         </p:nvSpPr>
         <p:spPr>
           <a:xfrm>
-            <a:off x="3767755" y="2336550"/>
-            <a:ext cx="1315500" cy="470400"/>
+            <a:off x="544775" y="1177850"/>
+            <a:ext cx="3837000" cy="1564500"/>
           </a:xfrm>
           <a:prstGeom prst="rect">
             <a:avLst/>
@@ -10164,221 +12389,51 @@
           </a:bodyPr>
           <a:lstStyle/>
           <a:p>
-            <a:pPr indent="0" lvl="0" marL="0" rtl="0" algn="ctr">
-              <a:lnSpc>
-                <a:spcPct val="100000"/>
-              </a:lnSpc>
-              <a:spcBef>
-                <a:spcPts val="0"/>
-              </a:spcBef>
-              <a:spcAft>
-                <a:spcPts val="0"/>
-              </a:spcAft>
-              <a:buNone/>
-            </a:pPr>
-            <a:r>
-              <a:rPr lang="en" sz="1600">
-                <a:solidFill>
-                  <a:schemeClr val="lt1"/>
-                </a:solidFill>
-              </a:rPr>
-              <a:t>10.13.XX</a:t>
-            </a:r>
-            <a:endParaRPr sz="1600">
-              <a:solidFill>
-                <a:schemeClr val="lt1"/>
-              </a:solidFill>
-            </a:endParaRPr>
-          </a:p>
-        </p:txBody>
-      </p:sp>
-      <p:grpSp>
-        <p:nvGrpSpPr>
-          <p:cNvPr id="202" name="Google Shape;202;p25"/>
-          <p:cNvGrpSpPr/>
-          <p:nvPr/>
-        </p:nvGrpSpPr>
-        <p:grpSpPr>
-          <a:xfrm>
-            <a:off x="4319545" y="1610215"/>
-            <a:ext cx="198900" cy="593656"/>
-            <a:chOff x="3918084" y="1610215"/>
-            <a:chExt cx="198900" cy="593656"/>
-          </a:xfrm>
-        </p:grpSpPr>
-        <p:cxnSp>
-          <p:nvCxnSpPr>
-            <p:cNvPr id="203" name="Google Shape;203;p25"/>
-            <p:cNvCxnSpPr/>
-            <p:nvPr/>
-          </p:nvCxnSpPr>
-          <p:spPr>
-            <a:xfrm>
-              <a:off x="4017546" y="1649171"/>
-              <a:ext cx="0" cy="554700"/>
-            </a:xfrm>
-            <a:prstGeom prst="straightConnector1">
-              <a:avLst/>
-            </a:prstGeom>
-            <a:noFill/>
-            <a:ln cap="flat" cmpd="sng" w="9525">
-              <a:solidFill>
-                <a:schemeClr val="dk2"/>
-              </a:solidFill>
-              <a:prstDash val="solid"/>
-              <a:round/>
-              <a:headEnd len="sm" w="sm" type="none"/>
-              <a:tailEnd len="sm" w="sm" type="none"/>
-            </a:ln>
-          </p:spPr>
-        </p:cxnSp>
-        <p:sp>
-          <p:nvSpPr>
-            <p:cNvPr id="204" name="Google Shape;204;p25"/>
-            <p:cNvSpPr/>
-            <p:nvPr/>
-          </p:nvSpPr>
-          <p:spPr>
-            <a:xfrm>
-              <a:off x="3918084" y="1610215"/>
-              <a:ext cx="198900" cy="198900"/>
-            </a:xfrm>
-            <a:prstGeom prst="ellipse">
-              <a:avLst/>
-            </a:prstGeom>
-            <a:solidFill>
-              <a:schemeClr val="dk1"/>
-            </a:solidFill>
-            <a:ln>
-              <a:noFill/>
-            </a:ln>
-          </p:spPr>
-          <p:txBody>
-            <a:bodyPr anchorCtr="0" anchor="ctr" bIns="91425" lIns="91425" spcFirstLastPara="1" rIns="91425" wrap="square" tIns="91425">
-              <a:noAutofit/>
-            </a:bodyPr>
-            <a:lstStyle/>
-            <a:p>
-              <a:pPr indent="0" lvl="0" marL="0" rtl="0" algn="l">
-                <a:spcBef>
-                  <a:spcPts val="0"/>
-                </a:spcBef>
-                <a:spcAft>
-                  <a:spcPts val="0"/>
-                </a:spcAft>
-                <a:buNone/>
-              </a:pPr>
-              <a:r>
-                <a:t/>
-              </a:r>
-              <a:endParaRPr/>
-            </a:p>
-          </p:txBody>
-        </p:sp>
-      </p:grpSp>
-      <p:sp>
-        <p:nvSpPr>
-          <p:cNvPr id="205" name="Google Shape;205;p25"/>
-          <p:cNvSpPr txBox="1"/>
-          <p:nvPr>
-            <p:ph idx="4294967295" type="body"/>
-          </p:nvPr>
-        </p:nvSpPr>
-        <p:spPr>
-          <a:xfrm>
-            <a:off x="3304094" y="385667"/>
-            <a:ext cx="2242800" cy="906300"/>
-          </a:xfrm>
-          <a:prstGeom prst="rect">
-            <a:avLst/>
-          </a:prstGeom>
-        </p:spPr>
-        <p:txBody>
-          <a:bodyPr anchorCtr="0" anchor="t" bIns="91425" lIns="91425" spcFirstLastPara="1" rIns="91425" wrap="square" tIns="91425">
-            <a:noAutofit/>
-          </a:bodyPr>
-          <a:lstStyle/>
-          <a:p>
             <a:pPr indent="0" lvl="0" marL="0" rtl="0" algn="l">
               <a:spcBef>
                 <a:spcPts val="0"/>
               </a:spcBef>
               <a:spcAft>
-                <a:spcPts val="1600"/>
-              </a:spcAft>
-              <a:buNone/>
-            </a:pPr>
-            <a:r>
-              <a:rPr lang="en" sz="1600"/>
-              <a:t>Lorem ipsum dolor sit amet, consectetur adipiscing elit</a:t>
-            </a:r>
-            <a:endParaRPr sz="1600"/>
+                <a:spcPts val="0"/>
+              </a:spcAft>
+              <a:buNone/>
+            </a:pPr>
+            <a:r>
+              <a:rPr lang="en" sz="3100"/>
+              <a:t>Category 2</a:t>
+            </a:r>
+            <a:endParaRPr sz="3100"/>
+          </a:p>
+          <a:p>
+            <a:pPr indent="0" lvl="0" marL="0" rtl="0" algn="l">
+              <a:spcBef>
+                <a:spcPts val="0"/>
+              </a:spcBef>
+              <a:spcAft>
+                <a:spcPts val="0"/>
+              </a:spcAft>
+              <a:buNone/>
+            </a:pPr>
+            <a:r>
+              <a:rPr lang="en" sz="3100"/>
+              <a:t>(Hedonic Values)</a:t>
+            </a:r>
+            <a:endParaRPr sz="3100"/>
           </a:p>
         </p:txBody>
       </p:sp>
       <p:sp>
         <p:nvSpPr>
-          <p:cNvPr descr="Background pointer shape in timeline graphic" id="206" name="Google Shape;206;p25"/>
-          <p:cNvSpPr/>
-          <p:nvPr/>
-        </p:nvSpPr>
-        <p:spPr>
-          <a:xfrm>
-            <a:off x="5126893" y="2199000"/>
-            <a:ext cx="2051100" cy="745500"/>
-          </a:xfrm>
-          <a:prstGeom prst="chevron">
-            <a:avLst>
-              <a:gd fmla="val 50000" name="adj"/>
-            </a:avLst>
-          </a:prstGeom>
-          <a:solidFill>
-            <a:schemeClr val="dk1"/>
-          </a:solidFill>
-          <a:ln cap="flat" cmpd="sng" w="9525">
-            <a:solidFill>
-              <a:schemeClr val="lt1"/>
-            </a:solidFill>
-            <a:prstDash val="solid"/>
-            <a:round/>
-            <a:headEnd len="sm" w="sm" type="none"/>
-            <a:tailEnd len="sm" w="sm" type="none"/>
-          </a:ln>
-        </p:spPr>
-        <p:txBody>
-          <a:bodyPr anchorCtr="0" anchor="ctr" bIns="121875" lIns="121875" spcFirstLastPara="1" rIns="121875" wrap="square" tIns="121875">
-            <a:noAutofit/>
-          </a:bodyPr>
-          <a:lstStyle/>
-          <a:p>
-            <a:pPr indent="0" lvl="0" marL="0" rtl="0" algn="l">
-              <a:spcBef>
-                <a:spcPts val="0"/>
-              </a:spcBef>
-              <a:spcAft>
-                <a:spcPts val="0"/>
-              </a:spcAft>
-              <a:buNone/>
-            </a:pPr>
-            <a:r>
-              <a:t/>
-            </a:r>
-            <a:endParaRPr/>
-          </a:p>
-        </p:txBody>
-      </p:sp>
-      <p:sp>
-        <p:nvSpPr>
-          <p:cNvPr id="207" name="Google Shape;207;p25"/>
+          <p:cNvPr id="212" name="Google Shape;212;p28"/>
           <p:cNvSpPr txBox="1"/>
           <p:nvPr>
-            <p:ph idx="4294967295" type="body"/>
+            <p:ph idx="2" type="body"/>
           </p:nvPr>
         </p:nvSpPr>
         <p:spPr>
           <a:xfrm>
-            <a:off x="5416699" y="2336550"/>
-            <a:ext cx="1315500" cy="470400"/>
+            <a:off x="4939500" y="724200"/>
+            <a:ext cx="3837000" cy="3695100"/>
           </a:xfrm>
           <a:prstGeom prst="rect">
             <a:avLst/>
@@ -10390,7 +12445,7 @@
           </a:bodyPr>
           <a:lstStyle/>
           <a:p>
-            <a:pPr indent="0" lvl="0" marL="0" rtl="0" algn="ctr">
+            <a:pPr indent="0" lvl="0" marL="0" rtl="0" algn="l">
               <a:lnSpc>
                 <a:spcPct val="100000"/>
               </a:lnSpc>
@@ -10403,127 +12458,203 @@
               <a:buNone/>
             </a:pPr>
             <a:r>
-              <a:rPr lang="en" sz="1600">
-                <a:solidFill>
-                  <a:schemeClr val="lt1"/>
-                </a:solidFill>
+              <a:rPr lang="en" sz="1350">
+                <a:latin typeface="Arial"/>
+                <a:ea typeface="Arial"/>
+                <a:cs typeface="Arial"/>
+                <a:sym typeface="Arial"/>
               </a:rPr>
-              <a:t>10.20.XX</a:t>
-            </a:r>
-            <a:endParaRPr sz="1600">
-              <a:solidFill>
+              <a:t>Factors extracted for graphical representation:</a:t>
+            </a:r>
+            <a:endParaRPr sz="1350">
+              <a:latin typeface="Arial"/>
+              <a:ea typeface="Arial"/>
+              <a:cs typeface="Arial"/>
+              <a:sym typeface="Arial"/>
+            </a:endParaRPr>
+          </a:p>
+          <a:p>
+            <a:pPr indent="0" lvl="0" marL="0" rtl="0" algn="l">
+              <a:lnSpc>
+                <a:spcPct val="100000"/>
+              </a:lnSpc>
+              <a:spcBef>
+                <a:spcPts val="0"/>
+              </a:spcBef>
+              <a:spcAft>
+                <a:spcPts val="0"/>
+              </a:spcAft>
+              <a:buNone/>
+            </a:pPr>
+            <a:r>
+              <a:t/>
+            </a:r>
+            <a:endParaRPr sz="1350">
+              <a:latin typeface="Arial"/>
+              <a:ea typeface="Arial"/>
+              <a:cs typeface="Arial"/>
+              <a:sym typeface="Arial"/>
+            </a:endParaRPr>
+          </a:p>
+          <a:p>
+            <a:pPr indent="-314325" lvl="0" marL="457200" rtl="0" algn="l">
+              <a:lnSpc>
+                <a:spcPct val="100000"/>
+              </a:lnSpc>
+              <a:spcBef>
+                <a:spcPts val="0"/>
+              </a:spcBef>
+              <a:spcAft>
+                <a:spcPts val="0"/>
+              </a:spcAft>
+              <a:buClr>
                 <a:schemeClr val="lt1"/>
-              </a:solidFill>
+              </a:buClr>
+              <a:buSzPts val="1350"/>
+              <a:buFont typeface="Arial"/>
+              <a:buAutoNum type="arabicPeriod"/>
+            </a:pPr>
+            <a:r>
+              <a:rPr lang="en" sz="1350">
+                <a:latin typeface="Arial"/>
+                <a:ea typeface="Arial"/>
+                <a:cs typeface="Arial"/>
+                <a:sym typeface="Arial"/>
+              </a:rPr>
+              <a:t>Feeling of Gratification</a:t>
+            </a:r>
+            <a:endParaRPr sz="1350">
+              <a:latin typeface="Arial"/>
+              <a:ea typeface="Arial"/>
+              <a:cs typeface="Arial"/>
+              <a:sym typeface="Arial"/>
             </a:endParaRPr>
           </a:p>
-        </p:txBody>
-      </p:sp>
-      <p:grpSp>
-        <p:nvGrpSpPr>
-          <p:cNvPr id="208" name="Google Shape;208;p25"/>
-          <p:cNvGrpSpPr/>
-          <p:nvPr/>
-        </p:nvGrpSpPr>
-        <p:grpSpPr>
-          <a:xfrm>
-            <a:off x="5973070" y="2938958"/>
-            <a:ext cx="198900" cy="593656"/>
-            <a:chOff x="5958946" y="2938958"/>
-            <a:chExt cx="198900" cy="593656"/>
-          </a:xfrm>
-        </p:grpSpPr>
-        <p:cxnSp>
-          <p:nvCxnSpPr>
-            <p:cNvPr id="209" name="Google Shape;209;p25"/>
-            <p:cNvCxnSpPr/>
-            <p:nvPr/>
-          </p:nvCxnSpPr>
-          <p:spPr>
-            <a:xfrm rot="10800000">
-              <a:off x="6058409" y="2938958"/>
-              <a:ext cx="0" cy="554700"/>
-            </a:xfrm>
-            <a:prstGeom prst="straightConnector1">
-              <a:avLst/>
-            </a:prstGeom>
-            <a:noFill/>
-            <a:ln cap="flat" cmpd="sng" w="9525">
-              <a:solidFill>
-                <a:schemeClr val="dk2"/>
-              </a:solidFill>
-              <a:prstDash val="solid"/>
-              <a:round/>
-              <a:headEnd len="sm" w="sm" type="none"/>
-              <a:tailEnd len="sm" w="sm" type="none"/>
-            </a:ln>
-          </p:spPr>
-        </p:cxnSp>
-        <p:sp>
-          <p:nvSpPr>
-            <p:cNvPr id="210" name="Google Shape;210;p25"/>
-            <p:cNvSpPr/>
-            <p:nvPr/>
-          </p:nvSpPr>
-          <p:spPr>
-            <a:xfrm flipH="1" rot="10800000">
-              <a:off x="5958946" y="3333714"/>
-              <a:ext cx="198900" cy="198900"/>
-            </a:xfrm>
-            <a:prstGeom prst="ellipse">
-              <a:avLst/>
-            </a:prstGeom>
-            <a:solidFill>
-              <a:schemeClr val="dk1"/>
-            </a:solidFill>
-            <a:ln>
-              <a:noFill/>
-            </a:ln>
-          </p:spPr>
-          <p:txBody>
-            <a:bodyPr anchorCtr="0" anchor="ctr" bIns="91425" lIns="91425" spcFirstLastPara="1" rIns="91425" wrap="square" tIns="91425">
-              <a:noAutofit/>
-            </a:bodyPr>
-            <a:lstStyle/>
-            <a:p>
-              <a:pPr indent="0" lvl="0" marL="0" rtl="0" algn="l">
-                <a:spcBef>
-                  <a:spcPts val="0"/>
-                </a:spcBef>
-                <a:spcAft>
-                  <a:spcPts val="0"/>
-                </a:spcAft>
-                <a:buNone/>
-              </a:pPr>
-              <a:r>
-                <a:t/>
-              </a:r>
-              <a:endParaRPr/>
-            </a:p>
-          </p:txBody>
-        </p:sp>
-      </p:grpSp>
-      <p:sp>
-        <p:nvSpPr>
-          <p:cNvPr id="211" name="Google Shape;211;p25"/>
-          <p:cNvSpPr txBox="1"/>
-          <p:nvPr>
-            <p:ph idx="4294967295" type="body"/>
-          </p:nvPr>
-        </p:nvSpPr>
-        <p:spPr>
-          <a:xfrm>
-            <a:off x="5126902" y="3757725"/>
-            <a:ext cx="2242800" cy="906300"/>
-          </a:xfrm>
-          <a:prstGeom prst="rect">
-            <a:avLst/>
-          </a:prstGeom>
-        </p:spPr>
-        <p:txBody>
-          <a:bodyPr anchorCtr="0" anchor="t" bIns="91425" lIns="91425" spcFirstLastPara="1" rIns="91425" wrap="square" tIns="91425">
-            <a:noAutofit/>
-          </a:bodyPr>
-          <a:lstStyle/>
+          <a:p>
+            <a:pPr indent="-314325" lvl="0" marL="457200" rtl="0" algn="l">
+              <a:lnSpc>
+                <a:spcPct val="100000"/>
+              </a:lnSpc>
+              <a:spcBef>
+                <a:spcPts val="0"/>
+              </a:spcBef>
+              <a:spcAft>
+                <a:spcPts val="0"/>
+              </a:spcAft>
+              <a:buClr>
+                <a:schemeClr val="lt1"/>
+              </a:buClr>
+              <a:buSzPts val="1350"/>
+              <a:buFont typeface="Arial"/>
+              <a:buAutoNum type="arabicPeriod"/>
+            </a:pPr>
+            <a:r>
+              <a:rPr lang="en" sz="1350">
+                <a:latin typeface="Arial"/>
+                <a:ea typeface="Arial"/>
+                <a:cs typeface="Arial"/>
+                <a:sym typeface="Arial"/>
+              </a:rPr>
+              <a:t>Social status effects</a:t>
+            </a:r>
+            <a:endParaRPr sz="1350">
+              <a:latin typeface="Arial"/>
+              <a:ea typeface="Arial"/>
+              <a:cs typeface="Arial"/>
+              <a:sym typeface="Arial"/>
+            </a:endParaRPr>
+          </a:p>
+          <a:p>
+            <a:pPr indent="-314325" lvl="0" marL="457200" rtl="0" algn="l">
+              <a:lnSpc>
+                <a:spcPct val="100000"/>
+              </a:lnSpc>
+              <a:spcBef>
+                <a:spcPts val="0"/>
+              </a:spcBef>
+              <a:spcAft>
+                <a:spcPts val="0"/>
+              </a:spcAft>
+              <a:buClr>
+                <a:schemeClr val="lt1"/>
+              </a:buClr>
+              <a:buSzPts val="1350"/>
+              <a:buFont typeface="Arial"/>
+              <a:buAutoNum type="arabicPeriod"/>
+            </a:pPr>
+            <a:r>
+              <a:rPr lang="en" sz="1350">
+                <a:latin typeface="Arial"/>
+                <a:ea typeface="Arial"/>
+                <a:cs typeface="Arial"/>
+                <a:sym typeface="Arial"/>
+              </a:rPr>
+              <a:t>Sense of adventure shopping online</a:t>
+            </a:r>
+            <a:endParaRPr sz="1350">
+              <a:latin typeface="Arial"/>
+              <a:ea typeface="Arial"/>
+              <a:cs typeface="Arial"/>
+              <a:sym typeface="Arial"/>
+            </a:endParaRPr>
+          </a:p>
+          <a:p>
+            <a:pPr indent="-314325" lvl="0" marL="457200" rtl="0" algn="l">
+              <a:lnSpc>
+                <a:spcPct val="100000"/>
+              </a:lnSpc>
+              <a:spcBef>
+                <a:spcPts val="0"/>
+              </a:spcBef>
+              <a:spcAft>
+                <a:spcPts val="0"/>
+              </a:spcAft>
+              <a:buClr>
+                <a:schemeClr val="lt1"/>
+              </a:buClr>
+              <a:buSzPts val="1350"/>
+              <a:buFont typeface="Arial"/>
+              <a:buAutoNum type="arabicPeriod"/>
+            </a:pPr>
+            <a:r>
+              <a:rPr lang="en" sz="1350">
+                <a:latin typeface="Arial"/>
+                <a:ea typeface="Arial"/>
+                <a:cs typeface="Arial"/>
+                <a:sym typeface="Arial"/>
+              </a:rPr>
+              <a:t>Enjoyment derived</a:t>
+            </a:r>
+            <a:endParaRPr sz="1350">
+              <a:latin typeface="Arial"/>
+              <a:ea typeface="Arial"/>
+              <a:cs typeface="Arial"/>
+              <a:sym typeface="Arial"/>
+            </a:endParaRPr>
+          </a:p>
+          <a:p>
+            <a:pPr indent="0" lvl="0" marL="457200" rtl="0" algn="l">
+              <a:lnSpc>
+                <a:spcPct val="100000"/>
+              </a:lnSpc>
+              <a:spcBef>
+                <a:spcPts val="0"/>
+              </a:spcBef>
+              <a:spcAft>
+                <a:spcPts val="0"/>
+              </a:spcAft>
+              <a:buNone/>
+            </a:pPr>
+            <a:r>
+              <a:t/>
+            </a:r>
+            <a:endParaRPr sz="1350">
+              <a:latin typeface="Arial"/>
+              <a:ea typeface="Arial"/>
+              <a:cs typeface="Arial"/>
+              <a:sym typeface="Arial"/>
+            </a:endParaRPr>
+          </a:p>
           <a:p>
             <a:pPr indent="0" lvl="0" marL="0" rtl="0" algn="l">
               <a:spcBef>
@@ -10535,76 +12666,774 @@
               <a:buNone/>
             </a:pPr>
             <a:r>
-              <a:rPr lang="en" sz="1600"/>
-              <a:t>Lorem ipsum dolor sit amet, consectetur adipiscing elit</a:t>
-            </a:r>
-            <a:endParaRPr sz="1600"/>
+              <a:t/>
+            </a:r>
+            <a:endParaRPr sz="2100">
+              <a:latin typeface="Arial"/>
+              <a:ea typeface="Arial"/>
+              <a:cs typeface="Arial"/>
+              <a:sym typeface="Arial"/>
+            </a:endParaRPr>
           </a:p>
         </p:txBody>
       </p:sp>
       <p:sp>
         <p:nvSpPr>
-          <p:cNvPr descr="Background pointer shape in timeline graphic" id="212" name="Google Shape;212;p25"/>
-          <p:cNvSpPr/>
+          <p:cNvPr id="213" name="Google Shape;213;p28"/>
+          <p:cNvSpPr txBox="1"/>
           <p:nvPr/>
         </p:nvSpPr>
         <p:spPr>
           <a:xfrm>
-            <a:off x="6781813" y="2199000"/>
-            <a:ext cx="2051100" cy="745500"/>
-          </a:xfrm>
-          <a:prstGeom prst="chevron">
-            <a:avLst>
-              <a:gd fmla="val 50000" name="adj"/>
-            </a:avLst>
+            <a:off x="210700" y="2703550"/>
+            <a:ext cx="3882900" cy="1054200"/>
+          </a:xfrm>
+          <a:prstGeom prst="rect">
+            <a:avLst/>
           </a:prstGeom>
-          <a:solidFill>
-            <a:schemeClr val="dk1"/>
-          </a:solidFill>
-          <a:ln cap="flat" cmpd="sng" w="9525">
-            <a:solidFill>
-              <a:schemeClr val="lt1"/>
-            </a:solidFill>
-            <a:prstDash val="solid"/>
-            <a:round/>
-            <a:headEnd len="sm" w="sm" type="none"/>
-            <a:tailEnd len="sm" w="sm" type="none"/>
+          <a:noFill/>
+          <a:ln>
+            <a:noFill/>
           </a:ln>
         </p:spPr>
         <p:txBody>
-          <a:bodyPr anchorCtr="0" anchor="ctr" bIns="121875" lIns="121875" spcFirstLastPara="1" rIns="121875" wrap="square" tIns="121875">
-            <a:noAutofit/>
+          <a:bodyPr anchorCtr="0" anchor="t" bIns="91425" lIns="91425" spcFirstLastPara="1" rIns="91425" wrap="square" tIns="91425">
+            <a:spAutoFit/>
           </a:bodyPr>
           <a:lstStyle/>
           <a:p>
-            <a:pPr indent="0" lvl="0" marL="0" rtl="0" algn="l">
-              <a:spcBef>
-                <a:spcPts val="0"/>
-              </a:spcBef>
-              <a:spcAft>
-                <a:spcPts val="0"/>
+            <a:pPr indent="0" lvl="0" marL="292100" marR="304800" rtl="0" algn="l">
+              <a:spcBef>
+                <a:spcPts val="1000"/>
+              </a:spcBef>
+              <a:spcAft>
+                <a:spcPts val="0"/>
+              </a:spcAft>
+              <a:buNone/>
+            </a:pPr>
+            <a:r>
+              <a:rPr b="1" lang="en" sz="1350">
+                <a:solidFill>
+                  <a:schemeClr val="dk2"/>
+                </a:solidFill>
+              </a:rPr>
+              <a:t>Visualizing how the hedonic values has effect on the customer retention / Activation</a:t>
+            </a:r>
+            <a:endParaRPr b="1" sz="1350">
+              <a:solidFill>
+                <a:schemeClr val="dk2"/>
+              </a:solidFill>
+            </a:endParaRPr>
+          </a:p>
+          <a:p>
+            <a:pPr indent="0" lvl="0" marL="457200" rtl="0" algn="ctr">
+              <a:lnSpc>
+                <a:spcPct val="140000"/>
+              </a:lnSpc>
+              <a:spcBef>
+                <a:spcPts val="0"/>
+              </a:spcBef>
+              <a:spcAft>
+                <a:spcPts val="600"/>
               </a:spcAft>
               <a:buNone/>
             </a:pPr>
             <a:r>
               <a:t/>
             </a:r>
-            <a:endParaRPr/>
+            <a:endParaRPr sz="1600">
+              <a:solidFill>
+                <a:schemeClr val="dk2"/>
+              </a:solidFill>
+            </a:endParaRPr>
+          </a:p>
+        </p:txBody>
+      </p:sp>
+    </p:spTree>
+  </p:cSld>
+  <p:clrMapOvr>
+    <a:masterClrMapping/>
+  </p:clrMapOvr>
+</p:sld>
+</file>
+
+<file path=ppt/slides/slide17.xml><?xml version="1.0" encoding="utf-8"?>
+<p:sld xmlns:a="http://schemas.openxmlformats.org/drawingml/2006/main" xmlns:r="http://schemas.openxmlformats.org/officeDocument/2006/relationships" xmlns:mc="http://schemas.openxmlformats.org/markup-compatibility/2006" xmlns:mv="urn:schemas-microsoft-com:mac:vml" xmlns:p="http://schemas.openxmlformats.org/presentationml/2006/main" xmlns:c="http://schemas.openxmlformats.org/drawingml/2006/chart" xmlns:dgm="http://schemas.openxmlformats.org/drawingml/2006/diagram" xmlns:o="urn:schemas-microsoft-com:office:office" xmlns:v="urn:schemas-microsoft-com:vml" xmlns:pvml="urn:schemas-microsoft-com:office:powerpoint" xmlns:com="http://schemas.openxmlformats.org/drawingml/2006/compatibility" xmlns:p14="http://schemas.microsoft.com/office/powerpoint/2010/main" xmlns:p15="http://schemas.microsoft.com/office/powerpoint/2012/main" xmlns:ahyp="http://schemas.microsoft.com/office/drawing/2018/hyperlinkcolor">
+  <p:cSld>
+    <p:spTree>
+      <p:nvGrpSpPr>
+        <p:cNvPr id="217" name="Shape 217"/>
+        <p:cNvGrpSpPr/>
+        <p:nvPr/>
+      </p:nvGrpSpPr>
+      <p:grpSpPr>
+        <a:xfrm>
+          <a:off x="0" y="0"/>
+          <a:ext cx="0" cy="0"/>
+          <a:chOff x="0" y="0"/>
+          <a:chExt cx="0" cy="0"/>
+        </a:xfrm>
+      </p:grpSpPr>
+      <p:sp>
+        <p:nvSpPr>
+          <p:cNvPr id="218" name="Google Shape;218;p29"/>
+          <p:cNvSpPr txBox="1"/>
+          <p:nvPr/>
+        </p:nvSpPr>
+        <p:spPr>
+          <a:xfrm>
+            <a:off x="2577775" y="482475"/>
+            <a:ext cx="3721800" cy="400200"/>
+          </a:xfrm>
+          <a:prstGeom prst="rect">
+            <a:avLst/>
+          </a:prstGeom>
+          <a:noFill/>
+          <a:ln>
+            <a:noFill/>
+          </a:ln>
+        </p:spPr>
+        <p:txBody>
+          <a:bodyPr anchorCtr="0" anchor="t" bIns="91425" lIns="91425" spcFirstLastPara="1" rIns="91425" wrap="square" tIns="91425">
+            <a:spAutoFit/>
+          </a:bodyPr>
+          <a:lstStyle/>
+          <a:p>
+            <a:pPr indent="0" lvl="0" marL="0" rtl="0" algn="ctr">
+              <a:spcBef>
+                <a:spcPts val="0"/>
+              </a:spcBef>
+              <a:spcAft>
+                <a:spcPts val="0"/>
+              </a:spcAft>
+              <a:buNone/>
+            </a:pPr>
+            <a:r>
+              <a:rPr lang="en">
+                <a:solidFill>
+                  <a:schemeClr val="lt1"/>
+                </a:solidFill>
+                <a:latin typeface="Roboto"/>
+                <a:ea typeface="Roboto"/>
+                <a:cs typeface="Roboto"/>
+                <a:sym typeface="Roboto"/>
+              </a:rPr>
+              <a:t>GRAPHICAL REPRESENTATION</a:t>
+            </a:r>
+            <a:endParaRPr>
+              <a:solidFill>
+                <a:schemeClr val="lt1"/>
+              </a:solidFill>
+              <a:latin typeface="Roboto"/>
+              <a:ea typeface="Roboto"/>
+              <a:cs typeface="Roboto"/>
+              <a:sym typeface="Roboto"/>
+            </a:endParaRPr>
           </a:p>
         </p:txBody>
       </p:sp>
       <p:sp>
         <p:nvSpPr>
-          <p:cNvPr id="213" name="Google Shape;213;p25"/>
+          <p:cNvPr id="219" name="Google Shape;219;p29"/>
+          <p:cNvSpPr txBox="1"/>
+          <p:nvPr/>
+        </p:nvSpPr>
+        <p:spPr>
+          <a:xfrm>
+            <a:off x="568200" y="4443500"/>
+            <a:ext cx="8148300" cy="400200"/>
+          </a:xfrm>
+          <a:prstGeom prst="rect">
+            <a:avLst/>
+          </a:prstGeom>
+          <a:noFill/>
+          <a:ln>
+            <a:noFill/>
+          </a:ln>
+        </p:spPr>
+        <p:txBody>
+          <a:bodyPr anchorCtr="0" anchor="t" bIns="91425" lIns="91425" spcFirstLastPara="1" rIns="91425" wrap="square" tIns="91425">
+            <a:spAutoFit/>
+          </a:bodyPr>
+          <a:lstStyle/>
+          <a:p>
+            <a:pPr indent="0" lvl="0" marL="0" rtl="0" algn="l">
+              <a:spcBef>
+                <a:spcPts val="0"/>
+              </a:spcBef>
+              <a:spcAft>
+                <a:spcPts val="0"/>
+              </a:spcAft>
+              <a:buNone/>
+            </a:pPr>
+            <a:r>
+              <a:t/>
+            </a:r>
+            <a:endParaRPr>
+              <a:solidFill>
+                <a:schemeClr val="lt1"/>
+              </a:solidFill>
+              <a:latin typeface="Roboto"/>
+              <a:ea typeface="Roboto"/>
+              <a:cs typeface="Roboto"/>
+              <a:sym typeface="Roboto"/>
+            </a:endParaRPr>
+          </a:p>
+        </p:txBody>
+      </p:sp>
+      <p:pic>
+        <p:nvPicPr>
+          <p:cNvPr id="220" name="Google Shape;220;p29"/>
+          <p:cNvPicPr preferRelativeResize="0"/>
+          <p:nvPr/>
+        </p:nvPicPr>
+        <p:blipFill>
+          <a:blip r:embed="rId3">
+            <a:alphaModFix/>
+          </a:blip>
+          <a:stretch>
+            <a:fillRect/>
+          </a:stretch>
+        </p:blipFill>
+        <p:spPr>
+          <a:xfrm>
+            <a:off x="1573950" y="882675"/>
+            <a:ext cx="3098158" cy="3256026"/>
+          </a:xfrm>
+          <a:prstGeom prst="rect">
+            <a:avLst/>
+          </a:prstGeom>
+          <a:noFill/>
+          <a:ln>
+            <a:noFill/>
+          </a:ln>
+        </p:spPr>
+      </p:pic>
+      <p:pic>
+        <p:nvPicPr>
+          <p:cNvPr id="221" name="Google Shape;221;p29"/>
+          <p:cNvPicPr preferRelativeResize="0"/>
+          <p:nvPr/>
+        </p:nvPicPr>
+        <p:blipFill>
+          <a:blip r:embed="rId4">
+            <a:alphaModFix/>
+          </a:blip>
+          <a:stretch>
+            <a:fillRect/>
+          </a:stretch>
+        </p:blipFill>
+        <p:spPr>
+          <a:xfrm>
+            <a:off x="4824508" y="882675"/>
+            <a:ext cx="3060762" cy="3256026"/>
+          </a:xfrm>
+          <a:prstGeom prst="rect">
+            <a:avLst/>
+          </a:prstGeom>
+          <a:noFill/>
+          <a:ln>
+            <a:noFill/>
+          </a:ln>
+        </p:spPr>
+      </p:pic>
+    </p:spTree>
+  </p:cSld>
+  <p:clrMapOvr>
+    <a:masterClrMapping/>
+  </p:clrMapOvr>
+</p:sld>
+</file>
+
+<file path=ppt/slides/slide18.xml><?xml version="1.0" encoding="utf-8"?>
+<p:sld xmlns:a="http://schemas.openxmlformats.org/drawingml/2006/main" xmlns:r="http://schemas.openxmlformats.org/officeDocument/2006/relationships" xmlns:mc="http://schemas.openxmlformats.org/markup-compatibility/2006" xmlns:mv="urn:schemas-microsoft-com:mac:vml" xmlns:p="http://schemas.openxmlformats.org/presentationml/2006/main" xmlns:c="http://schemas.openxmlformats.org/drawingml/2006/chart" xmlns:dgm="http://schemas.openxmlformats.org/drawingml/2006/diagram" xmlns:o="urn:schemas-microsoft-com:office:office" xmlns:v="urn:schemas-microsoft-com:vml" xmlns:pvml="urn:schemas-microsoft-com:office:powerpoint" xmlns:com="http://schemas.openxmlformats.org/drawingml/2006/compatibility" xmlns:p14="http://schemas.microsoft.com/office/powerpoint/2010/main" xmlns:p15="http://schemas.microsoft.com/office/powerpoint/2012/main" xmlns:ahyp="http://schemas.microsoft.com/office/drawing/2018/hyperlinkcolor">
+  <p:cSld>
+    <p:spTree>
+      <p:nvGrpSpPr>
+        <p:cNvPr id="225" name="Shape 225"/>
+        <p:cNvGrpSpPr/>
+        <p:nvPr/>
+      </p:nvGrpSpPr>
+      <p:grpSpPr>
+        <a:xfrm>
+          <a:off x="0" y="0"/>
+          <a:ext cx="0" cy="0"/>
+          <a:chOff x="0" y="0"/>
+          <a:chExt cx="0" cy="0"/>
+        </a:xfrm>
+      </p:grpSpPr>
+      <p:sp>
+        <p:nvSpPr>
+          <p:cNvPr id="226" name="Google Shape;226;p30"/>
+          <p:cNvSpPr txBox="1"/>
+          <p:nvPr/>
+        </p:nvSpPr>
+        <p:spPr>
+          <a:xfrm>
+            <a:off x="2577775" y="482475"/>
+            <a:ext cx="3721800" cy="446400"/>
+          </a:xfrm>
+          <a:prstGeom prst="rect">
+            <a:avLst/>
+          </a:prstGeom>
+          <a:noFill/>
+          <a:ln>
+            <a:noFill/>
+          </a:ln>
+        </p:spPr>
+        <p:txBody>
+          <a:bodyPr anchorCtr="0" anchor="t" bIns="91425" lIns="91425" spcFirstLastPara="1" rIns="91425" wrap="square" tIns="91425">
+            <a:spAutoFit/>
+          </a:bodyPr>
+          <a:lstStyle/>
+          <a:p>
+            <a:pPr indent="0" lvl="0" marL="0" rtl="0" algn="ctr">
+              <a:spcBef>
+                <a:spcPts val="0"/>
+              </a:spcBef>
+              <a:spcAft>
+                <a:spcPts val="0"/>
+              </a:spcAft>
+              <a:buNone/>
+            </a:pPr>
+            <a:r>
+              <a:rPr lang="en" sz="1700">
+                <a:solidFill>
+                  <a:schemeClr val="lt1"/>
+                </a:solidFill>
+                <a:latin typeface="Roboto"/>
+                <a:ea typeface="Roboto"/>
+                <a:cs typeface="Roboto"/>
+                <a:sym typeface="Roboto"/>
+              </a:rPr>
+              <a:t>Observation</a:t>
+            </a:r>
+            <a:endParaRPr sz="1700">
+              <a:solidFill>
+                <a:schemeClr val="lt1"/>
+              </a:solidFill>
+              <a:latin typeface="Roboto"/>
+              <a:ea typeface="Roboto"/>
+              <a:cs typeface="Roboto"/>
+              <a:sym typeface="Roboto"/>
+            </a:endParaRPr>
+          </a:p>
+        </p:txBody>
+      </p:sp>
+      <p:sp>
+        <p:nvSpPr>
+          <p:cNvPr id="227" name="Google Shape;227;p30"/>
+          <p:cNvSpPr txBox="1"/>
+          <p:nvPr/>
+        </p:nvSpPr>
+        <p:spPr>
+          <a:xfrm>
+            <a:off x="568200" y="4443500"/>
+            <a:ext cx="8148300" cy="400200"/>
+          </a:xfrm>
+          <a:prstGeom prst="rect">
+            <a:avLst/>
+          </a:prstGeom>
+          <a:noFill/>
+          <a:ln>
+            <a:noFill/>
+          </a:ln>
+        </p:spPr>
+        <p:txBody>
+          <a:bodyPr anchorCtr="0" anchor="t" bIns="91425" lIns="91425" spcFirstLastPara="1" rIns="91425" wrap="square" tIns="91425">
+            <a:spAutoFit/>
+          </a:bodyPr>
+          <a:lstStyle/>
+          <a:p>
+            <a:pPr indent="0" lvl="0" marL="0" rtl="0" algn="l">
+              <a:spcBef>
+                <a:spcPts val="0"/>
+              </a:spcBef>
+              <a:spcAft>
+                <a:spcPts val="0"/>
+              </a:spcAft>
+              <a:buNone/>
+            </a:pPr>
+            <a:r>
+              <a:t/>
+            </a:r>
+            <a:endParaRPr>
+              <a:solidFill>
+                <a:schemeClr val="lt1"/>
+              </a:solidFill>
+              <a:latin typeface="Roboto"/>
+              <a:ea typeface="Roboto"/>
+              <a:cs typeface="Roboto"/>
+              <a:sym typeface="Roboto"/>
+            </a:endParaRPr>
+          </a:p>
+        </p:txBody>
+      </p:sp>
+      <p:sp>
+        <p:nvSpPr>
+          <p:cNvPr id="228" name="Google Shape;228;p30"/>
+          <p:cNvSpPr txBox="1"/>
+          <p:nvPr/>
+        </p:nvSpPr>
+        <p:spPr>
+          <a:xfrm>
+            <a:off x="652200" y="1826500"/>
+            <a:ext cx="3721800" cy="400200"/>
+          </a:xfrm>
+          <a:prstGeom prst="rect">
+            <a:avLst/>
+          </a:prstGeom>
+          <a:noFill/>
+          <a:ln>
+            <a:noFill/>
+          </a:ln>
+        </p:spPr>
+        <p:txBody>
+          <a:bodyPr anchorCtr="0" anchor="t" bIns="91425" lIns="91425" spcFirstLastPara="1" rIns="91425" wrap="square" tIns="91425">
+            <a:spAutoFit/>
+          </a:bodyPr>
+          <a:lstStyle/>
+          <a:p>
+            <a:pPr indent="0" lvl="0" marL="0" rtl="0" algn="l">
+              <a:spcBef>
+                <a:spcPts val="0"/>
+              </a:spcBef>
+              <a:spcAft>
+                <a:spcPts val="0"/>
+              </a:spcAft>
+              <a:buNone/>
+            </a:pPr>
+            <a:r>
+              <a:t/>
+            </a:r>
+            <a:endParaRPr>
+              <a:latin typeface="Roboto"/>
+              <a:ea typeface="Roboto"/>
+              <a:cs typeface="Roboto"/>
+              <a:sym typeface="Roboto"/>
+            </a:endParaRPr>
+          </a:p>
+        </p:txBody>
+      </p:sp>
+      <p:sp>
+        <p:nvSpPr>
+          <p:cNvPr id="229" name="Google Shape;229;p30"/>
+          <p:cNvSpPr txBox="1"/>
+          <p:nvPr/>
+        </p:nvSpPr>
+        <p:spPr>
+          <a:xfrm>
+            <a:off x="568200" y="1606825"/>
+            <a:ext cx="8245200" cy="1693200"/>
+          </a:xfrm>
+          <a:prstGeom prst="rect">
+            <a:avLst/>
+          </a:prstGeom>
+          <a:noFill/>
+          <a:ln>
+            <a:noFill/>
+          </a:ln>
+        </p:spPr>
+        <p:txBody>
+          <a:bodyPr anchorCtr="0" anchor="t" bIns="91425" lIns="91425" spcFirstLastPara="1" rIns="91425" wrap="square" tIns="91425">
+            <a:spAutoFit/>
+          </a:bodyPr>
+          <a:lstStyle/>
+          <a:p>
+            <a:pPr indent="0" lvl="0" marL="0" rtl="0" algn="l">
+              <a:spcBef>
+                <a:spcPts val="0"/>
+              </a:spcBef>
+              <a:spcAft>
+                <a:spcPts val="0"/>
+              </a:spcAft>
+              <a:buNone/>
+            </a:pPr>
+            <a:r>
+              <a:rPr lang="en">
+                <a:solidFill>
+                  <a:schemeClr val="lt1"/>
+                </a:solidFill>
+                <a:latin typeface="Roboto"/>
+                <a:ea typeface="Roboto"/>
+                <a:cs typeface="Roboto"/>
+                <a:sym typeface="Roboto"/>
+              </a:rPr>
+              <a:t>We can see </a:t>
+            </a:r>
+            <a:r>
+              <a:rPr lang="en">
+                <a:solidFill>
+                  <a:schemeClr val="lt1"/>
+                </a:solidFill>
+                <a:latin typeface="Roboto"/>
+                <a:ea typeface="Roboto"/>
+                <a:cs typeface="Roboto"/>
+                <a:sym typeface="Roboto"/>
+              </a:rPr>
+              <a:t>mixed</a:t>
+            </a:r>
+            <a:r>
+              <a:rPr lang="en">
+                <a:solidFill>
+                  <a:schemeClr val="lt1"/>
+                </a:solidFill>
+                <a:latin typeface="Roboto"/>
+                <a:ea typeface="Roboto"/>
+                <a:cs typeface="Roboto"/>
+                <a:sym typeface="Roboto"/>
+              </a:rPr>
+              <a:t> </a:t>
+            </a:r>
+            <a:r>
+              <a:rPr lang="en">
+                <a:solidFill>
+                  <a:schemeClr val="lt1"/>
+                </a:solidFill>
+                <a:latin typeface="Roboto"/>
+                <a:ea typeface="Roboto"/>
+                <a:cs typeface="Roboto"/>
+                <a:sym typeface="Roboto"/>
+              </a:rPr>
+              <a:t>response</a:t>
+            </a:r>
+            <a:r>
+              <a:rPr lang="en">
+                <a:solidFill>
+                  <a:schemeClr val="lt1"/>
+                </a:solidFill>
+                <a:latin typeface="Roboto"/>
+                <a:ea typeface="Roboto"/>
+                <a:cs typeface="Roboto"/>
+                <a:sym typeface="Roboto"/>
+              </a:rPr>
+              <a:t> here :</a:t>
+            </a:r>
+            <a:endParaRPr>
+              <a:solidFill>
+                <a:schemeClr val="lt1"/>
+              </a:solidFill>
+              <a:latin typeface="Roboto"/>
+              <a:ea typeface="Roboto"/>
+              <a:cs typeface="Roboto"/>
+              <a:sym typeface="Roboto"/>
+            </a:endParaRPr>
+          </a:p>
+          <a:p>
+            <a:pPr indent="0" lvl="0" marL="0" rtl="0" algn="l">
+              <a:spcBef>
+                <a:spcPts val="0"/>
+              </a:spcBef>
+              <a:spcAft>
+                <a:spcPts val="0"/>
+              </a:spcAft>
+              <a:buNone/>
+            </a:pPr>
+            <a:r>
+              <a:t/>
+            </a:r>
+            <a:endParaRPr>
+              <a:solidFill>
+                <a:schemeClr val="lt1"/>
+              </a:solidFill>
+              <a:latin typeface="Roboto"/>
+              <a:ea typeface="Roboto"/>
+              <a:cs typeface="Roboto"/>
+              <a:sym typeface="Roboto"/>
+            </a:endParaRPr>
+          </a:p>
+          <a:p>
+            <a:pPr indent="-317500" lvl="0" marL="457200" rtl="0" algn="l">
+              <a:spcBef>
+                <a:spcPts val="0"/>
+              </a:spcBef>
+              <a:spcAft>
+                <a:spcPts val="0"/>
+              </a:spcAft>
+              <a:buClr>
+                <a:schemeClr val="lt1"/>
+              </a:buClr>
+              <a:buSzPts val="1400"/>
+              <a:buFont typeface="Roboto"/>
+              <a:buAutoNum type="arabicPeriod"/>
+            </a:pPr>
+            <a:r>
+              <a:rPr lang="en">
+                <a:solidFill>
+                  <a:schemeClr val="lt1"/>
+                </a:solidFill>
+                <a:latin typeface="Roboto"/>
+                <a:ea typeface="Roboto"/>
+                <a:cs typeface="Roboto"/>
+                <a:sym typeface="Roboto"/>
+              </a:rPr>
+              <a:t>Many users have marked as indifferent meaning it doesn't affect them much </a:t>
+            </a:r>
+            <a:endParaRPr>
+              <a:solidFill>
+                <a:schemeClr val="lt1"/>
+              </a:solidFill>
+              <a:latin typeface="Roboto"/>
+              <a:ea typeface="Roboto"/>
+              <a:cs typeface="Roboto"/>
+              <a:sym typeface="Roboto"/>
+            </a:endParaRPr>
+          </a:p>
+          <a:p>
+            <a:pPr indent="-317500" lvl="0" marL="457200" rtl="0" algn="l">
+              <a:spcBef>
+                <a:spcPts val="0"/>
+              </a:spcBef>
+              <a:spcAft>
+                <a:spcPts val="0"/>
+              </a:spcAft>
+              <a:buClr>
+                <a:schemeClr val="lt1"/>
+              </a:buClr>
+              <a:buSzPts val="1400"/>
+              <a:buFont typeface="Roboto"/>
+              <a:buAutoNum type="arabicPeriod"/>
+            </a:pPr>
+            <a:r>
+              <a:rPr lang="en">
+                <a:solidFill>
+                  <a:schemeClr val="lt1"/>
+                </a:solidFill>
+                <a:latin typeface="Roboto"/>
+                <a:ea typeface="Roboto"/>
+                <a:cs typeface="Roboto"/>
+                <a:sym typeface="Roboto"/>
+              </a:rPr>
+              <a:t>Many users also agree as well </a:t>
+            </a:r>
+            <a:endParaRPr>
+              <a:solidFill>
+                <a:schemeClr val="lt1"/>
+              </a:solidFill>
+              <a:latin typeface="Roboto"/>
+              <a:ea typeface="Roboto"/>
+              <a:cs typeface="Roboto"/>
+              <a:sym typeface="Roboto"/>
+            </a:endParaRPr>
+          </a:p>
+          <a:p>
+            <a:pPr indent="0" lvl="0" marL="0" rtl="0" algn="l">
+              <a:spcBef>
+                <a:spcPts val="0"/>
+              </a:spcBef>
+              <a:spcAft>
+                <a:spcPts val="0"/>
+              </a:spcAft>
+              <a:buNone/>
+            </a:pPr>
+            <a:r>
+              <a:t/>
+            </a:r>
+            <a:endParaRPr>
+              <a:solidFill>
+                <a:schemeClr val="lt1"/>
+              </a:solidFill>
+              <a:latin typeface="Roboto"/>
+              <a:ea typeface="Roboto"/>
+              <a:cs typeface="Roboto"/>
+              <a:sym typeface="Roboto"/>
+            </a:endParaRPr>
+          </a:p>
+          <a:p>
+            <a:pPr indent="0" lvl="0" marL="0" rtl="0" algn="l">
+              <a:spcBef>
+                <a:spcPts val="0"/>
+              </a:spcBef>
+              <a:spcAft>
+                <a:spcPts val="0"/>
+              </a:spcAft>
+              <a:buNone/>
+            </a:pPr>
+            <a:r>
+              <a:rPr lang="en">
+                <a:solidFill>
+                  <a:schemeClr val="lt1"/>
+                </a:solidFill>
+                <a:latin typeface="Roboto"/>
+                <a:ea typeface="Roboto"/>
+                <a:cs typeface="Roboto"/>
+                <a:sym typeface="Roboto"/>
+              </a:rPr>
+              <a:t>From these observation we can say that hedonic values </a:t>
+            </a:r>
+            <a:r>
+              <a:rPr lang="en">
+                <a:solidFill>
+                  <a:schemeClr val="lt1"/>
+                </a:solidFill>
+                <a:latin typeface="Roboto"/>
+                <a:ea typeface="Roboto"/>
+                <a:cs typeface="Roboto"/>
+                <a:sym typeface="Roboto"/>
+              </a:rPr>
+              <a:t>also</a:t>
+            </a:r>
+            <a:r>
+              <a:rPr lang="en">
+                <a:solidFill>
+                  <a:schemeClr val="lt1"/>
+                </a:solidFill>
+                <a:latin typeface="Roboto"/>
+                <a:ea typeface="Roboto"/>
+                <a:cs typeface="Roboto"/>
+                <a:sym typeface="Roboto"/>
+              </a:rPr>
+              <a:t> plays a huge role on customer loyalty and satisfaction</a:t>
+            </a:r>
+            <a:endParaRPr>
+              <a:solidFill>
+                <a:schemeClr val="lt1"/>
+              </a:solidFill>
+              <a:latin typeface="Roboto"/>
+              <a:ea typeface="Roboto"/>
+              <a:cs typeface="Roboto"/>
+              <a:sym typeface="Roboto"/>
+            </a:endParaRPr>
+          </a:p>
+        </p:txBody>
+      </p:sp>
+    </p:spTree>
+  </p:cSld>
+  <p:clrMapOvr>
+    <a:masterClrMapping/>
+  </p:clrMapOvr>
+</p:sld>
+</file>
+
+<file path=ppt/slides/slide19.xml><?xml version="1.0" encoding="utf-8"?>
+<p:sld xmlns:a="http://schemas.openxmlformats.org/drawingml/2006/main" xmlns:r="http://schemas.openxmlformats.org/officeDocument/2006/relationships" xmlns:mc="http://schemas.openxmlformats.org/markup-compatibility/2006" xmlns:mv="urn:schemas-microsoft-com:mac:vml" xmlns:p="http://schemas.openxmlformats.org/presentationml/2006/main" xmlns:c="http://schemas.openxmlformats.org/drawingml/2006/chart" xmlns:dgm="http://schemas.openxmlformats.org/drawingml/2006/diagram" xmlns:o="urn:schemas-microsoft-com:office:office" xmlns:v="urn:schemas-microsoft-com:vml" xmlns:pvml="urn:schemas-microsoft-com:office:powerpoint" xmlns:com="http://schemas.openxmlformats.org/drawingml/2006/compatibility" xmlns:p14="http://schemas.microsoft.com/office/powerpoint/2010/main" xmlns:p15="http://schemas.microsoft.com/office/powerpoint/2012/main" xmlns:ahyp="http://schemas.microsoft.com/office/drawing/2018/hyperlinkcolor">
+  <p:cSld>
+    <p:spTree>
+      <p:nvGrpSpPr>
+        <p:cNvPr id="233" name="Shape 233"/>
+        <p:cNvGrpSpPr/>
+        <p:nvPr/>
+      </p:nvGrpSpPr>
+      <p:grpSpPr>
+        <a:xfrm>
+          <a:off x="0" y="0"/>
+          <a:ext cx="0" cy="0"/>
+          <a:chOff x="0" y="0"/>
+          <a:chExt cx="0" cy="0"/>
+        </a:xfrm>
+      </p:grpSpPr>
+      <p:sp>
+        <p:nvSpPr>
+          <p:cNvPr id="234" name="Google Shape;234;p31"/>
           <p:cNvSpPr txBox="1"/>
           <p:nvPr>
-            <p:ph idx="4294967295" type="body"/>
+            <p:ph type="title"/>
           </p:nvPr>
         </p:nvSpPr>
         <p:spPr>
           <a:xfrm>
-            <a:off x="7111512" y="2336550"/>
-            <a:ext cx="1315500" cy="470400"/>
+            <a:off x="544775" y="1177850"/>
+            <a:ext cx="3837000" cy="1564500"/>
           </a:xfrm>
           <a:prstGeom prst="rect">
             <a:avLst/>
@@ -10616,7 +13445,71 @@
           </a:bodyPr>
           <a:lstStyle/>
           <a:p>
-            <a:pPr indent="0" lvl="0" marL="0" rtl="0" algn="ctr">
+            <a:pPr indent="0" lvl="0" marL="0" rtl="0" algn="l">
+              <a:spcBef>
+                <a:spcPts val="0"/>
+              </a:spcBef>
+              <a:spcAft>
+                <a:spcPts val="0"/>
+              </a:spcAft>
+              <a:buNone/>
+            </a:pPr>
+            <a:r>
+              <a:rPr lang="en" sz="3100"/>
+              <a:t>Category 3</a:t>
+            </a:r>
+            <a:endParaRPr sz="3100"/>
+          </a:p>
+          <a:p>
+            <a:pPr indent="0" lvl="0" marL="0" rtl="0" algn="l">
+              <a:spcBef>
+                <a:spcPts val="0"/>
+              </a:spcBef>
+              <a:spcAft>
+                <a:spcPts val="0"/>
+              </a:spcAft>
+              <a:buNone/>
+            </a:pPr>
+            <a:r>
+              <a:rPr lang="en" sz="3100"/>
+              <a:t>(U</a:t>
+            </a:r>
+            <a:r>
+              <a:rPr lang="en" sz="3100"/>
+              <a:t>tilitarian</a:t>
+            </a:r>
+            <a:r>
+              <a:rPr lang="en" sz="3100"/>
+              <a:t> Values)</a:t>
+            </a:r>
+            <a:endParaRPr sz="3100"/>
+          </a:p>
+        </p:txBody>
+      </p:sp>
+      <p:sp>
+        <p:nvSpPr>
+          <p:cNvPr id="235" name="Google Shape;235;p31"/>
+          <p:cNvSpPr txBox="1"/>
+          <p:nvPr>
+            <p:ph idx="2" type="body"/>
+          </p:nvPr>
+        </p:nvSpPr>
+        <p:spPr>
+          <a:xfrm>
+            <a:off x="4939500" y="724200"/>
+            <a:ext cx="3837000" cy="3695100"/>
+          </a:xfrm>
+          <a:prstGeom prst="rect">
+            <a:avLst/>
+          </a:prstGeom>
+        </p:spPr>
+        <p:txBody>
+          <a:bodyPr anchorCtr="0" anchor="ctr" bIns="91425" lIns="91425" spcFirstLastPara="1" rIns="91425" wrap="square" tIns="91425">
+            <a:noAutofit/>
+          </a:bodyPr>
+          <a:lstStyle/>
+          <a:p>
+            <a:pPr indent="0" lvl="0" marL="0" rtl="0" algn="l">
               <a:lnSpc>
                 <a:spcPct val="100000"/>
               </a:lnSpc>
@@ -10629,142 +13522,351 @@
               <a:buNone/>
             </a:pPr>
             <a:r>
-              <a:rPr lang="en" sz="1600">
-                <a:solidFill>
-                  <a:schemeClr val="lt1"/>
-                </a:solidFill>
+              <a:rPr lang="en" sz="1350">
+                <a:latin typeface="Arial"/>
+                <a:ea typeface="Arial"/>
+                <a:cs typeface="Arial"/>
+                <a:sym typeface="Arial"/>
               </a:rPr>
-              <a:t>11.01.XX</a:t>
-            </a:r>
-            <a:endParaRPr sz="1600">
-              <a:solidFill>
+              <a:t>Factors extracted for graphical representation:</a:t>
+            </a:r>
+            <a:endParaRPr sz="1350">
+              <a:latin typeface="Arial"/>
+              <a:ea typeface="Arial"/>
+              <a:cs typeface="Arial"/>
+              <a:sym typeface="Arial"/>
+            </a:endParaRPr>
+          </a:p>
+          <a:p>
+            <a:pPr indent="0" lvl="0" marL="0" rtl="0" algn="l">
+              <a:lnSpc>
+                <a:spcPct val="100000"/>
+              </a:lnSpc>
+              <a:spcBef>
+                <a:spcPts val="0"/>
+              </a:spcBef>
+              <a:spcAft>
+                <a:spcPts val="0"/>
+              </a:spcAft>
+              <a:buNone/>
+            </a:pPr>
+            <a:r>
+              <a:t/>
+            </a:r>
+            <a:endParaRPr sz="1350">
+              <a:latin typeface="Arial"/>
+              <a:ea typeface="Arial"/>
+              <a:cs typeface="Arial"/>
+              <a:sym typeface="Arial"/>
+            </a:endParaRPr>
+          </a:p>
+          <a:p>
+            <a:pPr indent="-314325" lvl="0" marL="457200" rtl="0" algn="l">
+              <a:lnSpc>
+                <a:spcPct val="100000"/>
+              </a:lnSpc>
+              <a:spcBef>
+                <a:spcPts val="0"/>
+              </a:spcBef>
+              <a:spcAft>
+                <a:spcPts val="0"/>
+              </a:spcAft>
+              <a:buClr>
                 <a:schemeClr val="lt1"/>
-              </a:solidFill>
+              </a:buClr>
+              <a:buSzPts val="1350"/>
+              <a:buFont typeface="Arial"/>
+              <a:buAutoNum type="arabicPeriod"/>
+            </a:pPr>
+            <a:r>
+              <a:rPr lang="en" sz="1350">
+                <a:latin typeface="Arial"/>
+                <a:ea typeface="Arial"/>
+                <a:cs typeface="Arial"/>
+                <a:sym typeface="Arial"/>
+              </a:rPr>
+              <a:t>Value for Money</a:t>
+            </a:r>
+            <a:endParaRPr sz="1350">
+              <a:latin typeface="Arial"/>
+              <a:ea typeface="Arial"/>
+              <a:cs typeface="Arial"/>
+              <a:sym typeface="Arial"/>
+            </a:endParaRPr>
+          </a:p>
+          <a:p>
+            <a:pPr indent="-314325" lvl="0" marL="457200" rtl="0" algn="l">
+              <a:lnSpc>
+                <a:spcPct val="100000"/>
+              </a:lnSpc>
+              <a:spcBef>
+                <a:spcPts val="0"/>
+              </a:spcBef>
+              <a:spcAft>
+                <a:spcPts val="0"/>
+              </a:spcAft>
+              <a:buClr>
+                <a:schemeClr val="lt1"/>
+              </a:buClr>
+              <a:buSzPts val="1350"/>
+              <a:buFont typeface="Arial"/>
+              <a:buAutoNum type="arabicPeriod"/>
+            </a:pPr>
+            <a:r>
+              <a:rPr lang="en" sz="1350">
+                <a:latin typeface="Arial"/>
+                <a:ea typeface="Arial"/>
+                <a:cs typeface="Arial"/>
+                <a:sym typeface="Arial"/>
+              </a:rPr>
+              <a:t>Fulfillment of roles</a:t>
+            </a:r>
+            <a:endParaRPr sz="1350">
+              <a:latin typeface="Arial"/>
+              <a:ea typeface="Arial"/>
+              <a:cs typeface="Arial"/>
+              <a:sym typeface="Arial"/>
+            </a:endParaRPr>
+          </a:p>
+          <a:p>
+            <a:pPr indent="-314325" lvl="0" marL="457200" rtl="0" algn="l">
+              <a:lnSpc>
+                <a:spcPct val="100000"/>
+              </a:lnSpc>
+              <a:spcBef>
+                <a:spcPts val="0"/>
+              </a:spcBef>
+              <a:spcAft>
+                <a:spcPts val="0"/>
+              </a:spcAft>
+              <a:buClr>
+                <a:schemeClr val="lt1"/>
+              </a:buClr>
+              <a:buSzPts val="1350"/>
+              <a:buFont typeface="Arial"/>
+              <a:buAutoNum type="arabicPeriod"/>
+            </a:pPr>
+            <a:r>
+              <a:rPr lang="en" sz="1350">
+                <a:latin typeface="Arial"/>
+                <a:ea typeface="Arial"/>
+                <a:cs typeface="Arial"/>
+                <a:sym typeface="Arial"/>
+              </a:rPr>
+              <a:t>Monetary savings and discounts</a:t>
+            </a:r>
+            <a:endParaRPr sz="1350">
+              <a:latin typeface="Arial"/>
+              <a:ea typeface="Arial"/>
+              <a:cs typeface="Arial"/>
+              <a:sym typeface="Arial"/>
+            </a:endParaRPr>
+          </a:p>
+          <a:p>
+            <a:pPr indent="-314325" lvl="0" marL="457200" rtl="0" algn="l">
+              <a:lnSpc>
+                <a:spcPct val="100000"/>
+              </a:lnSpc>
+              <a:spcBef>
+                <a:spcPts val="0"/>
+              </a:spcBef>
+              <a:spcAft>
+                <a:spcPts val="0"/>
+              </a:spcAft>
+              <a:buClr>
+                <a:schemeClr val="lt1"/>
+              </a:buClr>
+              <a:buSzPts val="1350"/>
+              <a:buFont typeface="Arial"/>
+              <a:buAutoNum type="arabicPeriod"/>
+            </a:pPr>
+            <a:r>
+              <a:rPr lang="en" sz="1350">
+                <a:latin typeface="Arial"/>
+                <a:ea typeface="Arial"/>
+                <a:cs typeface="Arial"/>
+                <a:sym typeface="Arial"/>
+              </a:rPr>
+              <a:t>Product information</a:t>
+            </a:r>
+            <a:endParaRPr sz="1350">
+              <a:latin typeface="Arial"/>
+              <a:ea typeface="Arial"/>
+              <a:cs typeface="Arial"/>
+              <a:sym typeface="Arial"/>
+            </a:endParaRPr>
+          </a:p>
+          <a:p>
+            <a:pPr indent="-314325" lvl="0" marL="457200" rtl="0" algn="l">
+              <a:lnSpc>
+                <a:spcPct val="100000"/>
+              </a:lnSpc>
+              <a:spcBef>
+                <a:spcPts val="0"/>
+              </a:spcBef>
+              <a:spcAft>
+                <a:spcPts val="0"/>
+              </a:spcAft>
+              <a:buClr>
+                <a:schemeClr val="lt1"/>
+              </a:buClr>
+              <a:buSzPts val="1350"/>
+              <a:buFont typeface="Arial"/>
+              <a:buAutoNum type="arabicPeriod"/>
+            </a:pPr>
+            <a:r>
+              <a:rPr lang="en" sz="1350">
+                <a:latin typeface="Arial"/>
+                <a:ea typeface="Arial"/>
+                <a:cs typeface="Arial"/>
+                <a:sym typeface="Arial"/>
+              </a:rPr>
+              <a:t>Offers and variety</a:t>
+            </a:r>
+            <a:endParaRPr sz="1350">
+              <a:latin typeface="Arial"/>
+              <a:ea typeface="Arial"/>
+              <a:cs typeface="Arial"/>
+              <a:sym typeface="Arial"/>
+            </a:endParaRPr>
+          </a:p>
+          <a:p>
+            <a:pPr indent="0" lvl="0" marL="457200" rtl="0" algn="l">
+              <a:lnSpc>
+                <a:spcPct val="100000"/>
+              </a:lnSpc>
+              <a:spcBef>
+                <a:spcPts val="0"/>
+              </a:spcBef>
+              <a:spcAft>
+                <a:spcPts val="0"/>
+              </a:spcAft>
+              <a:buNone/>
+            </a:pPr>
+            <a:r>
+              <a:t/>
+            </a:r>
+            <a:endParaRPr sz="1350">
+              <a:latin typeface="Arial"/>
+              <a:ea typeface="Arial"/>
+              <a:cs typeface="Arial"/>
+              <a:sym typeface="Arial"/>
+            </a:endParaRPr>
+          </a:p>
+          <a:p>
+            <a:pPr indent="0" lvl="0" marL="457200" rtl="0" algn="l">
+              <a:lnSpc>
+                <a:spcPct val="100000"/>
+              </a:lnSpc>
+              <a:spcBef>
+                <a:spcPts val="0"/>
+              </a:spcBef>
+              <a:spcAft>
+                <a:spcPts val="0"/>
+              </a:spcAft>
+              <a:buNone/>
+            </a:pPr>
+            <a:r>
+              <a:t/>
+            </a:r>
+            <a:endParaRPr sz="1350">
+              <a:latin typeface="Arial"/>
+              <a:ea typeface="Arial"/>
+              <a:cs typeface="Arial"/>
+              <a:sym typeface="Arial"/>
+            </a:endParaRPr>
+          </a:p>
+          <a:p>
+            <a:pPr indent="0" lvl="0" marL="0" rtl="0" algn="l">
+              <a:spcBef>
+                <a:spcPts val="0"/>
+              </a:spcBef>
+              <a:spcAft>
+                <a:spcPts val="1600"/>
+              </a:spcAft>
+              <a:buNone/>
+            </a:pPr>
+            <a:r>
+              <a:t/>
+            </a:r>
+            <a:endParaRPr sz="2100">
+              <a:latin typeface="Arial"/>
+              <a:ea typeface="Arial"/>
+              <a:cs typeface="Arial"/>
+              <a:sym typeface="Arial"/>
             </a:endParaRPr>
           </a:p>
         </p:txBody>
       </p:sp>
-      <p:grpSp>
-        <p:nvGrpSpPr>
-          <p:cNvPr id="214" name="Google Shape;214;p25"/>
-          <p:cNvGrpSpPr/>
+      <p:sp>
+        <p:nvSpPr>
+          <p:cNvPr id="236" name="Google Shape;236;p31"/>
+          <p:cNvSpPr txBox="1"/>
           <p:nvPr/>
-        </p:nvGrpSpPr>
-        <p:grpSpPr>
-          <a:xfrm>
-            <a:off x="7669807" y="1610215"/>
-            <a:ext cx="198900" cy="593656"/>
-            <a:chOff x="3918084" y="1610215"/>
-            <a:chExt cx="198900" cy="593656"/>
-          </a:xfrm>
-        </p:grpSpPr>
-        <p:cxnSp>
-          <p:nvCxnSpPr>
-            <p:cNvPr id="215" name="Google Shape;215;p25"/>
-            <p:cNvCxnSpPr/>
-            <p:nvPr/>
-          </p:nvCxnSpPr>
-          <p:spPr>
-            <a:xfrm>
-              <a:off x="4017546" y="1649171"/>
-              <a:ext cx="0" cy="554700"/>
-            </a:xfrm>
-            <a:prstGeom prst="straightConnector1">
-              <a:avLst/>
-            </a:prstGeom>
+        </p:nvSpPr>
+        <p:spPr>
+          <a:xfrm>
+            <a:off x="210700" y="2703550"/>
+            <a:ext cx="3882900" cy="1054200"/>
+          </a:xfrm>
+          <a:prstGeom prst="rect">
+            <a:avLst/>
+          </a:prstGeom>
+          <a:noFill/>
+          <a:ln>
             <a:noFill/>
-            <a:ln cap="flat" cmpd="sng" w="9525">
+          </a:ln>
+        </p:spPr>
+        <p:txBody>
+          <a:bodyPr anchorCtr="0" anchor="t" bIns="91425" lIns="91425" spcFirstLastPara="1" rIns="91425" wrap="square" tIns="91425">
+            <a:spAutoFit/>
+          </a:bodyPr>
+          <a:lstStyle/>
+          <a:p>
+            <a:pPr indent="0" lvl="0" marL="292100" marR="304800" rtl="0" algn="l">
+              <a:spcBef>
+                <a:spcPts val="1000"/>
+              </a:spcBef>
+              <a:spcAft>
+                <a:spcPts val="0"/>
+              </a:spcAft>
+              <a:buNone/>
+            </a:pPr>
+            <a:r>
+              <a:rPr b="1" lang="en" sz="1350">
+                <a:solidFill>
+                  <a:schemeClr val="dk2"/>
+                </a:solidFill>
+              </a:rPr>
+              <a:t>Visualizing how the utilitarian values has effect on the customer retention / Activation</a:t>
+            </a:r>
+            <a:endParaRPr b="1" sz="1350">
               <a:solidFill>
                 <a:schemeClr val="dk2"/>
               </a:solidFill>
-              <a:prstDash val="solid"/>
-              <a:round/>
-              <a:headEnd len="sm" w="sm" type="none"/>
-              <a:tailEnd len="sm" w="sm" type="none"/>
-            </a:ln>
-          </p:spPr>
-        </p:cxnSp>
-        <p:sp>
-          <p:nvSpPr>
-            <p:cNvPr id="216" name="Google Shape;216;p25"/>
-            <p:cNvSpPr/>
-            <p:nvPr/>
-          </p:nvSpPr>
-          <p:spPr>
-            <a:xfrm>
-              <a:off x="3918084" y="1610215"/>
-              <a:ext cx="198900" cy="198900"/>
-            </a:xfrm>
-            <a:prstGeom prst="ellipse">
-              <a:avLst/>
-            </a:prstGeom>
-            <a:solidFill>
-              <a:schemeClr val="dk1"/>
-            </a:solidFill>
-            <a:ln>
-              <a:noFill/>
-            </a:ln>
-          </p:spPr>
-          <p:txBody>
-            <a:bodyPr anchorCtr="0" anchor="ctr" bIns="91425" lIns="91425" spcFirstLastPara="1" rIns="91425" wrap="square" tIns="91425">
-              <a:noAutofit/>
-            </a:bodyPr>
-            <a:lstStyle/>
-            <a:p>
-              <a:pPr indent="0" lvl="0" marL="0" rtl="0" algn="l">
-                <a:spcBef>
-                  <a:spcPts val="0"/>
-                </a:spcBef>
-                <a:spcAft>
-                  <a:spcPts val="0"/>
-                </a:spcAft>
-                <a:buNone/>
-              </a:pPr>
-              <a:r>
-                <a:t/>
-              </a:r>
-              <a:endParaRPr/>
-            </a:p>
-          </p:txBody>
-        </p:sp>
-      </p:grpSp>
-      <p:sp>
-        <p:nvSpPr>
-          <p:cNvPr id="217" name="Google Shape;217;p25"/>
-          <p:cNvSpPr txBox="1"/>
-          <p:nvPr>
-            <p:ph idx="4294967295" type="body"/>
-          </p:nvPr>
-        </p:nvSpPr>
-        <p:spPr>
-          <a:xfrm>
-            <a:off x="6685979" y="385667"/>
-            <a:ext cx="2242800" cy="906300"/>
-          </a:xfrm>
-          <a:prstGeom prst="rect">
-            <a:avLst/>
-          </a:prstGeom>
-        </p:spPr>
-        <p:txBody>
-          <a:bodyPr anchorCtr="0" anchor="t" bIns="91425" lIns="91425" spcFirstLastPara="1" rIns="91425" wrap="square" tIns="91425">
-            <a:noAutofit/>
-          </a:bodyPr>
-          <a:lstStyle/>
-          <a:p>
-            <a:pPr indent="0" lvl="0" marL="0" rtl="0" algn="l">
-              <a:spcBef>
-                <a:spcPts val="0"/>
-              </a:spcBef>
-              <a:spcAft>
-                <a:spcPts val="1600"/>
-              </a:spcAft>
-              <a:buNone/>
-            </a:pPr>
-            <a:r>
-              <a:rPr lang="en" sz="1600"/>
-              <a:t>Lorem ipsum dolor sit amet, consectetur adipiscing elit</a:t>
-            </a:r>
-            <a:endParaRPr sz="1600"/>
+            </a:endParaRPr>
+          </a:p>
+          <a:p>
+            <a:pPr indent="0" lvl="0" marL="457200" rtl="0" algn="ctr">
+              <a:lnSpc>
+                <a:spcPct val="140000"/>
+              </a:lnSpc>
+              <a:spcBef>
+                <a:spcPts val="0"/>
+              </a:spcBef>
+              <a:spcAft>
+                <a:spcPts val="600"/>
+              </a:spcAft>
+              <a:buNone/>
+            </a:pPr>
+            <a:r>
+              <a:t/>
+            </a:r>
+            <a:endParaRPr sz="1600">
+              <a:solidFill>
+                <a:schemeClr val="dk2"/>
+              </a:solidFill>
+            </a:endParaRPr>
           </a:p>
         </p:txBody>
       </p:sp>
@@ -11096,6 +14198,2740 @@
 </p:sld>
 </file>
 
+<file path=ppt/slides/slide20.xml><?xml version="1.0" encoding="utf-8"?>
+<p:sld xmlns:a="http://schemas.openxmlformats.org/drawingml/2006/main" xmlns:r="http://schemas.openxmlformats.org/officeDocument/2006/relationships" xmlns:mc="http://schemas.openxmlformats.org/markup-compatibility/2006" xmlns:mv="urn:schemas-microsoft-com:mac:vml" xmlns:p="http://schemas.openxmlformats.org/presentationml/2006/main" xmlns:c="http://schemas.openxmlformats.org/drawingml/2006/chart" xmlns:dgm="http://schemas.openxmlformats.org/drawingml/2006/diagram" xmlns:o="urn:schemas-microsoft-com:office:office" xmlns:v="urn:schemas-microsoft-com:vml" xmlns:pvml="urn:schemas-microsoft-com:office:powerpoint" xmlns:com="http://schemas.openxmlformats.org/drawingml/2006/compatibility" xmlns:p14="http://schemas.microsoft.com/office/powerpoint/2010/main" xmlns:p15="http://schemas.microsoft.com/office/powerpoint/2012/main" xmlns:ahyp="http://schemas.microsoft.com/office/drawing/2018/hyperlinkcolor">
+  <p:cSld>
+    <p:bg>
+      <p:bgPr>
+        <a:solidFill>
+          <a:schemeClr val="lt1"/>
+        </a:solidFill>
+      </p:bgPr>
+    </p:bg>
+    <p:spTree>
+      <p:nvGrpSpPr>
+        <p:cNvPr id="240" name="Shape 240"/>
+        <p:cNvGrpSpPr/>
+        <p:nvPr/>
+      </p:nvGrpSpPr>
+      <p:grpSpPr>
+        <a:xfrm>
+          <a:off x="0" y="0"/>
+          <a:ext cx="0" cy="0"/>
+          <a:chOff x="0" y="0"/>
+          <a:chExt cx="0" cy="0"/>
+        </a:xfrm>
+      </p:grpSpPr>
+      <p:sp>
+        <p:nvSpPr>
+          <p:cNvPr id="241" name="Google Shape;241;p32"/>
+          <p:cNvSpPr txBox="1"/>
+          <p:nvPr/>
+        </p:nvSpPr>
+        <p:spPr>
+          <a:xfrm>
+            <a:off x="1036586" y="320924"/>
+            <a:ext cx="5801100" cy="400200"/>
+          </a:xfrm>
+          <a:prstGeom prst="rect">
+            <a:avLst/>
+          </a:prstGeom>
+          <a:noFill/>
+          <a:ln>
+            <a:noFill/>
+          </a:ln>
+        </p:spPr>
+        <p:txBody>
+          <a:bodyPr anchorCtr="0" anchor="t" bIns="91425" lIns="91425" spcFirstLastPara="1" rIns="91425" wrap="square" tIns="91425">
+            <a:spAutoFit/>
+          </a:bodyPr>
+          <a:lstStyle/>
+          <a:p>
+            <a:pPr indent="0" lvl="0" marL="0" rtl="0" algn="ctr">
+              <a:spcBef>
+                <a:spcPts val="0"/>
+              </a:spcBef>
+              <a:spcAft>
+                <a:spcPts val="0"/>
+              </a:spcAft>
+              <a:buNone/>
+            </a:pPr>
+            <a:r>
+              <a:rPr b="1" lang="en">
+                <a:solidFill>
+                  <a:schemeClr val="dk1"/>
+                </a:solidFill>
+                <a:latin typeface="Roboto"/>
+                <a:ea typeface="Roboto"/>
+                <a:cs typeface="Roboto"/>
+                <a:sym typeface="Roboto"/>
+              </a:rPr>
+              <a:t>GRAPHICAL REPRESENTATION</a:t>
+            </a:r>
+            <a:endParaRPr b="1">
+              <a:solidFill>
+                <a:schemeClr val="dk1"/>
+              </a:solidFill>
+              <a:latin typeface="Roboto"/>
+              <a:ea typeface="Roboto"/>
+              <a:cs typeface="Roboto"/>
+              <a:sym typeface="Roboto"/>
+            </a:endParaRPr>
+          </a:p>
+        </p:txBody>
+      </p:sp>
+      <p:sp>
+        <p:nvSpPr>
+          <p:cNvPr id="242" name="Google Shape;242;p32"/>
+          <p:cNvSpPr txBox="1"/>
+          <p:nvPr/>
+        </p:nvSpPr>
+        <p:spPr>
+          <a:xfrm>
+            <a:off x="2684369" y="4798641"/>
+            <a:ext cx="4987800" cy="400200"/>
+          </a:xfrm>
+          <a:prstGeom prst="rect">
+            <a:avLst/>
+          </a:prstGeom>
+          <a:noFill/>
+          <a:ln>
+            <a:noFill/>
+          </a:ln>
+        </p:spPr>
+        <p:txBody>
+          <a:bodyPr anchorCtr="0" anchor="t" bIns="91425" lIns="91425" spcFirstLastPara="1" rIns="91425" wrap="square" tIns="91425">
+            <a:spAutoFit/>
+          </a:bodyPr>
+          <a:lstStyle/>
+          <a:p>
+            <a:pPr indent="0" lvl="0" marL="0" rtl="0" algn="l">
+              <a:spcBef>
+                <a:spcPts val="0"/>
+              </a:spcBef>
+              <a:spcAft>
+                <a:spcPts val="0"/>
+              </a:spcAft>
+              <a:buNone/>
+            </a:pPr>
+            <a:r>
+              <a:t/>
+            </a:r>
+            <a:endParaRPr>
+              <a:solidFill>
+                <a:schemeClr val="lt1"/>
+              </a:solidFill>
+              <a:latin typeface="Roboto"/>
+              <a:ea typeface="Roboto"/>
+              <a:cs typeface="Roboto"/>
+              <a:sym typeface="Roboto"/>
+            </a:endParaRPr>
+          </a:p>
+        </p:txBody>
+      </p:sp>
+      <p:pic>
+        <p:nvPicPr>
+          <p:cNvPr id="243" name="Google Shape;243;p32"/>
+          <p:cNvPicPr preferRelativeResize="0"/>
+          <p:nvPr/>
+        </p:nvPicPr>
+        <p:blipFill>
+          <a:blip r:embed="rId3">
+            <a:alphaModFix/>
+          </a:blip>
+          <a:stretch>
+            <a:fillRect/>
+          </a:stretch>
+        </p:blipFill>
+        <p:spPr>
+          <a:xfrm>
+            <a:off x="216320" y="1394364"/>
+            <a:ext cx="1845411" cy="1580853"/>
+          </a:xfrm>
+          <a:prstGeom prst="rect">
+            <a:avLst/>
+          </a:prstGeom>
+          <a:noFill/>
+          <a:ln>
+            <a:noFill/>
+          </a:ln>
+        </p:spPr>
+      </p:pic>
+      <p:pic>
+        <p:nvPicPr>
+          <p:cNvPr id="244" name="Google Shape;244;p32"/>
+          <p:cNvPicPr preferRelativeResize="0"/>
+          <p:nvPr/>
+        </p:nvPicPr>
+        <p:blipFill>
+          <a:blip r:embed="rId4">
+            <a:alphaModFix/>
+          </a:blip>
+          <a:stretch>
+            <a:fillRect/>
+          </a:stretch>
+        </p:blipFill>
+        <p:spPr>
+          <a:xfrm>
+            <a:off x="2131721" y="1394374"/>
+            <a:ext cx="1974461" cy="1580853"/>
+          </a:xfrm>
+          <a:prstGeom prst="rect">
+            <a:avLst/>
+          </a:prstGeom>
+          <a:noFill/>
+          <a:ln>
+            <a:noFill/>
+          </a:ln>
+        </p:spPr>
+      </p:pic>
+      <p:pic>
+        <p:nvPicPr>
+          <p:cNvPr id="245" name="Google Shape;245;p32"/>
+          <p:cNvPicPr preferRelativeResize="0"/>
+          <p:nvPr/>
+        </p:nvPicPr>
+        <p:blipFill>
+          <a:blip r:embed="rId5">
+            <a:alphaModFix/>
+          </a:blip>
+          <a:stretch>
+            <a:fillRect/>
+          </a:stretch>
+        </p:blipFill>
+        <p:spPr>
+          <a:xfrm>
+            <a:off x="4166914" y="1487565"/>
+            <a:ext cx="1961557" cy="1520820"/>
+          </a:xfrm>
+          <a:prstGeom prst="rect">
+            <a:avLst/>
+          </a:prstGeom>
+          <a:noFill/>
+          <a:ln>
+            <a:noFill/>
+          </a:ln>
+        </p:spPr>
+      </p:pic>
+      <p:pic>
+        <p:nvPicPr>
+          <p:cNvPr id="246" name="Google Shape;246;p32"/>
+          <p:cNvPicPr preferRelativeResize="0"/>
+          <p:nvPr/>
+        </p:nvPicPr>
+        <p:blipFill>
+          <a:blip r:embed="rId6">
+            <a:alphaModFix/>
+          </a:blip>
+          <a:stretch>
+            <a:fillRect/>
+          </a:stretch>
+        </p:blipFill>
+        <p:spPr>
+          <a:xfrm>
+            <a:off x="6060469" y="1457541"/>
+            <a:ext cx="2606805" cy="1580853"/>
+          </a:xfrm>
+          <a:prstGeom prst="rect">
+            <a:avLst/>
+          </a:prstGeom>
+          <a:noFill/>
+          <a:ln>
+            <a:noFill/>
+          </a:ln>
+        </p:spPr>
+      </p:pic>
+      <p:pic>
+        <p:nvPicPr>
+          <p:cNvPr id="247" name="Google Shape;247;p32"/>
+          <p:cNvPicPr preferRelativeResize="0"/>
+          <p:nvPr/>
+        </p:nvPicPr>
+        <p:blipFill>
+          <a:blip r:embed="rId7">
+            <a:alphaModFix/>
+          </a:blip>
+          <a:stretch>
+            <a:fillRect/>
+          </a:stretch>
+        </p:blipFill>
+        <p:spPr>
+          <a:xfrm>
+            <a:off x="6752462" y="3298196"/>
+            <a:ext cx="1826054" cy="1580853"/>
+          </a:xfrm>
+          <a:prstGeom prst="rect">
+            <a:avLst/>
+          </a:prstGeom>
+          <a:noFill/>
+          <a:ln>
+            <a:noFill/>
+          </a:ln>
+        </p:spPr>
+      </p:pic>
+      <p:pic>
+        <p:nvPicPr>
+          <p:cNvPr id="248" name="Google Shape;248;p32"/>
+          <p:cNvPicPr preferRelativeResize="0"/>
+          <p:nvPr/>
+        </p:nvPicPr>
+        <p:blipFill>
+          <a:blip r:embed="rId8">
+            <a:alphaModFix/>
+          </a:blip>
+          <a:stretch>
+            <a:fillRect/>
+          </a:stretch>
+        </p:blipFill>
+        <p:spPr>
+          <a:xfrm>
+            <a:off x="4603988" y="3237457"/>
+            <a:ext cx="2206751" cy="1580853"/>
+          </a:xfrm>
+          <a:prstGeom prst="rect">
+            <a:avLst/>
+          </a:prstGeom>
+          <a:noFill/>
+          <a:ln>
+            <a:noFill/>
+          </a:ln>
+        </p:spPr>
+      </p:pic>
+      <p:pic>
+        <p:nvPicPr>
+          <p:cNvPr id="249" name="Google Shape;249;p32"/>
+          <p:cNvPicPr preferRelativeResize="0"/>
+          <p:nvPr/>
+        </p:nvPicPr>
+        <p:blipFill>
+          <a:blip r:embed="rId9">
+            <a:alphaModFix/>
+          </a:blip>
+          <a:stretch>
+            <a:fillRect/>
+          </a:stretch>
+        </p:blipFill>
+        <p:spPr>
+          <a:xfrm>
+            <a:off x="179699" y="3237455"/>
+            <a:ext cx="1845411" cy="1580853"/>
+          </a:xfrm>
+          <a:prstGeom prst="rect">
+            <a:avLst/>
+          </a:prstGeom>
+          <a:noFill/>
+          <a:ln>
+            <a:noFill/>
+          </a:ln>
+        </p:spPr>
+      </p:pic>
+      <p:pic>
+        <p:nvPicPr>
+          <p:cNvPr id="250" name="Google Shape;250;p32"/>
+          <p:cNvPicPr preferRelativeResize="0"/>
+          <p:nvPr/>
+        </p:nvPicPr>
+        <p:blipFill>
+          <a:blip r:embed="rId10">
+            <a:alphaModFix/>
+          </a:blip>
+          <a:stretch>
+            <a:fillRect/>
+          </a:stretch>
+        </p:blipFill>
+        <p:spPr>
+          <a:xfrm>
+            <a:off x="2131708" y="3163733"/>
+            <a:ext cx="2213203" cy="1580853"/>
+          </a:xfrm>
+          <a:prstGeom prst="rect">
+            <a:avLst/>
+          </a:prstGeom>
+          <a:noFill/>
+          <a:ln>
+            <a:noFill/>
+          </a:ln>
+        </p:spPr>
+      </p:pic>
+    </p:spTree>
+  </p:cSld>
+  <p:clrMapOvr>
+    <a:masterClrMapping/>
+  </p:clrMapOvr>
+</p:sld>
+</file>
+
+<file path=ppt/slides/slide21.xml><?xml version="1.0" encoding="utf-8"?>
+<p:sld xmlns:a="http://schemas.openxmlformats.org/drawingml/2006/main" xmlns:r="http://schemas.openxmlformats.org/officeDocument/2006/relationships" xmlns:mc="http://schemas.openxmlformats.org/markup-compatibility/2006" xmlns:mv="urn:schemas-microsoft-com:mac:vml" xmlns:p="http://schemas.openxmlformats.org/presentationml/2006/main" xmlns:c="http://schemas.openxmlformats.org/drawingml/2006/chart" xmlns:dgm="http://schemas.openxmlformats.org/drawingml/2006/diagram" xmlns:o="urn:schemas-microsoft-com:office:office" xmlns:v="urn:schemas-microsoft-com:vml" xmlns:pvml="urn:schemas-microsoft-com:office:powerpoint" xmlns:com="http://schemas.openxmlformats.org/drawingml/2006/compatibility" xmlns:p14="http://schemas.microsoft.com/office/powerpoint/2010/main" xmlns:p15="http://schemas.microsoft.com/office/powerpoint/2012/main" xmlns:ahyp="http://schemas.microsoft.com/office/drawing/2018/hyperlinkcolor">
+  <p:cSld>
+    <p:spTree>
+      <p:nvGrpSpPr>
+        <p:cNvPr id="254" name="Shape 254"/>
+        <p:cNvGrpSpPr/>
+        <p:nvPr/>
+      </p:nvGrpSpPr>
+      <p:grpSpPr>
+        <a:xfrm>
+          <a:off x="0" y="0"/>
+          <a:ext cx="0" cy="0"/>
+          <a:chOff x="0" y="0"/>
+          <a:chExt cx="0" cy="0"/>
+        </a:xfrm>
+      </p:grpSpPr>
+      <p:sp>
+        <p:nvSpPr>
+          <p:cNvPr id="255" name="Google Shape;255;p33"/>
+          <p:cNvSpPr txBox="1"/>
+          <p:nvPr/>
+        </p:nvSpPr>
+        <p:spPr>
+          <a:xfrm>
+            <a:off x="2577775" y="482475"/>
+            <a:ext cx="3721800" cy="446400"/>
+          </a:xfrm>
+          <a:prstGeom prst="rect">
+            <a:avLst/>
+          </a:prstGeom>
+          <a:noFill/>
+          <a:ln>
+            <a:noFill/>
+          </a:ln>
+        </p:spPr>
+        <p:txBody>
+          <a:bodyPr anchorCtr="0" anchor="t" bIns="91425" lIns="91425" spcFirstLastPara="1" rIns="91425" wrap="square" tIns="91425">
+            <a:spAutoFit/>
+          </a:bodyPr>
+          <a:lstStyle/>
+          <a:p>
+            <a:pPr indent="0" lvl="0" marL="0" rtl="0" algn="ctr">
+              <a:spcBef>
+                <a:spcPts val="0"/>
+              </a:spcBef>
+              <a:spcAft>
+                <a:spcPts val="0"/>
+              </a:spcAft>
+              <a:buNone/>
+            </a:pPr>
+            <a:r>
+              <a:rPr lang="en" sz="1700">
+                <a:solidFill>
+                  <a:schemeClr val="lt1"/>
+                </a:solidFill>
+                <a:latin typeface="Roboto"/>
+                <a:ea typeface="Roboto"/>
+                <a:cs typeface="Roboto"/>
+                <a:sym typeface="Roboto"/>
+              </a:rPr>
+              <a:t>Observation got C2 and C3</a:t>
+            </a:r>
+            <a:endParaRPr sz="1700">
+              <a:solidFill>
+                <a:schemeClr val="lt1"/>
+              </a:solidFill>
+              <a:latin typeface="Roboto"/>
+              <a:ea typeface="Roboto"/>
+              <a:cs typeface="Roboto"/>
+              <a:sym typeface="Roboto"/>
+            </a:endParaRPr>
+          </a:p>
+        </p:txBody>
+      </p:sp>
+      <p:sp>
+        <p:nvSpPr>
+          <p:cNvPr id="256" name="Google Shape;256;p33"/>
+          <p:cNvSpPr txBox="1"/>
+          <p:nvPr/>
+        </p:nvSpPr>
+        <p:spPr>
+          <a:xfrm>
+            <a:off x="568200" y="4443500"/>
+            <a:ext cx="8148300" cy="400200"/>
+          </a:xfrm>
+          <a:prstGeom prst="rect">
+            <a:avLst/>
+          </a:prstGeom>
+          <a:noFill/>
+          <a:ln>
+            <a:noFill/>
+          </a:ln>
+        </p:spPr>
+        <p:txBody>
+          <a:bodyPr anchorCtr="0" anchor="t" bIns="91425" lIns="91425" spcFirstLastPara="1" rIns="91425" wrap="square" tIns="91425">
+            <a:spAutoFit/>
+          </a:bodyPr>
+          <a:lstStyle/>
+          <a:p>
+            <a:pPr indent="0" lvl="0" marL="0" rtl="0" algn="l">
+              <a:spcBef>
+                <a:spcPts val="0"/>
+              </a:spcBef>
+              <a:spcAft>
+                <a:spcPts val="0"/>
+              </a:spcAft>
+              <a:buNone/>
+            </a:pPr>
+            <a:r>
+              <a:t/>
+            </a:r>
+            <a:endParaRPr>
+              <a:solidFill>
+                <a:schemeClr val="lt1"/>
+              </a:solidFill>
+              <a:latin typeface="Roboto"/>
+              <a:ea typeface="Roboto"/>
+              <a:cs typeface="Roboto"/>
+              <a:sym typeface="Roboto"/>
+            </a:endParaRPr>
+          </a:p>
+        </p:txBody>
+      </p:sp>
+      <p:sp>
+        <p:nvSpPr>
+          <p:cNvPr id="257" name="Google Shape;257;p33"/>
+          <p:cNvSpPr txBox="1"/>
+          <p:nvPr/>
+        </p:nvSpPr>
+        <p:spPr>
+          <a:xfrm>
+            <a:off x="652200" y="1826500"/>
+            <a:ext cx="3721800" cy="400200"/>
+          </a:xfrm>
+          <a:prstGeom prst="rect">
+            <a:avLst/>
+          </a:prstGeom>
+          <a:noFill/>
+          <a:ln>
+            <a:noFill/>
+          </a:ln>
+        </p:spPr>
+        <p:txBody>
+          <a:bodyPr anchorCtr="0" anchor="t" bIns="91425" lIns="91425" spcFirstLastPara="1" rIns="91425" wrap="square" tIns="91425">
+            <a:spAutoFit/>
+          </a:bodyPr>
+          <a:lstStyle/>
+          <a:p>
+            <a:pPr indent="0" lvl="0" marL="0" rtl="0" algn="l">
+              <a:spcBef>
+                <a:spcPts val="0"/>
+              </a:spcBef>
+              <a:spcAft>
+                <a:spcPts val="0"/>
+              </a:spcAft>
+              <a:buNone/>
+            </a:pPr>
+            <a:r>
+              <a:t/>
+            </a:r>
+            <a:endParaRPr>
+              <a:latin typeface="Roboto"/>
+              <a:ea typeface="Roboto"/>
+              <a:cs typeface="Roboto"/>
+              <a:sym typeface="Roboto"/>
+            </a:endParaRPr>
+          </a:p>
+        </p:txBody>
+      </p:sp>
+      <p:sp>
+        <p:nvSpPr>
+          <p:cNvPr id="258" name="Google Shape;258;p33"/>
+          <p:cNvSpPr txBox="1"/>
+          <p:nvPr/>
+        </p:nvSpPr>
+        <p:spPr>
+          <a:xfrm>
+            <a:off x="568200" y="1606825"/>
+            <a:ext cx="8245200" cy="400200"/>
+          </a:xfrm>
+          <a:prstGeom prst="rect">
+            <a:avLst/>
+          </a:prstGeom>
+          <a:noFill/>
+          <a:ln>
+            <a:noFill/>
+          </a:ln>
+        </p:spPr>
+        <p:txBody>
+          <a:bodyPr anchorCtr="0" anchor="t" bIns="91425" lIns="91425" spcFirstLastPara="1" rIns="91425" wrap="square" tIns="91425">
+            <a:spAutoFit/>
+          </a:bodyPr>
+          <a:lstStyle/>
+          <a:p>
+            <a:pPr indent="0" lvl="0" marL="0" rtl="0" algn="l">
+              <a:spcBef>
+                <a:spcPts val="0"/>
+              </a:spcBef>
+              <a:spcAft>
+                <a:spcPts val="0"/>
+              </a:spcAft>
+              <a:buNone/>
+            </a:pPr>
+            <a:r>
+              <a:t/>
+            </a:r>
+            <a:endParaRPr>
+              <a:solidFill>
+                <a:schemeClr val="lt1"/>
+              </a:solidFill>
+              <a:latin typeface="Roboto"/>
+              <a:ea typeface="Roboto"/>
+              <a:cs typeface="Roboto"/>
+              <a:sym typeface="Roboto"/>
+            </a:endParaRPr>
+          </a:p>
+        </p:txBody>
+      </p:sp>
+      <p:sp>
+        <p:nvSpPr>
+          <p:cNvPr id="259" name="Google Shape;259;p33"/>
+          <p:cNvSpPr txBox="1"/>
+          <p:nvPr/>
+        </p:nvSpPr>
+        <p:spPr>
+          <a:xfrm>
+            <a:off x="1059275" y="1496950"/>
+            <a:ext cx="6843000" cy="1108200"/>
+          </a:xfrm>
+          <a:prstGeom prst="rect">
+            <a:avLst/>
+          </a:prstGeom>
+          <a:noFill/>
+          <a:ln>
+            <a:noFill/>
+          </a:ln>
+        </p:spPr>
+        <p:txBody>
+          <a:bodyPr anchorCtr="0" anchor="t" bIns="91425" lIns="91425" spcFirstLastPara="1" rIns="91425" wrap="square" tIns="91425">
+            <a:spAutoFit/>
+          </a:bodyPr>
+          <a:lstStyle/>
+          <a:p>
+            <a:pPr indent="0" lvl="0" marL="0" rtl="0" algn="l">
+              <a:spcBef>
+                <a:spcPts val="0"/>
+              </a:spcBef>
+              <a:spcAft>
+                <a:spcPts val="0"/>
+              </a:spcAft>
+              <a:buNone/>
+            </a:pPr>
+            <a:r>
+              <a:rPr lang="en" sz="1500">
+                <a:solidFill>
+                  <a:schemeClr val="lt1"/>
+                </a:solidFill>
+                <a:latin typeface="Roboto"/>
+                <a:ea typeface="Roboto"/>
+                <a:cs typeface="Roboto"/>
+                <a:sym typeface="Roboto"/>
+              </a:rPr>
+              <a:t>The results of the study showed that utilitarian value significantly influences customer satisfaction and retention. </a:t>
+            </a:r>
+            <a:endParaRPr sz="1500">
+              <a:solidFill>
+                <a:schemeClr val="lt1"/>
+              </a:solidFill>
+              <a:latin typeface="Roboto"/>
+              <a:ea typeface="Roboto"/>
+              <a:cs typeface="Roboto"/>
+              <a:sym typeface="Roboto"/>
+            </a:endParaRPr>
+          </a:p>
+          <a:p>
+            <a:pPr indent="0" lvl="0" marL="0" rtl="0" algn="l">
+              <a:spcBef>
+                <a:spcPts val="0"/>
+              </a:spcBef>
+              <a:spcAft>
+                <a:spcPts val="0"/>
+              </a:spcAft>
+              <a:buNone/>
+            </a:pPr>
+            <a:r>
+              <a:t/>
+            </a:r>
+            <a:endParaRPr sz="1500">
+              <a:solidFill>
+                <a:schemeClr val="lt1"/>
+              </a:solidFill>
+              <a:latin typeface="Roboto"/>
+              <a:ea typeface="Roboto"/>
+              <a:cs typeface="Roboto"/>
+              <a:sym typeface="Roboto"/>
+            </a:endParaRPr>
+          </a:p>
+          <a:p>
+            <a:pPr indent="0" lvl="0" marL="0" rtl="0" algn="l">
+              <a:spcBef>
+                <a:spcPts val="0"/>
+              </a:spcBef>
+              <a:spcAft>
+                <a:spcPts val="0"/>
+              </a:spcAft>
+              <a:buNone/>
+            </a:pPr>
+            <a:r>
+              <a:rPr lang="en" sz="1500">
+                <a:solidFill>
+                  <a:schemeClr val="lt1"/>
+                </a:solidFill>
+                <a:latin typeface="Roboto"/>
+                <a:ea typeface="Roboto"/>
+                <a:cs typeface="Roboto"/>
+                <a:sym typeface="Roboto"/>
+              </a:rPr>
+              <a:t>Hedonic value significantly influences customer satisfaction</a:t>
+            </a:r>
+            <a:endParaRPr sz="1500">
+              <a:solidFill>
+                <a:schemeClr val="lt1"/>
+              </a:solidFill>
+              <a:latin typeface="Roboto"/>
+              <a:ea typeface="Roboto"/>
+              <a:cs typeface="Roboto"/>
+              <a:sym typeface="Roboto"/>
+            </a:endParaRPr>
+          </a:p>
+        </p:txBody>
+      </p:sp>
+    </p:spTree>
+  </p:cSld>
+  <p:clrMapOvr>
+    <a:masterClrMapping/>
+  </p:clrMapOvr>
+</p:sld>
+</file>
+
+<file path=ppt/slides/slide22.xml><?xml version="1.0" encoding="utf-8"?>
+<p:sld xmlns:a="http://schemas.openxmlformats.org/drawingml/2006/main" xmlns:r="http://schemas.openxmlformats.org/officeDocument/2006/relationships" xmlns:mc="http://schemas.openxmlformats.org/markup-compatibility/2006" xmlns:mv="urn:schemas-microsoft-com:mac:vml" xmlns:p="http://schemas.openxmlformats.org/presentationml/2006/main" xmlns:c="http://schemas.openxmlformats.org/drawingml/2006/chart" xmlns:dgm="http://schemas.openxmlformats.org/drawingml/2006/diagram" xmlns:o="urn:schemas-microsoft-com:office:office" xmlns:v="urn:schemas-microsoft-com:vml" xmlns:pvml="urn:schemas-microsoft-com:office:powerpoint" xmlns:com="http://schemas.openxmlformats.org/drawingml/2006/compatibility" xmlns:p14="http://schemas.microsoft.com/office/powerpoint/2010/main" xmlns:p15="http://schemas.microsoft.com/office/powerpoint/2012/main" xmlns:ahyp="http://schemas.microsoft.com/office/drawing/2018/hyperlinkcolor">
+  <p:cSld>
+    <p:spTree>
+      <p:nvGrpSpPr>
+        <p:cNvPr id="263" name="Shape 263"/>
+        <p:cNvGrpSpPr/>
+        <p:nvPr/>
+      </p:nvGrpSpPr>
+      <p:grpSpPr>
+        <a:xfrm>
+          <a:off x="0" y="0"/>
+          <a:ext cx="0" cy="0"/>
+          <a:chOff x="0" y="0"/>
+          <a:chExt cx="0" cy="0"/>
+        </a:xfrm>
+      </p:grpSpPr>
+      <p:sp>
+        <p:nvSpPr>
+          <p:cNvPr id="264" name="Google Shape;264;p34"/>
+          <p:cNvSpPr txBox="1"/>
+          <p:nvPr/>
+        </p:nvSpPr>
+        <p:spPr>
+          <a:xfrm>
+            <a:off x="212825" y="960650"/>
+            <a:ext cx="3263100" cy="954300"/>
+          </a:xfrm>
+          <a:prstGeom prst="rect">
+            <a:avLst/>
+          </a:prstGeom>
+          <a:noFill/>
+          <a:ln>
+            <a:noFill/>
+          </a:ln>
+        </p:spPr>
+        <p:txBody>
+          <a:bodyPr anchorCtr="0" anchor="t" bIns="91425" lIns="91425" spcFirstLastPara="1" rIns="91425" wrap="square" tIns="91425">
+            <a:spAutoFit/>
+          </a:bodyPr>
+          <a:lstStyle/>
+          <a:p>
+            <a:pPr indent="0" lvl="0" marL="0" rtl="0" algn="l">
+              <a:spcBef>
+                <a:spcPts val="1100"/>
+              </a:spcBef>
+              <a:spcAft>
+                <a:spcPts val="0"/>
+              </a:spcAft>
+              <a:buNone/>
+            </a:pPr>
+            <a:r>
+              <a:rPr b="1" lang="en" sz="1650">
+                <a:highlight>
+                  <a:srgbClr val="FFFFFF"/>
+                </a:highlight>
+              </a:rPr>
+              <a:t>Customer satisfaction (Label in our analysis)</a:t>
+            </a:r>
+            <a:endParaRPr b="1" sz="1650">
+              <a:highlight>
+                <a:srgbClr val="FFFFFF"/>
+              </a:highlight>
+            </a:endParaRPr>
+          </a:p>
+          <a:p>
+            <a:pPr indent="0" lvl="0" marL="0" rtl="0" algn="ctr">
+              <a:spcBef>
+                <a:spcPts val="0"/>
+              </a:spcBef>
+              <a:spcAft>
+                <a:spcPts val="0"/>
+              </a:spcAft>
+              <a:buNone/>
+            </a:pPr>
+            <a:r>
+              <a:t/>
+            </a:r>
+            <a:endParaRPr sz="1700">
+              <a:solidFill>
+                <a:schemeClr val="lt1"/>
+              </a:solidFill>
+              <a:latin typeface="Roboto"/>
+              <a:ea typeface="Roboto"/>
+              <a:cs typeface="Roboto"/>
+              <a:sym typeface="Roboto"/>
+            </a:endParaRPr>
+          </a:p>
+        </p:txBody>
+      </p:sp>
+      <p:sp>
+        <p:nvSpPr>
+          <p:cNvPr id="265" name="Google Shape;265;p34"/>
+          <p:cNvSpPr txBox="1"/>
+          <p:nvPr/>
+        </p:nvSpPr>
+        <p:spPr>
+          <a:xfrm>
+            <a:off x="568200" y="4443500"/>
+            <a:ext cx="8148300" cy="400200"/>
+          </a:xfrm>
+          <a:prstGeom prst="rect">
+            <a:avLst/>
+          </a:prstGeom>
+          <a:noFill/>
+          <a:ln>
+            <a:noFill/>
+          </a:ln>
+        </p:spPr>
+        <p:txBody>
+          <a:bodyPr anchorCtr="0" anchor="t" bIns="91425" lIns="91425" spcFirstLastPara="1" rIns="91425" wrap="square" tIns="91425">
+            <a:spAutoFit/>
+          </a:bodyPr>
+          <a:lstStyle/>
+          <a:p>
+            <a:pPr indent="0" lvl="0" marL="0" rtl="0" algn="l">
+              <a:spcBef>
+                <a:spcPts val="0"/>
+              </a:spcBef>
+              <a:spcAft>
+                <a:spcPts val="0"/>
+              </a:spcAft>
+              <a:buNone/>
+            </a:pPr>
+            <a:r>
+              <a:t/>
+            </a:r>
+            <a:endParaRPr>
+              <a:solidFill>
+                <a:schemeClr val="lt1"/>
+              </a:solidFill>
+              <a:latin typeface="Roboto"/>
+              <a:ea typeface="Roboto"/>
+              <a:cs typeface="Roboto"/>
+              <a:sym typeface="Roboto"/>
+            </a:endParaRPr>
+          </a:p>
+        </p:txBody>
+      </p:sp>
+      <p:sp>
+        <p:nvSpPr>
+          <p:cNvPr id="266" name="Google Shape;266;p34"/>
+          <p:cNvSpPr txBox="1"/>
+          <p:nvPr/>
+        </p:nvSpPr>
+        <p:spPr>
+          <a:xfrm>
+            <a:off x="652200" y="1826500"/>
+            <a:ext cx="3721800" cy="400200"/>
+          </a:xfrm>
+          <a:prstGeom prst="rect">
+            <a:avLst/>
+          </a:prstGeom>
+          <a:noFill/>
+          <a:ln>
+            <a:noFill/>
+          </a:ln>
+        </p:spPr>
+        <p:txBody>
+          <a:bodyPr anchorCtr="0" anchor="t" bIns="91425" lIns="91425" spcFirstLastPara="1" rIns="91425" wrap="square" tIns="91425">
+            <a:spAutoFit/>
+          </a:bodyPr>
+          <a:lstStyle/>
+          <a:p>
+            <a:pPr indent="0" lvl="0" marL="0" rtl="0" algn="l">
+              <a:spcBef>
+                <a:spcPts val="0"/>
+              </a:spcBef>
+              <a:spcAft>
+                <a:spcPts val="0"/>
+              </a:spcAft>
+              <a:buNone/>
+            </a:pPr>
+            <a:r>
+              <a:t/>
+            </a:r>
+            <a:endParaRPr>
+              <a:latin typeface="Roboto"/>
+              <a:ea typeface="Roboto"/>
+              <a:cs typeface="Roboto"/>
+              <a:sym typeface="Roboto"/>
+            </a:endParaRPr>
+          </a:p>
+        </p:txBody>
+      </p:sp>
+      <p:sp>
+        <p:nvSpPr>
+          <p:cNvPr id="267" name="Google Shape;267;p34"/>
+          <p:cNvSpPr txBox="1"/>
+          <p:nvPr/>
+        </p:nvSpPr>
+        <p:spPr>
+          <a:xfrm>
+            <a:off x="568200" y="1606825"/>
+            <a:ext cx="8245200" cy="400200"/>
+          </a:xfrm>
+          <a:prstGeom prst="rect">
+            <a:avLst/>
+          </a:prstGeom>
+          <a:noFill/>
+          <a:ln>
+            <a:noFill/>
+          </a:ln>
+        </p:spPr>
+        <p:txBody>
+          <a:bodyPr anchorCtr="0" anchor="t" bIns="91425" lIns="91425" spcFirstLastPara="1" rIns="91425" wrap="square" tIns="91425">
+            <a:spAutoFit/>
+          </a:bodyPr>
+          <a:lstStyle/>
+          <a:p>
+            <a:pPr indent="0" lvl="0" marL="0" rtl="0" algn="l">
+              <a:spcBef>
+                <a:spcPts val="0"/>
+              </a:spcBef>
+              <a:spcAft>
+                <a:spcPts val="0"/>
+              </a:spcAft>
+              <a:buNone/>
+            </a:pPr>
+            <a:r>
+              <a:t/>
+            </a:r>
+            <a:endParaRPr>
+              <a:solidFill>
+                <a:schemeClr val="lt1"/>
+              </a:solidFill>
+              <a:latin typeface="Roboto"/>
+              <a:ea typeface="Roboto"/>
+              <a:cs typeface="Roboto"/>
+              <a:sym typeface="Roboto"/>
+            </a:endParaRPr>
+          </a:p>
+        </p:txBody>
+      </p:sp>
+      <p:sp>
+        <p:nvSpPr>
+          <p:cNvPr id="268" name="Google Shape;268;p34"/>
+          <p:cNvSpPr txBox="1"/>
+          <p:nvPr/>
+        </p:nvSpPr>
+        <p:spPr>
+          <a:xfrm>
+            <a:off x="148150" y="2364000"/>
+            <a:ext cx="6843000" cy="415500"/>
+          </a:xfrm>
+          <a:prstGeom prst="rect">
+            <a:avLst/>
+          </a:prstGeom>
+          <a:noFill/>
+          <a:ln>
+            <a:noFill/>
+          </a:ln>
+        </p:spPr>
+        <p:txBody>
+          <a:bodyPr anchorCtr="0" anchor="t" bIns="91425" lIns="91425" spcFirstLastPara="1" rIns="91425" wrap="square" tIns="91425">
+            <a:spAutoFit/>
+          </a:bodyPr>
+          <a:lstStyle/>
+          <a:p>
+            <a:pPr indent="0" lvl="0" marL="0" rtl="0" algn="l">
+              <a:spcBef>
+                <a:spcPts val="0"/>
+              </a:spcBef>
+              <a:spcAft>
+                <a:spcPts val="0"/>
+              </a:spcAft>
+              <a:buNone/>
+            </a:pPr>
+            <a:r>
+              <a:rPr lang="en" sz="1500">
+                <a:solidFill>
+                  <a:schemeClr val="lt1"/>
+                </a:solidFill>
+                <a:latin typeface="Roboto"/>
+                <a:ea typeface="Roboto"/>
+                <a:cs typeface="Roboto"/>
+                <a:sym typeface="Roboto"/>
+              </a:rPr>
+              <a:t>Graphical Representation of recommendation</a:t>
+            </a:r>
+            <a:endParaRPr sz="1500">
+              <a:solidFill>
+                <a:schemeClr val="lt1"/>
+              </a:solidFill>
+              <a:latin typeface="Roboto"/>
+              <a:ea typeface="Roboto"/>
+              <a:cs typeface="Roboto"/>
+              <a:sym typeface="Roboto"/>
+            </a:endParaRPr>
+          </a:p>
+        </p:txBody>
+      </p:sp>
+      <p:pic>
+        <p:nvPicPr>
+          <p:cNvPr id="269" name="Google Shape;269;p34"/>
+          <p:cNvPicPr preferRelativeResize="0"/>
+          <p:nvPr/>
+        </p:nvPicPr>
+        <p:blipFill>
+          <a:blip r:embed="rId3">
+            <a:alphaModFix/>
+          </a:blip>
+          <a:stretch>
+            <a:fillRect/>
+          </a:stretch>
+        </p:blipFill>
+        <p:spPr>
+          <a:xfrm>
+            <a:off x="4191375" y="90475"/>
+            <a:ext cx="3505200" cy="5086350"/>
+          </a:xfrm>
+          <a:prstGeom prst="rect">
+            <a:avLst/>
+          </a:prstGeom>
+          <a:noFill/>
+          <a:ln>
+            <a:noFill/>
+          </a:ln>
+        </p:spPr>
+      </p:pic>
+    </p:spTree>
+  </p:cSld>
+  <p:clrMapOvr>
+    <a:masterClrMapping/>
+  </p:clrMapOvr>
+</p:sld>
+</file>
+
+<file path=ppt/slides/slide23.xml><?xml version="1.0" encoding="utf-8"?>
+<p:sld xmlns:a="http://schemas.openxmlformats.org/drawingml/2006/main" xmlns:r="http://schemas.openxmlformats.org/officeDocument/2006/relationships" xmlns:mc="http://schemas.openxmlformats.org/markup-compatibility/2006" xmlns:mv="urn:schemas-microsoft-com:mac:vml" xmlns:p="http://schemas.openxmlformats.org/presentationml/2006/main" xmlns:c="http://schemas.openxmlformats.org/drawingml/2006/chart" xmlns:dgm="http://schemas.openxmlformats.org/drawingml/2006/diagram" xmlns:o="urn:schemas-microsoft-com:office:office" xmlns:v="urn:schemas-microsoft-com:vml" xmlns:pvml="urn:schemas-microsoft-com:office:powerpoint" xmlns:com="http://schemas.openxmlformats.org/drawingml/2006/compatibility" xmlns:p14="http://schemas.microsoft.com/office/powerpoint/2010/main" xmlns:p15="http://schemas.microsoft.com/office/powerpoint/2012/main" xmlns:ahyp="http://schemas.microsoft.com/office/drawing/2018/hyperlinkcolor">
+  <p:cSld>
+    <p:spTree>
+      <p:nvGrpSpPr>
+        <p:cNvPr id="273" name="Shape 273"/>
+        <p:cNvGrpSpPr/>
+        <p:nvPr/>
+      </p:nvGrpSpPr>
+      <p:grpSpPr>
+        <a:xfrm>
+          <a:off x="0" y="0"/>
+          <a:ext cx="0" cy="0"/>
+          <a:chOff x="0" y="0"/>
+          <a:chExt cx="0" cy="0"/>
+        </a:xfrm>
+      </p:grpSpPr>
+      <p:sp>
+        <p:nvSpPr>
+          <p:cNvPr id="274" name="Google Shape;274;p35"/>
+          <p:cNvSpPr txBox="1"/>
+          <p:nvPr>
+            <p:ph type="title"/>
+          </p:nvPr>
+        </p:nvSpPr>
+        <p:spPr>
+          <a:xfrm>
+            <a:off x="544775" y="1177850"/>
+            <a:ext cx="3837000" cy="1564500"/>
+          </a:xfrm>
+          <a:prstGeom prst="rect">
+            <a:avLst/>
+          </a:prstGeom>
+        </p:spPr>
+        <p:txBody>
+          <a:bodyPr anchorCtr="0" anchor="ctr" bIns="91425" lIns="91425" spcFirstLastPara="1" rIns="91425" wrap="square" tIns="91425">
+            <a:noAutofit/>
+          </a:bodyPr>
+          <a:lstStyle/>
+          <a:p>
+            <a:pPr indent="0" lvl="0" marL="0" rtl="0" algn="l">
+              <a:spcBef>
+                <a:spcPts val="0"/>
+              </a:spcBef>
+              <a:spcAft>
+                <a:spcPts val="0"/>
+              </a:spcAft>
+              <a:buNone/>
+            </a:pPr>
+            <a:r>
+              <a:rPr lang="en" sz="3100"/>
+              <a:t>Analysis and </a:t>
+            </a:r>
+            <a:r>
+              <a:rPr lang="en" sz="3100"/>
+              <a:t>distribution</a:t>
+            </a:r>
+            <a:r>
+              <a:rPr lang="en" sz="3100"/>
+              <a:t> based on the customer reviews and Label</a:t>
+            </a:r>
+            <a:endParaRPr sz="3100"/>
+          </a:p>
+        </p:txBody>
+      </p:sp>
+      <p:sp>
+        <p:nvSpPr>
+          <p:cNvPr id="275" name="Google Shape;275;p35"/>
+          <p:cNvSpPr txBox="1"/>
+          <p:nvPr>
+            <p:ph idx="2" type="body"/>
+          </p:nvPr>
+        </p:nvSpPr>
+        <p:spPr>
+          <a:xfrm>
+            <a:off x="4939500" y="724200"/>
+            <a:ext cx="3837000" cy="3695100"/>
+          </a:xfrm>
+          <a:prstGeom prst="rect">
+            <a:avLst/>
+          </a:prstGeom>
+        </p:spPr>
+        <p:txBody>
+          <a:bodyPr anchorCtr="0" anchor="ctr" bIns="91425" lIns="91425" spcFirstLastPara="1" rIns="91425" wrap="square" tIns="91425">
+            <a:noAutofit/>
+          </a:bodyPr>
+          <a:lstStyle/>
+          <a:p>
+            <a:pPr indent="0" lvl="0" marL="0" rtl="0" algn="l">
+              <a:lnSpc>
+                <a:spcPct val="100000"/>
+              </a:lnSpc>
+              <a:spcBef>
+                <a:spcPts val="0"/>
+              </a:spcBef>
+              <a:spcAft>
+                <a:spcPts val="0"/>
+              </a:spcAft>
+              <a:buNone/>
+            </a:pPr>
+            <a:r>
+              <a:rPr lang="en" sz="1350">
+                <a:latin typeface="Arial"/>
+                <a:ea typeface="Arial"/>
+                <a:cs typeface="Arial"/>
+                <a:sym typeface="Arial"/>
+              </a:rPr>
+              <a:t>Factors extracted for graphical representation:</a:t>
+            </a:r>
+            <a:endParaRPr sz="1350">
+              <a:latin typeface="Arial"/>
+              <a:ea typeface="Arial"/>
+              <a:cs typeface="Arial"/>
+              <a:sym typeface="Arial"/>
+            </a:endParaRPr>
+          </a:p>
+          <a:p>
+            <a:pPr indent="0" lvl="0" marL="0" rtl="0" algn="l">
+              <a:lnSpc>
+                <a:spcPct val="100000"/>
+              </a:lnSpc>
+              <a:spcBef>
+                <a:spcPts val="0"/>
+              </a:spcBef>
+              <a:spcAft>
+                <a:spcPts val="0"/>
+              </a:spcAft>
+              <a:buNone/>
+            </a:pPr>
+            <a:r>
+              <a:t/>
+            </a:r>
+            <a:endParaRPr sz="1350">
+              <a:latin typeface="Arial"/>
+              <a:ea typeface="Arial"/>
+              <a:cs typeface="Arial"/>
+              <a:sym typeface="Arial"/>
+            </a:endParaRPr>
+          </a:p>
+          <a:p>
+            <a:pPr indent="-314325" lvl="0" marL="457200" rtl="0" algn="l">
+              <a:lnSpc>
+                <a:spcPct val="100000"/>
+              </a:lnSpc>
+              <a:spcBef>
+                <a:spcPts val="0"/>
+              </a:spcBef>
+              <a:spcAft>
+                <a:spcPts val="0"/>
+              </a:spcAft>
+              <a:buClr>
+                <a:schemeClr val="lt1"/>
+              </a:buClr>
+              <a:buSzPts val="1350"/>
+              <a:buFont typeface="Arial"/>
+              <a:buAutoNum type="arabicPeriod"/>
+            </a:pPr>
+            <a:r>
+              <a:rPr lang="en" sz="1350">
+                <a:latin typeface="Arial"/>
+                <a:ea typeface="Arial"/>
+                <a:cs typeface="Arial"/>
+                <a:sym typeface="Arial"/>
+              </a:rPr>
+              <a:t>Easy to use</a:t>
+            </a:r>
+            <a:endParaRPr sz="1350">
+              <a:latin typeface="Arial"/>
+              <a:ea typeface="Arial"/>
+              <a:cs typeface="Arial"/>
+              <a:sym typeface="Arial"/>
+            </a:endParaRPr>
+          </a:p>
+          <a:p>
+            <a:pPr indent="-314325" lvl="0" marL="457200" rtl="0" algn="l">
+              <a:lnSpc>
+                <a:spcPct val="100000"/>
+              </a:lnSpc>
+              <a:spcBef>
+                <a:spcPts val="0"/>
+              </a:spcBef>
+              <a:spcAft>
+                <a:spcPts val="0"/>
+              </a:spcAft>
+              <a:buClr>
+                <a:schemeClr val="lt1"/>
+              </a:buClr>
+              <a:buSzPts val="1350"/>
+              <a:buFont typeface="Arial"/>
+              <a:buAutoNum type="arabicPeriod"/>
+            </a:pPr>
+            <a:r>
+              <a:rPr lang="en" sz="1350">
+                <a:latin typeface="Arial"/>
+                <a:ea typeface="Arial"/>
+                <a:cs typeface="Arial"/>
+                <a:sym typeface="Arial"/>
+              </a:rPr>
+              <a:t>Visually Appealing</a:t>
+            </a:r>
+            <a:endParaRPr sz="1350">
+              <a:latin typeface="Arial"/>
+              <a:ea typeface="Arial"/>
+              <a:cs typeface="Arial"/>
+              <a:sym typeface="Arial"/>
+            </a:endParaRPr>
+          </a:p>
+          <a:p>
+            <a:pPr indent="-314325" lvl="0" marL="457200" rtl="0" algn="l">
+              <a:lnSpc>
+                <a:spcPct val="100000"/>
+              </a:lnSpc>
+              <a:spcBef>
+                <a:spcPts val="0"/>
+              </a:spcBef>
+              <a:spcAft>
+                <a:spcPts val="0"/>
+              </a:spcAft>
+              <a:buClr>
+                <a:schemeClr val="lt1"/>
+              </a:buClr>
+              <a:buSzPts val="1350"/>
+              <a:buFont typeface="Arial"/>
+              <a:buAutoNum type="arabicPeriod"/>
+            </a:pPr>
+            <a:r>
+              <a:rPr lang="en" sz="1350">
+                <a:latin typeface="Arial"/>
+                <a:ea typeface="Arial"/>
+                <a:cs typeface="Arial"/>
+                <a:sym typeface="Arial"/>
+              </a:rPr>
+              <a:t>Variety of Products</a:t>
+            </a:r>
+            <a:endParaRPr sz="1350">
+              <a:latin typeface="Arial"/>
+              <a:ea typeface="Arial"/>
+              <a:cs typeface="Arial"/>
+              <a:sym typeface="Arial"/>
+            </a:endParaRPr>
+          </a:p>
+          <a:p>
+            <a:pPr indent="-314325" lvl="0" marL="457200" rtl="0" algn="l">
+              <a:lnSpc>
+                <a:spcPct val="100000"/>
+              </a:lnSpc>
+              <a:spcBef>
+                <a:spcPts val="0"/>
+              </a:spcBef>
+              <a:spcAft>
+                <a:spcPts val="0"/>
+              </a:spcAft>
+              <a:buClr>
+                <a:schemeClr val="lt1"/>
+              </a:buClr>
+              <a:buSzPts val="1350"/>
+              <a:buFont typeface="Arial"/>
+              <a:buAutoNum type="arabicPeriod"/>
+            </a:pPr>
+            <a:r>
+              <a:rPr lang="en" sz="1350">
+                <a:latin typeface="Arial"/>
+                <a:ea typeface="Arial"/>
+                <a:cs typeface="Arial"/>
+                <a:sym typeface="Arial"/>
+              </a:rPr>
+              <a:t>Loading Speed</a:t>
+            </a:r>
+            <a:endParaRPr sz="1350">
+              <a:latin typeface="Arial"/>
+              <a:ea typeface="Arial"/>
+              <a:cs typeface="Arial"/>
+              <a:sym typeface="Arial"/>
+            </a:endParaRPr>
+          </a:p>
+          <a:p>
+            <a:pPr indent="-314325" lvl="0" marL="457200" rtl="0" algn="l">
+              <a:lnSpc>
+                <a:spcPct val="100000"/>
+              </a:lnSpc>
+              <a:spcBef>
+                <a:spcPts val="0"/>
+              </a:spcBef>
+              <a:spcAft>
+                <a:spcPts val="0"/>
+              </a:spcAft>
+              <a:buClr>
+                <a:schemeClr val="lt1"/>
+              </a:buClr>
+              <a:buSzPts val="1350"/>
+              <a:buFont typeface="Arial"/>
+              <a:buAutoNum type="arabicPeriod"/>
+            </a:pPr>
+            <a:r>
+              <a:rPr lang="en" sz="1350">
+                <a:latin typeface="Arial"/>
+                <a:ea typeface="Arial"/>
+                <a:cs typeface="Arial"/>
+                <a:sym typeface="Arial"/>
+              </a:rPr>
+              <a:t>Reliability</a:t>
+            </a:r>
+            <a:endParaRPr sz="1350">
+              <a:latin typeface="Arial"/>
+              <a:ea typeface="Arial"/>
+              <a:cs typeface="Arial"/>
+              <a:sym typeface="Arial"/>
+            </a:endParaRPr>
+          </a:p>
+          <a:p>
+            <a:pPr indent="-314325" lvl="0" marL="457200" rtl="0" algn="l">
+              <a:lnSpc>
+                <a:spcPct val="100000"/>
+              </a:lnSpc>
+              <a:spcBef>
+                <a:spcPts val="0"/>
+              </a:spcBef>
+              <a:spcAft>
+                <a:spcPts val="0"/>
+              </a:spcAft>
+              <a:buClr>
+                <a:schemeClr val="lt1"/>
+              </a:buClr>
+              <a:buSzPts val="1350"/>
+              <a:buFont typeface="Arial"/>
+              <a:buAutoNum type="arabicPeriod"/>
+            </a:pPr>
+            <a:r>
+              <a:rPr lang="en" sz="1350">
+                <a:latin typeface="Arial"/>
+                <a:ea typeface="Arial"/>
+                <a:cs typeface="Arial"/>
+                <a:sym typeface="Arial"/>
+              </a:rPr>
+              <a:t>Delivery Speed</a:t>
+            </a:r>
+            <a:endParaRPr sz="1350">
+              <a:latin typeface="Arial"/>
+              <a:ea typeface="Arial"/>
+              <a:cs typeface="Arial"/>
+              <a:sym typeface="Arial"/>
+            </a:endParaRPr>
+          </a:p>
+          <a:p>
+            <a:pPr indent="-314325" lvl="0" marL="457200" rtl="0" algn="l">
+              <a:lnSpc>
+                <a:spcPct val="100000"/>
+              </a:lnSpc>
+              <a:spcBef>
+                <a:spcPts val="0"/>
+              </a:spcBef>
+              <a:spcAft>
+                <a:spcPts val="0"/>
+              </a:spcAft>
+              <a:buClr>
+                <a:schemeClr val="lt1"/>
+              </a:buClr>
+              <a:buSzPts val="1350"/>
+              <a:buFont typeface="Arial"/>
+              <a:buAutoNum type="arabicPeriod"/>
+            </a:pPr>
+            <a:r>
+              <a:rPr lang="en" sz="1350">
+                <a:latin typeface="Arial"/>
+                <a:ea typeface="Arial"/>
+                <a:cs typeface="Arial"/>
+                <a:sym typeface="Arial"/>
+              </a:rPr>
+              <a:t>Privacy and security</a:t>
+            </a:r>
+            <a:endParaRPr sz="1350">
+              <a:latin typeface="Arial"/>
+              <a:ea typeface="Arial"/>
+              <a:cs typeface="Arial"/>
+              <a:sym typeface="Arial"/>
+            </a:endParaRPr>
+          </a:p>
+          <a:p>
+            <a:pPr indent="-314325" lvl="0" marL="457200" rtl="0" algn="l">
+              <a:lnSpc>
+                <a:spcPct val="100000"/>
+              </a:lnSpc>
+              <a:spcBef>
+                <a:spcPts val="0"/>
+              </a:spcBef>
+              <a:spcAft>
+                <a:spcPts val="0"/>
+              </a:spcAft>
+              <a:buClr>
+                <a:schemeClr val="lt1"/>
+              </a:buClr>
+              <a:buSzPts val="1350"/>
+              <a:buFont typeface="Arial"/>
+              <a:buAutoNum type="arabicPeriod"/>
+            </a:pPr>
+            <a:r>
+              <a:rPr lang="en" sz="1350">
+                <a:latin typeface="Arial"/>
+                <a:ea typeface="Arial"/>
+                <a:cs typeface="Arial"/>
+                <a:sym typeface="Arial"/>
+              </a:rPr>
+              <a:t>Trust</a:t>
+            </a:r>
+            <a:endParaRPr sz="1350">
+              <a:latin typeface="Arial"/>
+              <a:ea typeface="Arial"/>
+              <a:cs typeface="Arial"/>
+              <a:sym typeface="Arial"/>
+            </a:endParaRPr>
+          </a:p>
+          <a:p>
+            <a:pPr indent="-314325" lvl="0" marL="457200" rtl="0" algn="l">
+              <a:lnSpc>
+                <a:spcPct val="100000"/>
+              </a:lnSpc>
+              <a:spcBef>
+                <a:spcPts val="0"/>
+              </a:spcBef>
+              <a:spcAft>
+                <a:spcPts val="0"/>
+              </a:spcAft>
+              <a:buClr>
+                <a:schemeClr val="lt1"/>
+              </a:buClr>
+              <a:buSzPts val="1350"/>
+              <a:buFont typeface="Arial"/>
+              <a:buAutoNum type="arabicPeriod"/>
+            </a:pPr>
+            <a:r>
+              <a:rPr lang="en" sz="1350">
+                <a:latin typeface="Arial"/>
+                <a:ea typeface="Arial"/>
+                <a:cs typeface="Arial"/>
+                <a:sym typeface="Arial"/>
+              </a:rPr>
+              <a:t>Online support and assistance</a:t>
+            </a:r>
+            <a:endParaRPr sz="1350">
+              <a:latin typeface="Arial"/>
+              <a:ea typeface="Arial"/>
+              <a:cs typeface="Arial"/>
+              <a:sym typeface="Arial"/>
+            </a:endParaRPr>
+          </a:p>
+          <a:p>
+            <a:pPr indent="0" lvl="0" marL="457200" rtl="0" algn="l">
+              <a:lnSpc>
+                <a:spcPct val="100000"/>
+              </a:lnSpc>
+              <a:spcBef>
+                <a:spcPts val="0"/>
+              </a:spcBef>
+              <a:spcAft>
+                <a:spcPts val="0"/>
+              </a:spcAft>
+              <a:buNone/>
+            </a:pPr>
+            <a:r>
+              <a:t/>
+            </a:r>
+            <a:endParaRPr sz="1350">
+              <a:latin typeface="Arial"/>
+              <a:ea typeface="Arial"/>
+              <a:cs typeface="Arial"/>
+              <a:sym typeface="Arial"/>
+            </a:endParaRPr>
+          </a:p>
+          <a:p>
+            <a:pPr indent="0" lvl="0" marL="457200" rtl="0" algn="l">
+              <a:lnSpc>
+                <a:spcPct val="100000"/>
+              </a:lnSpc>
+              <a:spcBef>
+                <a:spcPts val="0"/>
+              </a:spcBef>
+              <a:spcAft>
+                <a:spcPts val="0"/>
+              </a:spcAft>
+              <a:buNone/>
+            </a:pPr>
+            <a:r>
+              <a:t/>
+            </a:r>
+            <a:endParaRPr sz="1350">
+              <a:latin typeface="Arial"/>
+              <a:ea typeface="Arial"/>
+              <a:cs typeface="Arial"/>
+              <a:sym typeface="Arial"/>
+            </a:endParaRPr>
+          </a:p>
+          <a:p>
+            <a:pPr indent="0" lvl="0" marL="0" rtl="0" algn="l">
+              <a:spcBef>
+                <a:spcPts val="0"/>
+              </a:spcBef>
+              <a:spcAft>
+                <a:spcPts val="1600"/>
+              </a:spcAft>
+              <a:buNone/>
+            </a:pPr>
+            <a:r>
+              <a:t/>
+            </a:r>
+            <a:endParaRPr sz="2100">
+              <a:latin typeface="Arial"/>
+              <a:ea typeface="Arial"/>
+              <a:cs typeface="Arial"/>
+              <a:sym typeface="Arial"/>
+            </a:endParaRPr>
+          </a:p>
+        </p:txBody>
+      </p:sp>
+      <p:sp>
+        <p:nvSpPr>
+          <p:cNvPr id="276" name="Google Shape;276;p35"/>
+          <p:cNvSpPr txBox="1"/>
+          <p:nvPr/>
+        </p:nvSpPr>
+        <p:spPr>
+          <a:xfrm>
+            <a:off x="602375" y="3067150"/>
+            <a:ext cx="3721800" cy="323100"/>
+          </a:xfrm>
+          <a:prstGeom prst="rect">
+            <a:avLst/>
+          </a:prstGeom>
+          <a:noFill/>
+          <a:ln>
+            <a:noFill/>
+          </a:ln>
+        </p:spPr>
+        <p:txBody>
+          <a:bodyPr anchorCtr="0" anchor="t" bIns="91425" lIns="91425" spcFirstLastPara="1" rIns="91425" wrap="square" tIns="91425">
+            <a:spAutoFit/>
+          </a:bodyPr>
+          <a:lstStyle/>
+          <a:p>
+            <a:pPr indent="0" lvl="0" marL="0" rtl="0" algn="l">
+              <a:spcBef>
+                <a:spcPts val="0"/>
+              </a:spcBef>
+              <a:spcAft>
+                <a:spcPts val="0"/>
+              </a:spcAft>
+              <a:buNone/>
+            </a:pPr>
+            <a:r>
+              <a:rPr lang="en" sz="900">
+                <a:latin typeface="Roboto"/>
+                <a:ea typeface="Roboto"/>
+                <a:cs typeface="Roboto"/>
+                <a:sym typeface="Roboto"/>
+              </a:rPr>
+              <a:t>Visualization of these extracted data </a:t>
+            </a:r>
+            <a:r>
+              <a:rPr lang="en" sz="900">
+                <a:latin typeface="Roboto"/>
+                <a:ea typeface="Roboto"/>
+                <a:cs typeface="Roboto"/>
+                <a:sym typeface="Roboto"/>
+              </a:rPr>
+              <a:t>against</a:t>
+            </a:r>
+            <a:r>
+              <a:rPr lang="en" sz="900">
+                <a:latin typeface="Roboto"/>
+                <a:ea typeface="Roboto"/>
+                <a:cs typeface="Roboto"/>
+                <a:sym typeface="Roboto"/>
+              </a:rPr>
+              <a:t> the Label</a:t>
+            </a:r>
+            <a:endParaRPr sz="900">
+              <a:latin typeface="Roboto"/>
+              <a:ea typeface="Roboto"/>
+              <a:cs typeface="Roboto"/>
+              <a:sym typeface="Roboto"/>
+            </a:endParaRPr>
+          </a:p>
+        </p:txBody>
+      </p:sp>
+    </p:spTree>
+  </p:cSld>
+  <p:clrMapOvr>
+    <a:masterClrMapping/>
+  </p:clrMapOvr>
+</p:sld>
+</file>
+
+<file path=ppt/slides/slide24.xml><?xml version="1.0" encoding="utf-8"?>
+<p:sld xmlns:a="http://schemas.openxmlformats.org/drawingml/2006/main" xmlns:r="http://schemas.openxmlformats.org/officeDocument/2006/relationships" xmlns:mc="http://schemas.openxmlformats.org/markup-compatibility/2006" xmlns:mv="urn:schemas-microsoft-com:mac:vml" xmlns:p="http://schemas.openxmlformats.org/presentationml/2006/main" xmlns:c="http://schemas.openxmlformats.org/drawingml/2006/chart" xmlns:dgm="http://schemas.openxmlformats.org/drawingml/2006/diagram" xmlns:o="urn:schemas-microsoft-com:office:office" xmlns:v="urn:schemas-microsoft-com:vml" xmlns:pvml="urn:schemas-microsoft-com:office:powerpoint" xmlns:com="http://schemas.openxmlformats.org/drawingml/2006/compatibility" xmlns:p14="http://schemas.microsoft.com/office/powerpoint/2010/main" xmlns:p15="http://schemas.microsoft.com/office/powerpoint/2012/main" xmlns:ahyp="http://schemas.microsoft.com/office/drawing/2018/hyperlinkcolor">
+  <p:cSld>
+    <p:bg>
+      <p:bgPr>
+        <a:solidFill>
+          <a:schemeClr val="lt1"/>
+        </a:solidFill>
+      </p:bgPr>
+    </p:bg>
+    <p:spTree>
+      <p:nvGrpSpPr>
+        <p:cNvPr id="280" name="Shape 280"/>
+        <p:cNvGrpSpPr/>
+        <p:nvPr/>
+      </p:nvGrpSpPr>
+      <p:grpSpPr>
+        <a:xfrm>
+          <a:off x="0" y="0"/>
+          <a:ext cx="0" cy="0"/>
+          <a:chOff x="0" y="0"/>
+          <a:chExt cx="0" cy="0"/>
+        </a:xfrm>
+      </p:grpSpPr>
+      <p:sp>
+        <p:nvSpPr>
+          <p:cNvPr id="281" name="Google Shape;281;p36"/>
+          <p:cNvSpPr txBox="1"/>
+          <p:nvPr/>
+        </p:nvSpPr>
+        <p:spPr>
+          <a:xfrm>
+            <a:off x="1036586" y="320924"/>
+            <a:ext cx="5801100" cy="400200"/>
+          </a:xfrm>
+          <a:prstGeom prst="rect">
+            <a:avLst/>
+          </a:prstGeom>
+          <a:noFill/>
+          <a:ln>
+            <a:noFill/>
+          </a:ln>
+        </p:spPr>
+        <p:txBody>
+          <a:bodyPr anchorCtr="0" anchor="t" bIns="91425" lIns="91425" spcFirstLastPara="1" rIns="91425" wrap="square" tIns="91425">
+            <a:spAutoFit/>
+          </a:bodyPr>
+          <a:lstStyle/>
+          <a:p>
+            <a:pPr indent="0" lvl="0" marL="0" rtl="0" algn="ctr">
+              <a:spcBef>
+                <a:spcPts val="0"/>
+              </a:spcBef>
+              <a:spcAft>
+                <a:spcPts val="0"/>
+              </a:spcAft>
+              <a:buNone/>
+            </a:pPr>
+            <a:r>
+              <a:rPr b="1" lang="en">
+                <a:solidFill>
+                  <a:schemeClr val="dk1"/>
+                </a:solidFill>
+                <a:latin typeface="Roboto"/>
+                <a:ea typeface="Roboto"/>
+                <a:cs typeface="Roboto"/>
+                <a:sym typeface="Roboto"/>
+              </a:rPr>
+              <a:t>GRAPHICAL REPRESENTATION</a:t>
+            </a:r>
+            <a:endParaRPr b="1">
+              <a:solidFill>
+                <a:schemeClr val="dk1"/>
+              </a:solidFill>
+              <a:latin typeface="Roboto"/>
+              <a:ea typeface="Roboto"/>
+              <a:cs typeface="Roboto"/>
+              <a:sym typeface="Roboto"/>
+            </a:endParaRPr>
+          </a:p>
+        </p:txBody>
+      </p:sp>
+      <p:sp>
+        <p:nvSpPr>
+          <p:cNvPr id="282" name="Google Shape;282;p36"/>
+          <p:cNvSpPr txBox="1"/>
+          <p:nvPr/>
+        </p:nvSpPr>
+        <p:spPr>
+          <a:xfrm>
+            <a:off x="2684369" y="4798641"/>
+            <a:ext cx="4987800" cy="400200"/>
+          </a:xfrm>
+          <a:prstGeom prst="rect">
+            <a:avLst/>
+          </a:prstGeom>
+          <a:noFill/>
+          <a:ln>
+            <a:noFill/>
+          </a:ln>
+        </p:spPr>
+        <p:txBody>
+          <a:bodyPr anchorCtr="0" anchor="t" bIns="91425" lIns="91425" spcFirstLastPara="1" rIns="91425" wrap="square" tIns="91425">
+            <a:spAutoFit/>
+          </a:bodyPr>
+          <a:lstStyle/>
+          <a:p>
+            <a:pPr indent="0" lvl="0" marL="0" rtl="0" algn="l">
+              <a:spcBef>
+                <a:spcPts val="0"/>
+              </a:spcBef>
+              <a:spcAft>
+                <a:spcPts val="0"/>
+              </a:spcAft>
+              <a:buNone/>
+            </a:pPr>
+            <a:r>
+              <a:t/>
+            </a:r>
+            <a:endParaRPr>
+              <a:solidFill>
+                <a:schemeClr val="lt1"/>
+              </a:solidFill>
+              <a:latin typeface="Roboto"/>
+              <a:ea typeface="Roboto"/>
+              <a:cs typeface="Roboto"/>
+              <a:sym typeface="Roboto"/>
+            </a:endParaRPr>
+          </a:p>
+        </p:txBody>
+      </p:sp>
+      <p:pic>
+        <p:nvPicPr>
+          <p:cNvPr id="283" name="Google Shape;283;p36"/>
+          <p:cNvPicPr preferRelativeResize="0"/>
+          <p:nvPr/>
+        </p:nvPicPr>
+        <p:blipFill>
+          <a:blip r:embed="rId3">
+            <a:alphaModFix/>
+          </a:blip>
+          <a:stretch>
+            <a:fillRect/>
+          </a:stretch>
+        </p:blipFill>
+        <p:spPr>
+          <a:xfrm>
+            <a:off x="69325" y="930949"/>
+            <a:ext cx="4175425" cy="3360471"/>
+          </a:xfrm>
+          <a:prstGeom prst="rect">
+            <a:avLst/>
+          </a:prstGeom>
+          <a:noFill/>
+          <a:ln>
+            <a:noFill/>
+          </a:ln>
+        </p:spPr>
+      </p:pic>
+      <p:pic>
+        <p:nvPicPr>
+          <p:cNvPr id="284" name="Google Shape;284;p36"/>
+          <p:cNvPicPr preferRelativeResize="0"/>
+          <p:nvPr/>
+        </p:nvPicPr>
+        <p:blipFill>
+          <a:blip r:embed="rId4">
+            <a:alphaModFix/>
+          </a:blip>
+          <a:stretch>
+            <a:fillRect/>
+          </a:stretch>
+        </p:blipFill>
+        <p:spPr>
+          <a:xfrm>
+            <a:off x="4244759" y="905675"/>
+            <a:ext cx="4837066" cy="3892976"/>
+          </a:xfrm>
+          <a:prstGeom prst="rect">
+            <a:avLst/>
+          </a:prstGeom>
+          <a:noFill/>
+          <a:ln>
+            <a:noFill/>
+          </a:ln>
+        </p:spPr>
+      </p:pic>
+    </p:spTree>
+  </p:cSld>
+  <p:clrMapOvr>
+    <a:masterClrMapping/>
+  </p:clrMapOvr>
+</p:sld>
+</file>
+
+<file path=ppt/slides/slide25.xml><?xml version="1.0" encoding="utf-8"?>
+<p:sld xmlns:a="http://schemas.openxmlformats.org/drawingml/2006/main" xmlns:r="http://schemas.openxmlformats.org/officeDocument/2006/relationships" xmlns:mc="http://schemas.openxmlformats.org/markup-compatibility/2006" xmlns:mv="urn:schemas-microsoft-com:mac:vml" xmlns:p="http://schemas.openxmlformats.org/presentationml/2006/main" xmlns:c="http://schemas.openxmlformats.org/drawingml/2006/chart" xmlns:dgm="http://schemas.openxmlformats.org/drawingml/2006/diagram" xmlns:o="urn:schemas-microsoft-com:office:office" xmlns:v="urn:schemas-microsoft-com:vml" xmlns:pvml="urn:schemas-microsoft-com:office:powerpoint" xmlns:com="http://schemas.openxmlformats.org/drawingml/2006/compatibility" xmlns:p14="http://schemas.microsoft.com/office/powerpoint/2010/main" xmlns:p15="http://schemas.microsoft.com/office/powerpoint/2012/main" xmlns:ahyp="http://schemas.microsoft.com/office/drawing/2018/hyperlinkcolor">
+  <p:cSld>
+    <p:bg>
+      <p:bgPr>
+        <a:solidFill>
+          <a:schemeClr val="lt1"/>
+        </a:solidFill>
+      </p:bgPr>
+    </p:bg>
+    <p:spTree>
+      <p:nvGrpSpPr>
+        <p:cNvPr id="288" name="Shape 288"/>
+        <p:cNvGrpSpPr/>
+        <p:nvPr/>
+      </p:nvGrpSpPr>
+      <p:grpSpPr>
+        <a:xfrm>
+          <a:off x="0" y="0"/>
+          <a:ext cx="0" cy="0"/>
+          <a:chOff x="0" y="0"/>
+          <a:chExt cx="0" cy="0"/>
+        </a:xfrm>
+      </p:grpSpPr>
+      <p:sp>
+        <p:nvSpPr>
+          <p:cNvPr id="289" name="Google Shape;289;p37"/>
+          <p:cNvSpPr txBox="1"/>
+          <p:nvPr/>
+        </p:nvSpPr>
+        <p:spPr>
+          <a:xfrm>
+            <a:off x="1036586" y="320924"/>
+            <a:ext cx="5801100" cy="400200"/>
+          </a:xfrm>
+          <a:prstGeom prst="rect">
+            <a:avLst/>
+          </a:prstGeom>
+          <a:noFill/>
+          <a:ln>
+            <a:noFill/>
+          </a:ln>
+        </p:spPr>
+        <p:txBody>
+          <a:bodyPr anchorCtr="0" anchor="t" bIns="91425" lIns="91425" spcFirstLastPara="1" rIns="91425" wrap="square" tIns="91425">
+            <a:spAutoFit/>
+          </a:bodyPr>
+          <a:lstStyle/>
+          <a:p>
+            <a:pPr indent="0" lvl="0" marL="0" rtl="0" algn="ctr">
+              <a:spcBef>
+                <a:spcPts val="0"/>
+              </a:spcBef>
+              <a:spcAft>
+                <a:spcPts val="0"/>
+              </a:spcAft>
+              <a:buNone/>
+            </a:pPr>
+            <a:r>
+              <a:rPr b="1" lang="en">
+                <a:solidFill>
+                  <a:schemeClr val="dk1"/>
+                </a:solidFill>
+                <a:latin typeface="Roboto"/>
+                <a:ea typeface="Roboto"/>
+                <a:cs typeface="Roboto"/>
+                <a:sym typeface="Roboto"/>
+              </a:rPr>
+              <a:t>GRAPHICAL REPRESENTATION</a:t>
+            </a:r>
+            <a:endParaRPr b="1">
+              <a:solidFill>
+                <a:schemeClr val="dk1"/>
+              </a:solidFill>
+              <a:latin typeface="Roboto"/>
+              <a:ea typeface="Roboto"/>
+              <a:cs typeface="Roboto"/>
+              <a:sym typeface="Roboto"/>
+            </a:endParaRPr>
+          </a:p>
+        </p:txBody>
+      </p:sp>
+      <p:sp>
+        <p:nvSpPr>
+          <p:cNvPr id="290" name="Google Shape;290;p37"/>
+          <p:cNvSpPr txBox="1"/>
+          <p:nvPr/>
+        </p:nvSpPr>
+        <p:spPr>
+          <a:xfrm>
+            <a:off x="2684369" y="4798641"/>
+            <a:ext cx="4987800" cy="400200"/>
+          </a:xfrm>
+          <a:prstGeom prst="rect">
+            <a:avLst/>
+          </a:prstGeom>
+          <a:noFill/>
+          <a:ln>
+            <a:noFill/>
+          </a:ln>
+        </p:spPr>
+        <p:txBody>
+          <a:bodyPr anchorCtr="0" anchor="t" bIns="91425" lIns="91425" spcFirstLastPara="1" rIns="91425" wrap="square" tIns="91425">
+            <a:spAutoFit/>
+          </a:bodyPr>
+          <a:lstStyle/>
+          <a:p>
+            <a:pPr indent="0" lvl="0" marL="0" rtl="0" algn="l">
+              <a:spcBef>
+                <a:spcPts val="0"/>
+              </a:spcBef>
+              <a:spcAft>
+                <a:spcPts val="0"/>
+              </a:spcAft>
+              <a:buNone/>
+            </a:pPr>
+            <a:r>
+              <a:t/>
+            </a:r>
+            <a:endParaRPr>
+              <a:solidFill>
+                <a:schemeClr val="lt1"/>
+              </a:solidFill>
+              <a:latin typeface="Roboto"/>
+              <a:ea typeface="Roboto"/>
+              <a:cs typeface="Roboto"/>
+              <a:sym typeface="Roboto"/>
+            </a:endParaRPr>
+          </a:p>
+        </p:txBody>
+      </p:sp>
+      <p:pic>
+        <p:nvPicPr>
+          <p:cNvPr id="291" name="Google Shape;291;p37"/>
+          <p:cNvPicPr preferRelativeResize="0"/>
+          <p:nvPr/>
+        </p:nvPicPr>
+        <p:blipFill>
+          <a:blip r:embed="rId3">
+            <a:alphaModFix/>
+          </a:blip>
+          <a:stretch>
+            <a:fillRect/>
+          </a:stretch>
+        </p:blipFill>
+        <p:spPr>
+          <a:xfrm>
+            <a:off x="0" y="856827"/>
+            <a:ext cx="4289154" cy="3226134"/>
+          </a:xfrm>
+          <a:prstGeom prst="rect">
+            <a:avLst/>
+          </a:prstGeom>
+          <a:noFill/>
+          <a:ln>
+            <a:noFill/>
+          </a:ln>
+        </p:spPr>
+      </p:pic>
+      <p:pic>
+        <p:nvPicPr>
+          <p:cNvPr id="292" name="Google Shape;292;p37"/>
+          <p:cNvPicPr preferRelativeResize="0"/>
+          <p:nvPr/>
+        </p:nvPicPr>
+        <p:blipFill>
+          <a:blip r:embed="rId4">
+            <a:alphaModFix/>
+          </a:blip>
+          <a:stretch>
+            <a:fillRect/>
+          </a:stretch>
+        </p:blipFill>
+        <p:spPr>
+          <a:xfrm>
+            <a:off x="4289151" y="899125"/>
+            <a:ext cx="4811475" cy="3721525"/>
+          </a:xfrm>
+          <a:prstGeom prst="rect">
+            <a:avLst/>
+          </a:prstGeom>
+          <a:noFill/>
+          <a:ln>
+            <a:noFill/>
+          </a:ln>
+        </p:spPr>
+      </p:pic>
+    </p:spTree>
+  </p:cSld>
+  <p:clrMapOvr>
+    <a:masterClrMapping/>
+  </p:clrMapOvr>
+</p:sld>
+</file>
+
+<file path=ppt/slides/slide26.xml><?xml version="1.0" encoding="utf-8"?>
+<p:sld xmlns:a="http://schemas.openxmlformats.org/drawingml/2006/main" xmlns:r="http://schemas.openxmlformats.org/officeDocument/2006/relationships" xmlns:mc="http://schemas.openxmlformats.org/markup-compatibility/2006" xmlns:mv="urn:schemas-microsoft-com:mac:vml" xmlns:p="http://schemas.openxmlformats.org/presentationml/2006/main" xmlns:c="http://schemas.openxmlformats.org/drawingml/2006/chart" xmlns:dgm="http://schemas.openxmlformats.org/drawingml/2006/diagram" xmlns:o="urn:schemas-microsoft-com:office:office" xmlns:v="urn:schemas-microsoft-com:vml" xmlns:pvml="urn:schemas-microsoft-com:office:powerpoint" xmlns:com="http://schemas.openxmlformats.org/drawingml/2006/compatibility" xmlns:p14="http://schemas.microsoft.com/office/powerpoint/2010/main" xmlns:p15="http://schemas.microsoft.com/office/powerpoint/2012/main" xmlns:ahyp="http://schemas.microsoft.com/office/drawing/2018/hyperlinkcolor">
+  <p:cSld>
+    <p:bg>
+      <p:bgPr>
+        <a:solidFill>
+          <a:schemeClr val="lt1"/>
+        </a:solidFill>
+      </p:bgPr>
+    </p:bg>
+    <p:spTree>
+      <p:nvGrpSpPr>
+        <p:cNvPr id="296" name="Shape 296"/>
+        <p:cNvGrpSpPr/>
+        <p:nvPr/>
+      </p:nvGrpSpPr>
+      <p:grpSpPr>
+        <a:xfrm>
+          <a:off x="0" y="0"/>
+          <a:ext cx="0" cy="0"/>
+          <a:chOff x="0" y="0"/>
+          <a:chExt cx="0" cy="0"/>
+        </a:xfrm>
+      </p:grpSpPr>
+      <p:sp>
+        <p:nvSpPr>
+          <p:cNvPr id="297" name="Google Shape;297;p38"/>
+          <p:cNvSpPr txBox="1"/>
+          <p:nvPr/>
+        </p:nvSpPr>
+        <p:spPr>
+          <a:xfrm>
+            <a:off x="1036586" y="320924"/>
+            <a:ext cx="5801100" cy="400200"/>
+          </a:xfrm>
+          <a:prstGeom prst="rect">
+            <a:avLst/>
+          </a:prstGeom>
+          <a:noFill/>
+          <a:ln>
+            <a:noFill/>
+          </a:ln>
+        </p:spPr>
+        <p:txBody>
+          <a:bodyPr anchorCtr="0" anchor="t" bIns="91425" lIns="91425" spcFirstLastPara="1" rIns="91425" wrap="square" tIns="91425">
+            <a:spAutoFit/>
+          </a:bodyPr>
+          <a:lstStyle/>
+          <a:p>
+            <a:pPr indent="0" lvl="0" marL="0" rtl="0" algn="ctr">
+              <a:spcBef>
+                <a:spcPts val="0"/>
+              </a:spcBef>
+              <a:spcAft>
+                <a:spcPts val="0"/>
+              </a:spcAft>
+              <a:buNone/>
+            </a:pPr>
+            <a:r>
+              <a:rPr b="1" lang="en">
+                <a:solidFill>
+                  <a:schemeClr val="dk1"/>
+                </a:solidFill>
+                <a:latin typeface="Roboto"/>
+                <a:ea typeface="Roboto"/>
+                <a:cs typeface="Roboto"/>
+                <a:sym typeface="Roboto"/>
+              </a:rPr>
+              <a:t>GRAPHICAL REPRESENTATION</a:t>
+            </a:r>
+            <a:endParaRPr b="1">
+              <a:solidFill>
+                <a:schemeClr val="dk1"/>
+              </a:solidFill>
+              <a:latin typeface="Roboto"/>
+              <a:ea typeface="Roboto"/>
+              <a:cs typeface="Roboto"/>
+              <a:sym typeface="Roboto"/>
+            </a:endParaRPr>
+          </a:p>
+        </p:txBody>
+      </p:sp>
+      <p:sp>
+        <p:nvSpPr>
+          <p:cNvPr id="298" name="Google Shape;298;p38"/>
+          <p:cNvSpPr txBox="1"/>
+          <p:nvPr/>
+        </p:nvSpPr>
+        <p:spPr>
+          <a:xfrm>
+            <a:off x="2684369" y="4798641"/>
+            <a:ext cx="4987800" cy="400200"/>
+          </a:xfrm>
+          <a:prstGeom prst="rect">
+            <a:avLst/>
+          </a:prstGeom>
+          <a:noFill/>
+          <a:ln>
+            <a:noFill/>
+          </a:ln>
+        </p:spPr>
+        <p:txBody>
+          <a:bodyPr anchorCtr="0" anchor="t" bIns="91425" lIns="91425" spcFirstLastPara="1" rIns="91425" wrap="square" tIns="91425">
+            <a:spAutoFit/>
+          </a:bodyPr>
+          <a:lstStyle/>
+          <a:p>
+            <a:pPr indent="0" lvl="0" marL="0" rtl="0" algn="l">
+              <a:spcBef>
+                <a:spcPts val="0"/>
+              </a:spcBef>
+              <a:spcAft>
+                <a:spcPts val="0"/>
+              </a:spcAft>
+              <a:buNone/>
+            </a:pPr>
+            <a:r>
+              <a:t/>
+            </a:r>
+            <a:endParaRPr>
+              <a:solidFill>
+                <a:schemeClr val="lt1"/>
+              </a:solidFill>
+              <a:latin typeface="Roboto"/>
+              <a:ea typeface="Roboto"/>
+              <a:cs typeface="Roboto"/>
+              <a:sym typeface="Roboto"/>
+            </a:endParaRPr>
+          </a:p>
+        </p:txBody>
+      </p:sp>
+      <p:pic>
+        <p:nvPicPr>
+          <p:cNvPr id="299" name="Google Shape;299;p38"/>
+          <p:cNvPicPr preferRelativeResize="0"/>
+          <p:nvPr/>
+        </p:nvPicPr>
+        <p:blipFill>
+          <a:blip r:embed="rId3">
+            <a:alphaModFix/>
+          </a:blip>
+          <a:stretch>
+            <a:fillRect/>
+          </a:stretch>
+        </p:blipFill>
+        <p:spPr>
+          <a:xfrm>
+            <a:off x="0" y="1029025"/>
+            <a:ext cx="4374126" cy="2645201"/>
+          </a:xfrm>
+          <a:prstGeom prst="rect">
+            <a:avLst/>
+          </a:prstGeom>
+          <a:noFill/>
+          <a:ln>
+            <a:noFill/>
+          </a:ln>
+        </p:spPr>
+      </p:pic>
+      <p:pic>
+        <p:nvPicPr>
+          <p:cNvPr id="300" name="Google Shape;300;p38"/>
+          <p:cNvPicPr preferRelativeResize="0"/>
+          <p:nvPr/>
+        </p:nvPicPr>
+        <p:blipFill>
+          <a:blip r:embed="rId4">
+            <a:alphaModFix/>
+          </a:blip>
+          <a:stretch>
+            <a:fillRect/>
+          </a:stretch>
+        </p:blipFill>
+        <p:spPr>
+          <a:xfrm>
+            <a:off x="4346942" y="964062"/>
+            <a:ext cx="4797059" cy="3051389"/>
+          </a:xfrm>
+          <a:prstGeom prst="rect">
+            <a:avLst/>
+          </a:prstGeom>
+          <a:noFill/>
+          <a:ln>
+            <a:noFill/>
+          </a:ln>
+        </p:spPr>
+      </p:pic>
+    </p:spTree>
+  </p:cSld>
+  <p:clrMapOvr>
+    <a:masterClrMapping/>
+  </p:clrMapOvr>
+</p:sld>
+</file>
+
+<file path=ppt/slides/slide27.xml><?xml version="1.0" encoding="utf-8"?>
+<p:sld xmlns:a="http://schemas.openxmlformats.org/drawingml/2006/main" xmlns:r="http://schemas.openxmlformats.org/officeDocument/2006/relationships" xmlns:mc="http://schemas.openxmlformats.org/markup-compatibility/2006" xmlns:mv="urn:schemas-microsoft-com:mac:vml" xmlns:p="http://schemas.openxmlformats.org/presentationml/2006/main" xmlns:c="http://schemas.openxmlformats.org/drawingml/2006/chart" xmlns:dgm="http://schemas.openxmlformats.org/drawingml/2006/diagram" xmlns:o="urn:schemas-microsoft-com:office:office" xmlns:v="urn:schemas-microsoft-com:vml" xmlns:pvml="urn:schemas-microsoft-com:office:powerpoint" xmlns:com="http://schemas.openxmlformats.org/drawingml/2006/compatibility" xmlns:p14="http://schemas.microsoft.com/office/powerpoint/2010/main" xmlns:p15="http://schemas.microsoft.com/office/powerpoint/2012/main" xmlns:ahyp="http://schemas.microsoft.com/office/drawing/2018/hyperlinkcolor">
+  <p:cSld>
+    <p:bg>
+      <p:bgPr>
+        <a:solidFill>
+          <a:schemeClr val="lt1"/>
+        </a:solidFill>
+      </p:bgPr>
+    </p:bg>
+    <p:spTree>
+      <p:nvGrpSpPr>
+        <p:cNvPr id="304" name="Shape 304"/>
+        <p:cNvGrpSpPr/>
+        <p:nvPr/>
+      </p:nvGrpSpPr>
+      <p:grpSpPr>
+        <a:xfrm>
+          <a:off x="0" y="0"/>
+          <a:ext cx="0" cy="0"/>
+          <a:chOff x="0" y="0"/>
+          <a:chExt cx="0" cy="0"/>
+        </a:xfrm>
+      </p:grpSpPr>
+      <p:sp>
+        <p:nvSpPr>
+          <p:cNvPr id="305" name="Google Shape;305;p39"/>
+          <p:cNvSpPr txBox="1"/>
+          <p:nvPr/>
+        </p:nvSpPr>
+        <p:spPr>
+          <a:xfrm>
+            <a:off x="1036586" y="320924"/>
+            <a:ext cx="5801100" cy="400200"/>
+          </a:xfrm>
+          <a:prstGeom prst="rect">
+            <a:avLst/>
+          </a:prstGeom>
+          <a:noFill/>
+          <a:ln>
+            <a:noFill/>
+          </a:ln>
+        </p:spPr>
+        <p:txBody>
+          <a:bodyPr anchorCtr="0" anchor="t" bIns="91425" lIns="91425" spcFirstLastPara="1" rIns="91425" wrap="square" tIns="91425">
+            <a:spAutoFit/>
+          </a:bodyPr>
+          <a:lstStyle/>
+          <a:p>
+            <a:pPr indent="0" lvl="0" marL="0" rtl="0" algn="ctr">
+              <a:spcBef>
+                <a:spcPts val="0"/>
+              </a:spcBef>
+              <a:spcAft>
+                <a:spcPts val="0"/>
+              </a:spcAft>
+              <a:buNone/>
+            </a:pPr>
+            <a:r>
+              <a:rPr b="1" lang="en">
+                <a:solidFill>
+                  <a:schemeClr val="dk1"/>
+                </a:solidFill>
+                <a:latin typeface="Roboto"/>
+                <a:ea typeface="Roboto"/>
+                <a:cs typeface="Roboto"/>
+                <a:sym typeface="Roboto"/>
+              </a:rPr>
+              <a:t>GRAPHICAL REPRESENTATION</a:t>
+            </a:r>
+            <a:endParaRPr b="1">
+              <a:solidFill>
+                <a:schemeClr val="dk1"/>
+              </a:solidFill>
+              <a:latin typeface="Roboto"/>
+              <a:ea typeface="Roboto"/>
+              <a:cs typeface="Roboto"/>
+              <a:sym typeface="Roboto"/>
+            </a:endParaRPr>
+          </a:p>
+        </p:txBody>
+      </p:sp>
+      <p:sp>
+        <p:nvSpPr>
+          <p:cNvPr id="306" name="Google Shape;306;p39"/>
+          <p:cNvSpPr txBox="1"/>
+          <p:nvPr/>
+        </p:nvSpPr>
+        <p:spPr>
+          <a:xfrm>
+            <a:off x="2684369" y="4798641"/>
+            <a:ext cx="4987800" cy="400200"/>
+          </a:xfrm>
+          <a:prstGeom prst="rect">
+            <a:avLst/>
+          </a:prstGeom>
+          <a:noFill/>
+          <a:ln>
+            <a:noFill/>
+          </a:ln>
+        </p:spPr>
+        <p:txBody>
+          <a:bodyPr anchorCtr="0" anchor="t" bIns="91425" lIns="91425" spcFirstLastPara="1" rIns="91425" wrap="square" tIns="91425">
+            <a:spAutoFit/>
+          </a:bodyPr>
+          <a:lstStyle/>
+          <a:p>
+            <a:pPr indent="0" lvl="0" marL="0" rtl="0" algn="l">
+              <a:spcBef>
+                <a:spcPts val="0"/>
+              </a:spcBef>
+              <a:spcAft>
+                <a:spcPts val="0"/>
+              </a:spcAft>
+              <a:buNone/>
+            </a:pPr>
+            <a:r>
+              <a:t/>
+            </a:r>
+            <a:endParaRPr>
+              <a:solidFill>
+                <a:schemeClr val="lt1"/>
+              </a:solidFill>
+              <a:latin typeface="Roboto"/>
+              <a:ea typeface="Roboto"/>
+              <a:cs typeface="Roboto"/>
+              <a:sym typeface="Roboto"/>
+            </a:endParaRPr>
+          </a:p>
+        </p:txBody>
+      </p:sp>
+      <p:pic>
+        <p:nvPicPr>
+          <p:cNvPr id="307" name="Google Shape;307;p39"/>
+          <p:cNvPicPr preferRelativeResize="0"/>
+          <p:nvPr/>
+        </p:nvPicPr>
+        <p:blipFill>
+          <a:blip r:embed="rId3">
+            <a:alphaModFix/>
+          </a:blip>
+          <a:stretch>
+            <a:fillRect/>
+          </a:stretch>
+        </p:blipFill>
+        <p:spPr>
+          <a:xfrm>
+            <a:off x="0" y="749975"/>
+            <a:ext cx="4445200" cy="3438276"/>
+          </a:xfrm>
+          <a:prstGeom prst="rect">
+            <a:avLst/>
+          </a:prstGeom>
+          <a:noFill/>
+          <a:ln>
+            <a:noFill/>
+          </a:ln>
+        </p:spPr>
+      </p:pic>
+      <p:pic>
+        <p:nvPicPr>
+          <p:cNvPr id="308" name="Google Shape;308;p39"/>
+          <p:cNvPicPr preferRelativeResize="0"/>
+          <p:nvPr/>
+        </p:nvPicPr>
+        <p:blipFill>
+          <a:blip r:embed="rId4">
+            <a:alphaModFix/>
+          </a:blip>
+          <a:stretch>
+            <a:fillRect/>
+          </a:stretch>
+        </p:blipFill>
+        <p:spPr>
+          <a:xfrm>
+            <a:off x="4484400" y="789286"/>
+            <a:ext cx="4613200" cy="3398963"/>
+          </a:xfrm>
+          <a:prstGeom prst="rect">
+            <a:avLst/>
+          </a:prstGeom>
+          <a:noFill/>
+          <a:ln>
+            <a:noFill/>
+          </a:ln>
+        </p:spPr>
+      </p:pic>
+    </p:spTree>
+  </p:cSld>
+  <p:clrMapOvr>
+    <a:masterClrMapping/>
+  </p:clrMapOvr>
+</p:sld>
+</file>
+
+<file path=ppt/slides/slide28.xml><?xml version="1.0" encoding="utf-8"?>
+<p:sld xmlns:a="http://schemas.openxmlformats.org/drawingml/2006/main" xmlns:r="http://schemas.openxmlformats.org/officeDocument/2006/relationships" xmlns:mc="http://schemas.openxmlformats.org/markup-compatibility/2006" xmlns:mv="urn:schemas-microsoft-com:mac:vml" xmlns:p="http://schemas.openxmlformats.org/presentationml/2006/main" xmlns:c="http://schemas.openxmlformats.org/drawingml/2006/chart" xmlns:dgm="http://schemas.openxmlformats.org/drawingml/2006/diagram" xmlns:o="urn:schemas-microsoft-com:office:office" xmlns:v="urn:schemas-microsoft-com:vml" xmlns:pvml="urn:schemas-microsoft-com:office:powerpoint" xmlns:com="http://schemas.openxmlformats.org/drawingml/2006/compatibility" xmlns:p14="http://schemas.microsoft.com/office/powerpoint/2010/main" xmlns:p15="http://schemas.microsoft.com/office/powerpoint/2012/main" xmlns:ahyp="http://schemas.microsoft.com/office/drawing/2018/hyperlinkcolor">
+  <p:cSld>
+    <p:bg>
+      <p:bgPr>
+        <a:solidFill>
+          <a:schemeClr val="lt1"/>
+        </a:solidFill>
+      </p:bgPr>
+    </p:bg>
+    <p:spTree>
+      <p:nvGrpSpPr>
+        <p:cNvPr id="312" name="Shape 312"/>
+        <p:cNvGrpSpPr/>
+        <p:nvPr/>
+      </p:nvGrpSpPr>
+      <p:grpSpPr>
+        <a:xfrm>
+          <a:off x="0" y="0"/>
+          <a:ext cx="0" cy="0"/>
+          <a:chOff x="0" y="0"/>
+          <a:chExt cx="0" cy="0"/>
+        </a:xfrm>
+      </p:grpSpPr>
+      <p:sp>
+        <p:nvSpPr>
+          <p:cNvPr id="313" name="Google Shape;313;p40"/>
+          <p:cNvSpPr txBox="1"/>
+          <p:nvPr/>
+        </p:nvSpPr>
+        <p:spPr>
+          <a:xfrm>
+            <a:off x="1036586" y="320924"/>
+            <a:ext cx="5801100" cy="400200"/>
+          </a:xfrm>
+          <a:prstGeom prst="rect">
+            <a:avLst/>
+          </a:prstGeom>
+          <a:noFill/>
+          <a:ln>
+            <a:noFill/>
+          </a:ln>
+        </p:spPr>
+        <p:txBody>
+          <a:bodyPr anchorCtr="0" anchor="t" bIns="91425" lIns="91425" spcFirstLastPara="1" rIns="91425" wrap="square" tIns="91425">
+            <a:spAutoFit/>
+          </a:bodyPr>
+          <a:lstStyle/>
+          <a:p>
+            <a:pPr indent="0" lvl="0" marL="0" rtl="0" algn="ctr">
+              <a:spcBef>
+                <a:spcPts val="0"/>
+              </a:spcBef>
+              <a:spcAft>
+                <a:spcPts val="0"/>
+              </a:spcAft>
+              <a:buNone/>
+            </a:pPr>
+            <a:r>
+              <a:rPr b="1" lang="en">
+                <a:solidFill>
+                  <a:schemeClr val="dk1"/>
+                </a:solidFill>
+                <a:latin typeface="Roboto"/>
+                <a:ea typeface="Roboto"/>
+                <a:cs typeface="Roboto"/>
+                <a:sym typeface="Roboto"/>
+              </a:rPr>
+              <a:t>GRAPHICAL REPRESENTATION</a:t>
+            </a:r>
+            <a:endParaRPr b="1">
+              <a:solidFill>
+                <a:schemeClr val="dk1"/>
+              </a:solidFill>
+              <a:latin typeface="Roboto"/>
+              <a:ea typeface="Roboto"/>
+              <a:cs typeface="Roboto"/>
+              <a:sym typeface="Roboto"/>
+            </a:endParaRPr>
+          </a:p>
+        </p:txBody>
+      </p:sp>
+      <p:sp>
+        <p:nvSpPr>
+          <p:cNvPr id="314" name="Google Shape;314;p40"/>
+          <p:cNvSpPr txBox="1"/>
+          <p:nvPr/>
+        </p:nvSpPr>
+        <p:spPr>
+          <a:xfrm>
+            <a:off x="2684369" y="4798641"/>
+            <a:ext cx="4987800" cy="400200"/>
+          </a:xfrm>
+          <a:prstGeom prst="rect">
+            <a:avLst/>
+          </a:prstGeom>
+          <a:noFill/>
+          <a:ln>
+            <a:noFill/>
+          </a:ln>
+        </p:spPr>
+        <p:txBody>
+          <a:bodyPr anchorCtr="0" anchor="t" bIns="91425" lIns="91425" spcFirstLastPara="1" rIns="91425" wrap="square" tIns="91425">
+            <a:spAutoFit/>
+          </a:bodyPr>
+          <a:lstStyle/>
+          <a:p>
+            <a:pPr indent="0" lvl="0" marL="0" rtl="0" algn="l">
+              <a:spcBef>
+                <a:spcPts val="0"/>
+              </a:spcBef>
+              <a:spcAft>
+                <a:spcPts val="0"/>
+              </a:spcAft>
+              <a:buNone/>
+            </a:pPr>
+            <a:r>
+              <a:t/>
+            </a:r>
+            <a:endParaRPr>
+              <a:solidFill>
+                <a:schemeClr val="lt1"/>
+              </a:solidFill>
+              <a:latin typeface="Roboto"/>
+              <a:ea typeface="Roboto"/>
+              <a:cs typeface="Roboto"/>
+              <a:sym typeface="Roboto"/>
+            </a:endParaRPr>
+          </a:p>
+        </p:txBody>
+      </p:sp>
+      <p:pic>
+        <p:nvPicPr>
+          <p:cNvPr id="315" name="Google Shape;315;p40"/>
+          <p:cNvPicPr preferRelativeResize="0"/>
+          <p:nvPr/>
+        </p:nvPicPr>
+        <p:blipFill>
+          <a:blip r:embed="rId3">
+            <a:alphaModFix/>
+          </a:blip>
+          <a:stretch>
+            <a:fillRect/>
+          </a:stretch>
+        </p:blipFill>
+        <p:spPr>
+          <a:xfrm>
+            <a:off x="0" y="967050"/>
+            <a:ext cx="4572000" cy="2968400"/>
+          </a:xfrm>
+          <a:prstGeom prst="rect">
+            <a:avLst/>
+          </a:prstGeom>
+          <a:noFill/>
+          <a:ln>
+            <a:noFill/>
+          </a:ln>
+        </p:spPr>
+      </p:pic>
+      <p:pic>
+        <p:nvPicPr>
+          <p:cNvPr id="316" name="Google Shape;316;p40"/>
+          <p:cNvPicPr preferRelativeResize="0"/>
+          <p:nvPr/>
+        </p:nvPicPr>
+        <p:blipFill>
+          <a:blip r:embed="rId4">
+            <a:alphaModFix/>
+          </a:blip>
+          <a:stretch>
+            <a:fillRect/>
+          </a:stretch>
+        </p:blipFill>
+        <p:spPr>
+          <a:xfrm>
+            <a:off x="4572000" y="967050"/>
+            <a:ext cx="4572000" cy="3460249"/>
+          </a:xfrm>
+          <a:prstGeom prst="rect">
+            <a:avLst/>
+          </a:prstGeom>
+          <a:noFill/>
+          <a:ln>
+            <a:noFill/>
+          </a:ln>
+        </p:spPr>
+      </p:pic>
+    </p:spTree>
+  </p:cSld>
+  <p:clrMapOvr>
+    <a:masterClrMapping/>
+  </p:clrMapOvr>
+</p:sld>
+</file>
+
+<file path=ppt/slides/slide29.xml><?xml version="1.0" encoding="utf-8"?>
+<p:sld xmlns:a="http://schemas.openxmlformats.org/drawingml/2006/main" xmlns:r="http://schemas.openxmlformats.org/officeDocument/2006/relationships" xmlns:mc="http://schemas.openxmlformats.org/markup-compatibility/2006" xmlns:mv="urn:schemas-microsoft-com:mac:vml" xmlns:p="http://schemas.openxmlformats.org/presentationml/2006/main" xmlns:c="http://schemas.openxmlformats.org/drawingml/2006/chart" xmlns:dgm="http://schemas.openxmlformats.org/drawingml/2006/diagram" xmlns:o="urn:schemas-microsoft-com:office:office" xmlns:v="urn:schemas-microsoft-com:vml" xmlns:pvml="urn:schemas-microsoft-com:office:powerpoint" xmlns:com="http://schemas.openxmlformats.org/drawingml/2006/compatibility" xmlns:p14="http://schemas.microsoft.com/office/powerpoint/2010/main" xmlns:p15="http://schemas.microsoft.com/office/powerpoint/2012/main" xmlns:ahyp="http://schemas.microsoft.com/office/drawing/2018/hyperlinkcolor">
+  <p:cSld>
+    <p:bg>
+      <p:bgPr>
+        <a:solidFill>
+          <a:schemeClr val="lt1"/>
+        </a:solidFill>
+      </p:bgPr>
+    </p:bg>
+    <p:spTree>
+      <p:nvGrpSpPr>
+        <p:cNvPr id="320" name="Shape 320"/>
+        <p:cNvGrpSpPr/>
+        <p:nvPr/>
+      </p:nvGrpSpPr>
+      <p:grpSpPr>
+        <a:xfrm>
+          <a:off x="0" y="0"/>
+          <a:ext cx="0" cy="0"/>
+          <a:chOff x="0" y="0"/>
+          <a:chExt cx="0" cy="0"/>
+        </a:xfrm>
+      </p:grpSpPr>
+      <p:sp>
+        <p:nvSpPr>
+          <p:cNvPr id="321" name="Google Shape;321;p41"/>
+          <p:cNvSpPr txBox="1"/>
+          <p:nvPr/>
+        </p:nvSpPr>
+        <p:spPr>
+          <a:xfrm>
+            <a:off x="71069" y="4662966"/>
+            <a:ext cx="4987800" cy="400200"/>
+          </a:xfrm>
+          <a:prstGeom prst="rect">
+            <a:avLst/>
+          </a:prstGeom>
+          <a:noFill/>
+          <a:ln>
+            <a:noFill/>
+          </a:ln>
+        </p:spPr>
+        <p:txBody>
+          <a:bodyPr anchorCtr="0" anchor="t" bIns="91425" lIns="91425" spcFirstLastPara="1" rIns="91425" wrap="square" tIns="91425">
+            <a:spAutoFit/>
+          </a:bodyPr>
+          <a:lstStyle/>
+          <a:p>
+            <a:pPr indent="0" lvl="0" marL="0" rtl="0" algn="l">
+              <a:spcBef>
+                <a:spcPts val="0"/>
+              </a:spcBef>
+              <a:spcAft>
+                <a:spcPts val="0"/>
+              </a:spcAft>
+              <a:buNone/>
+            </a:pPr>
+            <a:r>
+              <a:t/>
+            </a:r>
+            <a:endParaRPr>
+              <a:solidFill>
+                <a:schemeClr val="lt1"/>
+              </a:solidFill>
+              <a:latin typeface="Roboto"/>
+              <a:ea typeface="Roboto"/>
+              <a:cs typeface="Roboto"/>
+              <a:sym typeface="Roboto"/>
+            </a:endParaRPr>
+          </a:p>
+        </p:txBody>
+      </p:sp>
+      <p:pic>
+        <p:nvPicPr>
+          <p:cNvPr id="322" name="Google Shape;322;p41"/>
+          <p:cNvPicPr preferRelativeResize="0"/>
+          <p:nvPr/>
+        </p:nvPicPr>
+        <p:blipFill>
+          <a:blip r:embed="rId3">
+            <a:alphaModFix/>
+          </a:blip>
+          <a:stretch>
+            <a:fillRect/>
+          </a:stretch>
+        </p:blipFill>
+        <p:spPr>
+          <a:xfrm>
+            <a:off x="71075" y="0"/>
+            <a:ext cx="4395799" cy="4118413"/>
+          </a:xfrm>
+          <a:prstGeom prst="rect">
+            <a:avLst/>
+          </a:prstGeom>
+          <a:noFill/>
+          <a:ln>
+            <a:noFill/>
+          </a:ln>
+        </p:spPr>
+      </p:pic>
+      <p:pic>
+        <p:nvPicPr>
+          <p:cNvPr id="323" name="Google Shape;323;p41"/>
+          <p:cNvPicPr preferRelativeResize="0"/>
+          <p:nvPr/>
+        </p:nvPicPr>
+        <p:blipFill>
+          <a:blip r:embed="rId4">
+            <a:alphaModFix/>
+          </a:blip>
+          <a:stretch>
+            <a:fillRect/>
+          </a:stretch>
+        </p:blipFill>
+        <p:spPr>
+          <a:xfrm>
+            <a:off x="4466875" y="0"/>
+            <a:ext cx="4748200" cy="4605025"/>
+          </a:xfrm>
+          <a:prstGeom prst="rect">
+            <a:avLst/>
+          </a:prstGeom>
+          <a:noFill/>
+          <a:ln>
+            <a:noFill/>
+          </a:ln>
+        </p:spPr>
+      </p:pic>
+    </p:spTree>
+  </p:cSld>
+  <p:clrMapOvr>
+    <a:masterClrMapping/>
+  </p:clrMapOvr>
+</p:sld>
+</file>
+
 <file path=ppt/slides/slide3.xml><?xml version="1.0" encoding="utf-8"?>
 <p:sld xmlns:a="http://schemas.openxmlformats.org/drawingml/2006/main" xmlns:r="http://schemas.openxmlformats.org/officeDocument/2006/relationships" xmlns:mc="http://schemas.openxmlformats.org/markup-compatibility/2006" xmlns:mv="urn:schemas-microsoft-com:mac:vml" xmlns:p="http://schemas.openxmlformats.org/presentationml/2006/main" xmlns:c="http://schemas.openxmlformats.org/drawingml/2006/chart" xmlns:dgm="http://schemas.openxmlformats.org/drawingml/2006/diagram" xmlns:o="urn:schemas-microsoft-com:office:office" xmlns:v="urn:schemas-microsoft-com:vml" xmlns:pvml="urn:schemas-microsoft-com:office:powerpoint" xmlns:com="http://schemas.openxmlformats.org/drawingml/2006/compatibility" xmlns:p14="http://schemas.microsoft.com/office/powerpoint/2010/main" xmlns:p15="http://schemas.microsoft.com/office/powerpoint/2012/main" xmlns:ahyp="http://schemas.microsoft.com/office/drawing/2018/hyperlinkcolor">
   <p:cSld>
@@ -11237,6 +17073,1344 @@
               <a:t/>
             </a:r>
             <a:endParaRPr/>
+          </a:p>
+        </p:txBody>
+      </p:sp>
+    </p:spTree>
+  </p:cSld>
+  <p:clrMapOvr>
+    <a:masterClrMapping/>
+  </p:clrMapOvr>
+</p:sld>
+</file>
+
+<file path=ppt/slides/slide30.xml><?xml version="1.0" encoding="utf-8"?>
+<p:sld xmlns:a="http://schemas.openxmlformats.org/drawingml/2006/main" xmlns:r="http://schemas.openxmlformats.org/officeDocument/2006/relationships" xmlns:mc="http://schemas.openxmlformats.org/markup-compatibility/2006" xmlns:mv="urn:schemas-microsoft-com:mac:vml" xmlns:p="http://schemas.openxmlformats.org/presentationml/2006/main" xmlns:c="http://schemas.openxmlformats.org/drawingml/2006/chart" xmlns:dgm="http://schemas.openxmlformats.org/drawingml/2006/diagram" xmlns:o="urn:schemas-microsoft-com:office:office" xmlns:v="urn:schemas-microsoft-com:vml" xmlns:pvml="urn:schemas-microsoft-com:office:powerpoint" xmlns:com="http://schemas.openxmlformats.org/drawingml/2006/compatibility" xmlns:p14="http://schemas.microsoft.com/office/powerpoint/2010/main" xmlns:p15="http://schemas.microsoft.com/office/powerpoint/2012/main" xmlns:ahyp="http://schemas.microsoft.com/office/drawing/2018/hyperlinkcolor">
+  <p:cSld>
+    <p:spTree>
+      <p:nvGrpSpPr>
+        <p:cNvPr id="327" name="Shape 327"/>
+        <p:cNvGrpSpPr/>
+        <p:nvPr/>
+      </p:nvGrpSpPr>
+      <p:grpSpPr>
+        <a:xfrm>
+          <a:off x="0" y="0"/>
+          <a:ext cx="0" cy="0"/>
+          <a:chOff x="0" y="0"/>
+          <a:chExt cx="0" cy="0"/>
+        </a:xfrm>
+      </p:grpSpPr>
+      <p:sp>
+        <p:nvSpPr>
+          <p:cNvPr id="328" name="Google Shape;328;p42"/>
+          <p:cNvSpPr txBox="1"/>
+          <p:nvPr>
+            <p:ph idx="1" type="subTitle"/>
+          </p:nvPr>
+        </p:nvSpPr>
+        <p:spPr>
+          <a:xfrm>
+            <a:off x="550900" y="1556468"/>
+            <a:ext cx="8222100" cy="1090500"/>
+          </a:xfrm>
+          <a:prstGeom prst="rect">
+            <a:avLst/>
+          </a:prstGeom>
+        </p:spPr>
+        <p:txBody>
+          <a:bodyPr anchorCtr="0" anchor="t" bIns="91425" lIns="91425" spcFirstLastPara="1" rIns="91425" wrap="square" tIns="91425">
+            <a:noAutofit/>
+          </a:bodyPr>
+          <a:lstStyle/>
+          <a:p>
+            <a:pPr indent="0" lvl="0" marL="0" rtl="0" algn="l">
+              <a:lnSpc>
+                <a:spcPct val="115000"/>
+              </a:lnSpc>
+              <a:spcBef>
+                <a:spcPts val="1200"/>
+              </a:spcBef>
+              <a:spcAft>
+                <a:spcPts val="0"/>
+              </a:spcAft>
+              <a:buNone/>
+            </a:pPr>
+            <a:r>
+              <a:rPr b="1" lang="en" sz="1700">
+                <a:solidFill>
+                  <a:srgbClr val="000000"/>
+                </a:solidFill>
+                <a:highlight>
+                  <a:srgbClr val="FFFFFF"/>
+                </a:highlight>
+                <a:latin typeface="Arial"/>
+                <a:ea typeface="Arial"/>
+                <a:cs typeface="Arial"/>
+                <a:sym typeface="Arial"/>
+              </a:rPr>
+              <a:t>CONCLUSION</a:t>
+            </a:r>
+            <a:endParaRPr b="1" sz="1700">
+              <a:solidFill>
+                <a:srgbClr val="000000"/>
+              </a:solidFill>
+              <a:highlight>
+                <a:srgbClr val="FFFFFF"/>
+              </a:highlight>
+              <a:latin typeface="Arial"/>
+              <a:ea typeface="Arial"/>
+              <a:cs typeface="Arial"/>
+              <a:sym typeface="Arial"/>
+            </a:endParaRPr>
+          </a:p>
+          <a:p>
+            <a:pPr indent="0" lvl="0" marL="0" rtl="0" algn="l">
+              <a:lnSpc>
+                <a:spcPct val="115000"/>
+              </a:lnSpc>
+              <a:spcBef>
+                <a:spcPts val="1200"/>
+              </a:spcBef>
+              <a:spcAft>
+                <a:spcPts val="0"/>
+              </a:spcAft>
+              <a:buNone/>
+            </a:pPr>
+            <a:r>
+              <a:t/>
+            </a:r>
+            <a:endParaRPr b="1" sz="1500">
+              <a:solidFill>
+                <a:srgbClr val="000000"/>
+              </a:solidFill>
+              <a:highlight>
+                <a:srgbClr val="FFFFFF"/>
+              </a:highlight>
+              <a:latin typeface="Arial"/>
+              <a:ea typeface="Arial"/>
+              <a:cs typeface="Arial"/>
+              <a:sym typeface="Arial"/>
+            </a:endParaRPr>
+          </a:p>
+          <a:p>
+            <a:pPr indent="0" lvl="0" marL="0" rtl="0" algn="l">
+              <a:spcBef>
+                <a:spcPts val="1200"/>
+              </a:spcBef>
+              <a:spcAft>
+                <a:spcPts val="0"/>
+              </a:spcAft>
+              <a:buNone/>
+            </a:pPr>
+            <a:r>
+              <a:t/>
+            </a:r>
+            <a:endParaRPr sz="2400"/>
+          </a:p>
+        </p:txBody>
+      </p:sp>
+      <p:sp>
+        <p:nvSpPr>
+          <p:cNvPr id="329" name="Google Shape;329;p42"/>
+          <p:cNvSpPr txBox="1"/>
+          <p:nvPr/>
+        </p:nvSpPr>
+        <p:spPr>
+          <a:xfrm>
+            <a:off x="550900" y="2646975"/>
+            <a:ext cx="7374900" cy="400200"/>
+          </a:xfrm>
+          <a:prstGeom prst="rect">
+            <a:avLst/>
+          </a:prstGeom>
+          <a:noFill/>
+          <a:ln>
+            <a:noFill/>
+          </a:ln>
+        </p:spPr>
+        <p:txBody>
+          <a:bodyPr anchorCtr="0" anchor="t" bIns="91425" lIns="91425" spcFirstLastPara="1" rIns="91425" wrap="square" tIns="91425">
+            <a:spAutoFit/>
+          </a:bodyPr>
+          <a:lstStyle/>
+          <a:p>
+            <a:pPr indent="0" lvl="0" marL="0" rtl="0" algn="l">
+              <a:spcBef>
+                <a:spcPts val="0"/>
+              </a:spcBef>
+              <a:spcAft>
+                <a:spcPts val="0"/>
+              </a:spcAft>
+              <a:buNone/>
+            </a:pPr>
+            <a:r>
+              <a:t/>
+            </a:r>
+            <a:endParaRPr>
+              <a:solidFill>
+                <a:schemeClr val="lt1"/>
+              </a:solidFill>
+              <a:latin typeface="Roboto"/>
+              <a:ea typeface="Roboto"/>
+              <a:cs typeface="Roboto"/>
+              <a:sym typeface="Roboto"/>
+            </a:endParaRPr>
+          </a:p>
+        </p:txBody>
+      </p:sp>
+    </p:spTree>
+  </p:cSld>
+  <p:clrMapOvr>
+    <a:masterClrMapping/>
+  </p:clrMapOvr>
+</p:sld>
+</file>
+
+<file path=ppt/slides/slide31.xml><?xml version="1.0" encoding="utf-8"?>
+<p:sld xmlns:a="http://schemas.openxmlformats.org/drawingml/2006/main" xmlns:r="http://schemas.openxmlformats.org/officeDocument/2006/relationships" xmlns:mc="http://schemas.openxmlformats.org/markup-compatibility/2006" xmlns:mv="urn:schemas-microsoft-com:mac:vml" xmlns:p="http://schemas.openxmlformats.org/presentationml/2006/main" xmlns:c="http://schemas.openxmlformats.org/drawingml/2006/chart" xmlns:dgm="http://schemas.openxmlformats.org/drawingml/2006/diagram" xmlns:o="urn:schemas-microsoft-com:office:office" xmlns:v="urn:schemas-microsoft-com:vml" xmlns:pvml="urn:schemas-microsoft-com:office:powerpoint" xmlns:com="http://schemas.openxmlformats.org/drawingml/2006/compatibility" xmlns:p14="http://schemas.microsoft.com/office/powerpoint/2010/main" xmlns:p15="http://schemas.microsoft.com/office/powerpoint/2012/main" xmlns:ahyp="http://schemas.microsoft.com/office/drawing/2018/hyperlinkcolor">
+  <p:cSld>
+    <p:spTree>
+      <p:nvGrpSpPr>
+        <p:cNvPr id="333" name="Shape 333"/>
+        <p:cNvGrpSpPr/>
+        <p:nvPr/>
+      </p:nvGrpSpPr>
+      <p:grpSpPr>
+        <a:xfrm>
+          <a:off x="0" y="0"/>
+          <a:ext cx="0" cy="0"/>
+          <a:chOff x="0" y="0"/>
+          <a:chExt cx="0" cy="0"/>
+        </a:xfrm>
+      </p:grpSpPr>
+      <p:sp>
+        <p:nvSpPr>
+          <p:cNvPr descr="Background pointer shape in timeline graphic" id="334" name="Google Shape;334;p43"/>
+          <p:cNvSpPr/>
+          <p:nvPr/>
+        </p:nvSpPr>
+        <p:spPr>
+          <a:xfrm>
+            <a:off x="340934" y="2199000"/>
+            <a:ext cx="1872300" cy="745500"/>
+          </a:xfrm>
+          <a:prstGeom prst="homePlate">
+            <a:avLst>
+              <a:gd fmla="val 50000" name="adj"/>
+            </a:avLst>
+          </a:prstGeom>
+          <a:solidFill>
+            <a:schemeClr val="dk1"/>
+          </a:solidFill>
+          <a:ln cap="flat" cmpd="sng" w="9525">
+            <a:solidFill>
+              <a:schemeClr val="lt1"/>
+            </a:solidFill>
+            <a:prstDash val="solid"/>
+            <a:round/>
+            <a:headEnd len="sm" w="sm" type="none"/>
+            <a:tailEnd len="sm" w="sm" type="none"/>
+          </a:ln>
+        </p:spPr>
+        <p:txBody>
+          <a:bodyPr anchorCtr="0" anchor="ctr" bIns="121875" lIns="121875" spcFirstLastPara="1" rIns="121875" wrap="square" tIns="121875">
+            <a:noAutofit/>
+          </a:bodyPr>
+          <a:lstStyle/>
+          <a:p>
+            <a:pPr indent="0" lvl="0" marL="0" rtl="0" algn="l">
+              <a:spcBef>
+                <a:spcPts val="0"/>
+              </a:spcBef>
+              <a:spcAft>
+                <a:spcPts val="0"/>
+              </a:spcAft>
+              <a:buNone/>
+            </a:pPr>
+            <a:r>
+              <a:t/>
+            </a:r>
+            <a:endParaRPr/>
+          </a:p>
+        </p:txBody>
+      </p:sp>
+      <p:sp>
+        <p:nvSpPr>
+          <p:cNvPr id="335" name="Google Shape;335;p43"/>
+          <p:cNvSpPr txBox="1"/>
+          <p:nvPr>
+            <p:ph idx="4294967295" type="body"/>
+          </p:nvPr>
+        </p:nvSpPr>
+        <p:spPr>
+          <a:xfrm>
+            <a:off x="340923" y="2336550"/>
+            <a:ext cx="1455600" cy="470400"/>
+          </a:xfrm>
+          <a:prstGeom prst="rect">
+            <a:avLst/>
+          </a:prstGeom>
+        </p:spPr>
+        <p:txBody>
+          <a:bodyPr anchorCtr="0" anchor="ctr" bIns="91425" lIns="91425" spcFirstLastPara="1" rIns="91425" wrap="square" tIns="91425">
+            <a:noAutofit/>
+          </a:bodyPr>
+          <a:lstStyle/>
+          <a:p>
+            <a:pPr indent="0" lvl="0" marL="0" rtl="0" algn="ctr">
+              <a:lnSpc>
+                <a:spcPct val="100000"/>
+              </a:lnSpc>
+              <a:spcBef>
+                <a:spcPts val="0"/>
+              </a:spcBef>
+              <a:spcAft>
+                <a:spcPts val="0"/>
+              </a:spcAft>
+              <a:buNone/>
+            </a:pPr>
+            <a:r>
+              <a:rPr lang="en" sz="1600">
+                <a:solidFill>
+                  <a:schemeClr val="lt1"/>
+                </a:solidFill>
+              </a:rPr>
+              <a:t>09.05.XX</a:t>
+            </a:r>
+            <a:endParaRPr sz="1600">
+              <a:solidFill>
+                <a:schemeClr val="lt1"/>
+              </a:solidFill>
+            </a:endParaRPr>
+          </a:p>
+        </p:txBody>
+      </p:sp>
+      <p:grpSp>
+        <p:nvGrpSpPr>
+          <p:cNvPr id="336" name="Google Shape;336;p43"/>
+          <p:cNvGrpSpPr/>
+          <p:nvPr/>
+        </p:nvGrpSpPr>
+        <p:grpSpPr>
+          <a:xfrm>
+            <a:off x="969270" y="1610215"/>
+            <a:ext cx="198900" cy="593656"/>
+            <a:chOff x="777447" y="1610215"/>
+            <a:chExt cx="198900" cy="593656"/>
+          </a:xfrm>
+        </p:grpSpPr>
+        <p:cxnSp>
+          <p:nvCxnSpPr>
+            <p:cNvPr id="337" name="Google Shape;337;p43"/>
+            <p:cNvCxnSpPr/>
+            <p:nvPr/>
+          </p:nvCxnSpPr>
+          <p:spPr>
+            <a:xfrm>
+              <a:off x="876909" y="1649171"/>
+              <a:ext cx="0" cy="554700"/>
+            </a:xfrm>
+            <a:prstGeom prst="straightConnector1">
+              <a:avLst/>
+            </a:prstGeom>
+            <a:noFill/>
+            <a:ln cap="flat" cmpd="sng" w="9525">
+              <a:solidFill>
+                <a:schemeClr val="dk2"/>
+              </a:solidFill>
+              <a:prstDash val="solid"/>
+              <a:round/>
+              <a:headEnd len="sm" w="sm" type="none"/>
+              <a:tailEnd len="sm" w="sm" type="none"/>
+            </a:ln>
+          </p:spPr>
+        </p:cxnSp>
+        <p:sp>
+          <p:nvSpPr>
+            <p:cNvPr id="338" name="Google Shape;338;p43"/>
+            <p:cNvSpPr/>
+            <p:nvPr/>
+          </p:nvSpPr>
+          <p:spPr>
+            <a:xfrm>
+              <a:off x="777447" y="1610215"/>
+              <a:ext cx="198900" cy="198900"/>
+            </a:xfrm>
+            <a:prstGeom prst="ellipse">
+              <a:avLst/>
+            </a:prstGeom>
+            <a:solidFill>
+              <a:schemeClr val="dk1"/>
+            </a:solidFill>
+            <a:ln>
+              <a:noFill/>
+            </a:ln>
+          </p:spPr>
+          <p:txBody>
+            <a:bodyPr anchorCtr="0" anchor="ctr" bIns="91425" lIns="91425" spcFirstLastPara="1" rIns="91425" wrap="square" tIns="91425">
+              <a:noAutofit/>
+            </a:bodyPr>
+            <a:lstStyle/>
+            <a:p>
+              <a:pPr indent="0" lvl="0" marL="0" rtl="0" algn="l">
+                <a:spcBef>
+                  <a:spcPts val="0"/>
+                </a:spcBef>
+                <a:spcAft>
+                  <a:spcPts val="0"/>
+                </a:spcAft>
+                <a:buNone/>
+              </a:pPr>
+              <a:r>
+                <a:t/>
+              </a:r>
+              <a:endParaRPr/>
+            </a:p>
+          </p:txBody>
+        </p:sp>
+      </p:grpSp>
+      <p:sp>
+        <p:nvSpPr>
+          <p:cNvPr id="339" name="Google Shape;339;p43"/>
+          <p:cNvSpPr txBox="1"/>
+          <p:nvPr>
+            <p:ph idx="4294967295" type="body"/>
+          </p:nvPr>
+        </p:nvSpPr>
+        <p:spPr>
+          <a:xfrm>
+            <a:off x="318375" y="385667"/>
+            <a:ext cx="2242800" cy="906300"/>
+          </a:xfrm>
+          <a:prstGeom prst="rect">
+            <a:avLst/>
+          </a:prstGeom>
+        </p:spPr>
+        <p:txBody>
+          <a:bodyPr anchorCtr="0" anchor="t" bIns="91425" lIns="91425" spcFirstLastPara="1" rIns="91425" wrap="square" tIns="91425">
+            <a:noAutofit/>
+          </a:bodyPr>
+          <a:lstStyle/>
+          <a:p>
+            <a:pPr indent="0" lvl="0" marL="0" rtl="0" algn="l">
+              <a:spcBef>
+                <a:spcPts val="0"/>
+              </a:spcBef>
+              <a:spcAft>
+                <a:spcPts val="1600"/>
+              </a:spcAft>
+              <a:buNone/>
+            </a:pPr>
+            <a:r>
+              <a:rPr lang="en" sz="1600"/>
+              <a:t>Lorem ipsum dolor sit amet, consectetur adipiscing elit</a:t>
+            </a:r>
+            <a:endParaRPr sz="1600"/>
+          </a:p>
+        </p:txBody>
+      </p:sp>
+      <p:sp>
+        <p:nvSpPr>
+          <p:cNvPr descr="Background pointer shape in timeline graphic" id="340" name="Google Shape;340;p43"/>
+          <p:cNvSpPr/>
+          <p:nvPr/>
+        </p:nvSpPr>
+        <p:spPr>
+          <a:xfrm>
+            <a:off x="1817054" y="2199000"/>
+            <a:ext cx="2051100" cy="745500"/>
+          </a:xfrm>
+          <a:prstGeom prst="chevron">
+            <a:avLst>
+              <a:gd fmla="val 50000" name="adj"/>
+            </a:avLst>
+          </a:prstGeom>
+          <a:solidFill>
+            <a:schemeClr val="dk1"/>
+          </a:solidFill>
+          <a:ln cap="flat" cmpd="sng" w="9525">
+            <a:solidFill>
+              <a:schemeClr val="lt1"/>
+            </a:solidFill>
+            <a:prstDash val="solid"/>
+            <a:round/>
+            <a:headEnd len="sm" w="sm" type="none"/>
+            <a:tailEnd len="sm" w="sm" type="none"/>
+          </a:ln>
+        </p:spPr>
+        <p:txBody>
+          <a:bodyPr anchorCtr="0" anchor="ctr" bIns="121875" lIns="121875" spcFirstLastPara="1" rIns="121875" wrap="square" tIns="121875">
+            <a:noAutofit/>
+          </a:bodyPr>
+          <a:lstStyle/>
+          <a:p>
+            <a:pPr indent="0" lvl="0" marL="0" rtl="0" algn="l">
+              <a:spcBef>
+                <a:spcPts val="0"/>
+              </a:spcBef>
+              <a:spcAft>
+                <a:spcPts val="0"/>
+              </a:spcAft>
+              <a:buNone/>
+            </a:pPr>
+            <a:r>
+              <a:t/>
+            </a:r>
+            <a:endParaRPr/>
+          </a:p>
+        </p:txBody>
+      </p:sp>
+      <p:sp>
+        <p:nvSpPr>
+          <p:cNvPr id="341" name="Google Shape;341;p43"/>
+          <p:cNvSpPr txBox="1"/>
+          <p:nvPr>
+            <p:ph idx="4294967295" type="body"/>
+          </p:nvPr>
+        </p:nvSpPr>
+        <p:spPr>
+          <a:xfrm>
+            <a:off x="2126317" y="2336550"/>
+            <a:ext cx="1315500" cy="470400"/>
+          </a:xfrm>
+          <a:prstGeom prst="rect">
+            <a:avLst/>
+          </a:prstGeom>
+        </p:spPr>
+        <p:txBody>
+          <a:bodyPr anchorCtr="0" anchor="ctr" bIns="91425" lIns="91425" spcFirstLastPara="1" rIns="91425" wrap="square" tIns="91425">
+            <a:noAutofit/>
+          </a:bodyPr>
+          <a:lstStyle/>
+          <a:p>
+            <a:pPr indent="0" lvl="0" marL="0" rtl="0" algn="ctr">
+              <a:lnSpc>
+                <a:spcPct val="100000"/>
+              </a:lnSpc>
+              <a:spcBef>
+                <a:spcPts val="0"/>
+              </a:spcBef>
+              <a:spcAft>
+                <a:spcPts val="0"/>
+              </a:spcAft>
+              <a:buNone/>
+            </a:pPr>
+            <a:r>
+              <a:rPr lang="en" sz="1600">
+                <a:solidFill>
+                  <a:schemeClr val="lt1"/>
+                </a:solidFill>
+              </a:rPr>
+              <a:t>09.17.XX</a:t>
+            </a:r>
+            <a:endParaRPr sz="1600">
+              <a:solidFill>
+                <a:schemeClr val="lt1"/>
+              </a:solidFill>
+            </a:endParaRPr>
+          </a:p>
+        </p:txBody>
+      </p:sp>
+      <p:grpSp>
+        <p:nvGrpSpPr>
+          <p:cNvPr id="342" name="Google Shape;342;p43"/>
+          <p:cNvGrpSpPr/>
+          <p:nvPr/>
+        </p:nvGrpSpPr>
+        <p:grpSpPr>
+          <a:xfrm>
+            <a:off x="2684632" y="2938958"/>
+            <a:ext cx="198900" cy="593656"/>
+            <a:chOff x="2223534" y="2938958"/>
+            <a:chExt cx="198900" cy="593656"/>
+          </a:xfrm>
+        </p:grpSpPr>
+        <p:cxnSp>
+          <p:nvCxnSpPr>
+            <p:cNvPr id="343" name="Google Shape;343;p43"/>
+            <p:cNvCxnSpPr/>
+            <p:nvPr/>
+          </p:nvCxnSpPr>
+          <p:spPr>
+            <a:xfrm rot="10800000">
+              <a:off x="2322997" y="2938958"/>
+              <a:ext cx="0" cy="554700"/>
+            </a:xfrm>
+            <a:prstGeom prst="straightConnector1">
+              <a:avLst/>
+            </a:prstGeom>
+            <a:noFill/>
+            <a:ln cap="flat" cmpd="sng" w="9525">
+              <a:solidFill>
+                <a:schemeClr val="dk2"/>
+              </a:solidFill>
+              <a:prstDash val="solid"/>
+              <a:round/>
+              <a:headEnd len="sm" w="sm" type="none"/>
+              <a:tailEnd len="sm" w="sm" type="none"/>
+            </a:ln>
+          </p:spPr>
+        </p:cxnSp>
+        <p:sp>
+          <p:nvSpPr>
+            <p:cNvPr id="344" name="Google Shape;344;p43"/>
+            <p:cNvSpPr/>
+            <p:nvPr/>
+          </p:nvSpPr>
+          <p:spPr>
+            <a:xfrm flipH="1" rot="10800000">
+              <a:off x="2223534" y="3333714"/>
+              <a:ext cx="198900" cy="198900"/>
+            </a:xfrm>
+            <a:prstGeom prst="ellipse">
+              <a:avLst/>
+            </a:prstGeom>
+            <a:solidFill>
+              <a:schemeClr val="dk1"/>
+            </a:solidFill>
+            <a:ln>
+              <a:noFill/>
+            </a:ln>
+          </p:spPr>
+          <p:txBody>
+            <a:bodyPr anchorCtr="0" anchor="ctr" bIns="91425" lIns="91425" spcFirstLastPara="1" rIns="91425" wrap="square" tIns="91425">
+              <a:noAutofit/>
+            </a:bodyPr>
+            <a:lstStyle/>
+            <a:p>
+              <a:pPr indent="0" lvl="0" marL="0" rtl="0" algn="l">
+                <a:spcBef>
+                  <a:spcPts val="0"/>
+                </a:spcBef>
+                <a:spcAft>
+                  <a:spcPts val="0"/>
+                </a:spcAft>
+                <a:buNone/>
+              </a:pPr>
+              <a:r>
+                <a:t/>
+              </a:r>
+              <a:endParaRPr/>
+            </a:p>
+          </p:txBody>
+        </p:sp>
+      </p:grpSp>
+      <p:sp>
+        <p:nvSpPr>
+          <p:cNvPr id="345" name="Google Shape;345;p43"/>
+          <p:cNvSpPr txBox="1"/>
+          <p:nvPr>
+            <p:ph idx="4294967295" type="body"/>
+          </p:nvPr>
+        </p:nvSpPr>
+        <p:spPr>
+          <a:xfrm>
+            <a:off x="1244337" y="3757725"/>
+            <a:ext cx="2242800" cy="906300"/>
+          </a:xfrm>
+          <a:prstGeom prst="rect">
+            <a:avLst/>
+          </a:prstGeom>
+        </p:spPr>
+        <p:txBody>
+          <a:bodyPr anchorCtr="0" anchor="t" bIns="91425" lIns="91425" spcFirstLastPara="1" rIns="91425" wrap="square" tIns="91425">
+            <a:noAutofit/>
+          </a:bodyPr>
+          <a:lstStyle/>
+          <a:p>
+            <a:pPr indent="0" lvl="0" marL="0" rtl="0" algn="l">
+              <a:spcBef>
+                <a:spcPts val="0"/>
+              </a:spcBef>
+              <a:spcAft>
+                <a:spcPts val="1600"/>
+              </a:spcAft>
+              <a:buNone/>
+            </a:pPr>
+            <a:r>
+              <a:rPr lang="en" sz="1600"/>
+              <a:t>Lorem ipsum dolor sit amet, consectetur adipiscing elit</a:t>
+            </a:r>
+            <a:endParaRPr sz="1600"/>
+          </a:p>
+        </p:txBody>
+      </p:sp>
+      <p:sp>
+        <p:nvSpPr>
+          <p:cNvPr descr="Background pointer shape in timeline graphic" id="346" name="Google Shape;346;p43"/>
+          <p:cNvSpPr/>
+          <p:nvPr/>
+        </p:nvSpPr>
+        <p:spPr>
+          <a:xfrm>
+            <a:off x="3471973" y="2199000"/>
+            <a:ext cx="2051100" cy="745500"/>
+          </a:xfrm>
+          <a:prstGeom prst="chevron">
+            <a:avLst>
+              <a:gd fmla="val 50000" name="adj"/>
+            </a:avLst>
+          </a:prstGeom>
+          <a:solidFill>
+            <a:schemeClr val="dk1"/>
+          </a:solidFill>
+          <a:ln cap="flat" cmpd="sng" w="9525">
+            <a:solidFill>
+              <a:schemeClr val="lt1"/>
+            </a:solidFill>
+            <a:prstDash val="solid"/>
+            <a:round/>
+            <a:headEnd len="sm" w="sm" type="none"/>
+            <a:tailEnd len="sm" w="sm" type="none"/>
+          </a:ln>
+        </p:spPr>
+        <p:txBody>
+          <a:bodyPr anchorCtr="0" anchor="ctr" bIns="121875" lIns="121875" spcFirstLastPara="1" rIns="121875" wrap="square" tIns="121875">
+            <a:noAutofit/>
+          </a:bodyPr>
+          <a:lstStyle/>
+          <a:p>
+            <a:pPr indent="0" lvl="0" marL="0" rtl="0" algn="l">
+              <a:spcBef>
+                <a:spcPts val="0"/>
+              </a:spcBef>
+              <a:spcAft>
+                <a:spcPts val="0"/>
+              </a:spcAft>
+              <a:buNone/>
+            </a:pPr>
+            <a:r>
+              <a:t/>
+            </a:r>
+            <a:endParaRPr/>
+          </a:p>
+        </p:txBody>
+      </p:sp>
+      <p:sp>
+        <p:nvSpPr>
+          <p:cNvPr id="347" name="Google Shape;347;p43"/>
+          <p:cNvSpPr txBox="1"/>
+          <p:nvPr>
+            <p:ph idx="4294967295" type="body"/>
+          </p:nvPr>
+        </p:nvSpPr>
+        <p:spPr>
+          <a:xfrm>
+            <a:off x="3767755" y="2336550"/>
+            <a:ext cx="1315500" cy="470400"/>
+          </a:xfrm>
+          <a:prstGeom prst="rect">
+            <a:avLst/>
+          </a:prstGeom>
+        </p:spPr>
+        <p:txBody>
+          <a:bodyPr anchorCtr="0" anchor="ctr" bIns="91425" lIns="91425" spcFirstLastPara="1" rIns="91425" wrap="square" tIns="91425">
+            <a:noAutofit/>
+          </a:bodyPr>
+          <a:lstStyle/>
+          <a:p>
+            <a:pPr indent="0" lvl="0" marL="0" rtl="0" algn="ctr">
+              <a:lnSpc>
+                <a:spcPct val="100000"/>
+              </a:lnSpc>
+              <a:spcBef>
+                <a:spcPts val="0"/>
+              </a:spcBef>
+              <a:spcAft>
+                <a:spcPts val="0"/>
+              </a:spcAft>
+              <a:buNone/>
+            </a:pPr>
+            <a:r>
+              <a:rPr lang="en" sz="1600">
+                <a:solidFill>
+                  <a:schemeClr val="lt1"/>
+                </a:solidFill>
+              </a:rPr>
+              <a:t>10.13.XX</a:t>
+            </a:r>
+            <a:endParaRPr sz="1600">
+              <a:solidFill>
+                <a:schemeClr val="lt1"/>
+              </a:solidFill>
+            </a:endParaRPr>
+          </a:p>
+        </p:txBody>
+      </p:sp>
+      <p:grpSp>
+        <p:nvGrpSpPr>
+          <p:cNvPr id="348" name="Google Shape;348;p43"/>
+          <p:cNvGrpSpPr/>
+          <p:nvPr/>
+        </p:nvGrpSpPr>
+        <p:grpSpPr>
+          <a:xfrm>
+            <a:off x="4319545" y="1610215"/>
+            <a:ext cx="198900" cy="593656"/>
+            <a:chOff x="3918084" y="1610215"/>
+            <a:chExt cx="198900" cy="593656"/>
+          </a:xfrm>
+        </p:grpSpPr>
+        <p:cxnSp>
+          <p:nvCxnSpPr>
+            <p:cNvPr id="349" name="Google Shape;349;p43"/>
+            <p:cNvCxnSpPr/>
+            <p:nvPr/>
+          </p:nvCxnSpPr>
+          <p:spPr>
+            <a:xfrm>
+              <a:off x="4017546" y="1649171"/>
+              <a:ext cx="0" cy="554700"/>
+            </a:xfrm>
+            <a:prstGeom prst="straightConnector1">
+              <a:avLst/>
+            </a:prstGeom>
+            <a:noFill/>
+            <a:ln cap="flat" cmpd="sng" w="9525">
+              <a:solidFill>
+                <a:schemeClr val="dk2"/>
+              </a:solidFill>
+              <a:prstDash val="solid"/>
+              <a:round/>
+              <a:headEnd len="sm" w="sm" type="none"/>
+              <a:tailEnd len="sm" w="sm" type="none"/>
+            </a:ln>
+          </p:spPr>
+        </p:cxnSp>
+        <p:sp>
+          <p:nvSpPr>
+            <p:cNvPr id="350" name="Google Shape;350;p43"/>
+            <p:cNvSpPr/>
+            <p:nvPr/>
+          </p:nvSpPr>
+          <p:spPr>
+            <a:xfrm>
+              <a:off x="3918084" y="1610215"/>
+              <a:ext cx="198900" cy="198900"/>
+            </a:xfrm>
+            <a:prstGeom prst="ellipse">
+              <a:avLst/>
+            </a:prstGeom>
+            <a:solidFill>
+              <a:schemeClr val="dk1"/>
+            </a:solidFill>
+            <a:ln>
+              <a:noFill/>
+            </a:ln>
+          </p:spPr>
+          <p:txBody>
+            <a:bodyPr anchorCtr="0" anchor="ctr" bIns="91425" lIns="91425" spcFirstLastPara="1" rIns="91425" wrap="square" tIns="91425">
+              <a:noAutofit/>
+            </a:bodyPr>
+            <a:lstStyle/>
+            <a:p>
+              <a:pPr indent="0" lvl="0" marL="0" rtl="0" algn="l">
+                <a:spcBef>
+                  <a:spcPts val="0"/>
+                </a:spcBef>
+                <a:spcAft>
+                  <a:spcPts val="0"/>
+                </a:spcAft>
+                <a:buNone/>
+              </a:pPr>
+              <a:r>
+                <a:t/>
+              </a:r>
+              <a:endParaRPr/>
+            </a:p>
+          </p:txBody>
+        </p:sp>
+      </p:grpSp>
+      <p:sp>
+        <p:nvSpPr>
+          <p:cNvPr id="351" name="Google Shape;351;p43"/>
+          <p:cNvSpPr txBox="1"/>
+          <p:nvPr>
+            <p:ph idx="4294967295" type="body"/>
+          </p:nvPr>
+        </p:nvSpPr>
+        <p:spPr>
+          <a:xfrm>
+            <a:off x="3304094" y="385667"/>
+            <a:ext cx="2242800" cy="906300"/>
+          </a:xfrm>
+          <a:prstGeom prst="rect">
+            <a:avLst/>
+          </a:prstGeom>
+        </p:spPr>
+        <p:txBody>
+          <a:bodyPr anchorCtr="0" anchor="t" bIns="91425" lIns="91425" spcFirstLastPara="1" rIns="91425" wrap="square" tIns="91425">
+            <a:noAutofit/>
+          </a:bodyPr>
+          <a:lstStyle/>
+          <a:p>
+            <a:pPr indent="0" lvl="0" marL="0" rtl="0" algn="l">
+              <a:spcBef>
+                <a:spcPts val="0"/>
+              </a:spcBef>
+              <a:spcAft>
+                <a:spcPts val="1600"/>
+              </a:spcAft>
+              <a:buNone/>
+            </a:pPr>
+            <a:r>
+              <a:rPr lang="en" sz="1600"/>
+              <a:t>Lorem ipsum dolor sit amet, consectetur adipiscing elit</a:t>
+            </a:r>
+            <a:endParaRPr sz="1600"/>
+          </a:p>
+        </p:txBody>
+      </p:sp>
+      <p:sp>
+        <p:nvSpPr>
+          <p:cNvPr descr="Background pointer shape in timeline graphic" id="352" name="Google Shape;352;p43"/>
+          <p:cNvSpPr/>
+          <p:nvPr/>
+        </p:nvSpPr>
+        <p:spPr>
+          <a:xfrm>
+            <a:off x="5126893" y="2199000"/>
+            <a:ext cx="2051100" cy="745500"/>
+          </a:xfrm>
+          <a:prstGeom prst="chevron">
+            <a:avLst>
+              <a:gd fmla="val 50000" name="adj"/>
+            </a:avLst>
+          </a:prstGeom>
+          <a:solidFill>
+            <a:schemeClr val="dk1"/>
+          </a:solidFill>
+          <a:ln cap="flat" cmpd="sng" w="9525">
+            <a:solidFill>
+              <a:schemeClr val="lt1"/>
+            </a:solidFill>
+            <a:prstDash val="solid"/>
+            <a:round/>
+            <a:headEnd len="sm" w="sm" type="none"/>
+            <a:tailEnd len="sm" w="sm" type="none"/>
+          </a:ln>
+        </p:spPr>
+        <p:txBody>
+          <a:bodyPr anchorCtr="0" anchor="ctr" bIns="121875" lIns="121875" spcFirstLastPara="1" rIns="121875" wrap="square" tIns="121875">
+            <a:noAutofit/>
+          </a:bodyPr>
+          <a:lstStyle/>
+          <a:p>
+            <a:pPr indent="0" lvl="0" marL="0" rtl="0" algn="l">
+              <a:spcBef>
+                <a:spcPts val="0"/>
+              </a:spcBef>
+              <a:spcAft>
+                <a:spcPts val="0"/>
+              </a:spcAft>
+              <a:buNone/>
+            </a:pPr>
+            <a:r>
+              <a:t/>
+            </a:r>
+            <a:endParaRPr/>
+          </a:p>
+        </p:txBody>
+      </p:sp>
+      <p:sp>
+        <p:nvSpPr>
+          <p:cNvPr id="353" name="Google Shape;353;p43"/>
+          <p:cNvSpPr txBox="1"/>
+          <p:nvPr>
+            <p:ph idx="4294967295" type="body"/>
+          </p:nvPr>
+        </p:nvSpPr>
+        <p:spPr>
+          <a:xfrm>
+            <a:off x="5416699" y="2336550"/>
+            <a:ext cx="1315500" cy="470400"/>
+          </a:xfrm>
+          <a:prstGeom prst="rect">
+            <a:avLst/>
+          </a:prstGeom>
+        </p:spPr>
+        <p:txBody>
+          <a:bodyPr anchorCtr="0" anchor="ctr" bIns="91425" lIns="91425" spcFirstLastPara="1" rIns="91425" wrap="square" tIns="91425">
+            <a:noAutofit/>
+          </a:bodyPr>
+          <a:lstStyle/>
+          <a:p>
+            <a:pPr indent="0" lvl="0" marL="0" rtl="0" algn="ctr">
+              <a:lnSpc>
+                <a:spcPct val="100000"/>
+              </a:lnSpc>
+              <a:spcBef>
+                <a:spcPts val="0"/>
+              </a:spcBef>
+              <a:spcAft>
+                <a:spcPts val="0"/>
+              </a:spcAft>
+              <a:buNone/>
+            </a:pPr>
+            <a:r>
+              <a:rPr lang="en" sz="1600">
+                <a:solidFill>
+                  <a:schemeClr val="lt1"/>
+                </a:solidFill>
+              </a:rPr>
+              <a:t>10.20.XX</a:t>
+            </a:r>
+            <a:endParaRPr sz="1600">
+              <a:solidFill>
+                <a:schemeClr val="lt1"/>
+              </a:solidFill>
+            </a:endParaRPr>
+          </a:p>
+        </p:txBody>
+      </p:sp>
+      <p:grpSp>
+        <p:nvGrpSpPr>
+          <p:cNvPr id="354" name="Google Shape;354;p43"/>
+          <p:cNvGrpSpPr/>
+          <p:nvPr/>
+        </p:nvGrpSpPr>
+        <p:grpSpPr>
+          <a:xfrm>
+            <a:off x="5973070" y="2938958"/>
+            <a:ext cx="198900" cy="593656"/>
+            <a:chOff x="5958946" y="2938958"/>
+            <a:chExt cx="198900" cy="593656"/>
+          </a:xfrm>
+        </p:grpSpPr>
+        <p:cxnSp>
+          <p:nvCxnSpPr>
+            <p:cNvPr id="355" name="Google Shape;355;p43"/>
+            <p:cNvCxnSpPr/>
+            <p:nvPr/>
+          </p:nvCxnSpPr>
+          <p:spPr>
+            <a:xfrm rot="10800000">
+              <a:off x="6058409" y="2938958"/>
+              <a:ext cx="0" cy="554700"/>
+            </a:xfrm>
+            <a:prstGeom prst="straightConnector1">
+              <a:avLst/>
+            </a:prstGeom>
+            <a:noFill/>
+            <a:ln cap="flat" cmpd="sng" w="9525">
+              <a:solidFill>
+                <a:schemeClr val="dk2"/>
+              </a:solidFill>
+              <a:prstDash val="solid"/>
+              <a:round/>
+              <a:headEnd len="sm" w="sm" type="none"/>
+              <a:tailEnd len="sm" w="sm" type="none"/>
+            </a:ln>
+          </p:spPr>
+        </p:cxnSp>
+        <p:sp>
+          <p:nvSpPr>
+            <p:cNvPr id="356" name="Google Shape;356;p43"/>
+            <p:cNvSpPr/>
+            <p:nvPr/>
+          </p:nvSpPr>
+          <p:spPr>
+            <a:xfrm flipH="1" rot="10800000">
+              <a:off x="5958946" y="3333714"/>
+              <a:ext cx="198900" cy="198900"/>
+            </a:xfrm>
+            <a:prstGeom prst="ellipse">
+              <a:avLst/>
+            </a:prstGeom>
+            <a:solidFill>
+              <a:schemeClr val="dk1"/>
+            </a:solidFill>
+            <a:ln>
+              <a:noFill/>
+            </a:ln>
+          </p:spPr>
+          <p:txBody>
+            <a:bodyPr anchorCtr="0" anchor="ctr" bIns="91425" lIns="91425" spcFirstLastPara="1" rIns="91425" wrap="square" tIns="91425">
+              <a:noAutofit/>
+            </a:bodyPr>
+            <a:lstStyle/>
+            <a:p>
+              <a:pPr indent="0" lvl="0" marL="0" rtl="0" algn="l">
+                <a:spcBef>
+                  <a:spcPts val="0"/>
+                </a:spcBef>
+                <a:spcAft>
+                  <a:spcPts val="0"/>
+                </a:spcAft>
+                <a:buNone/>
+              </a:pPr>
+              <a:r>
+                <a:t/>
+              </a:r>
+              <a:endParaRPr/>
+            </a:p>
+          </p:txBody>
+        </p:sp>
+      </p:grpSp>
+      <p:sp>
+        <p:nvSpPr>
+          <p:cNvPr id="357" name="Google Shape;357;p43"/>
+          <p:cNvSpPr txBox="1"/>
+          <p:nvPr>
+            <p:ph idx="4294967295" type="body"/>
+          </p:nvPr>
+        </p:nvSpPr>
+        <p:spPr>
+          <a:xfrm>
+            <a:off x="5126902" y="3757725"/>
+            <a:ext cx="2242800" cy="906300"/>
+          </a:xfrm>
+          <a:prstGeom prst="rect">
+            <a:avLst/>
+          </a:prstGeom>
+        </p:spPr>
+        <p:txBody>
+          <a:bodyPr anchorCtr="0" anchor="t" bIns="91425" lIns="91425" spcFirstLastPara="1" rIns="91425" wrap="square" tIns="91425">
+            <a:noAutofit/>
+          </a:bodyPr>
+          <a:lstStyle/>
+          <a:p>
+            <a:pPr indent="0" lvl="0" marL="0" rtl="0" algn="l">
+              <a:spcBef>
+                <a:spcPts val="0"/>
+              </a:spcBef>
+              <a:spcAft>
+                <a:spcPts val="1600"/>
+              </a:spcAft>
+              <a:buNone/>
+            </a:pPr>
+            <a:r>
+              <a:rPr lang="en" sz="1600"/>
+              <a:t>Lorem ipsum dolor sit amet, consectetur adipiscing elit</a:t>
+            </a:r>
+            <a:endParaRPr sz="1600"/>
+          </a:p>
+        </p:txBody>
+      </p:sp>
+      <p:sp>
+        <p:nvSpPr>
+          <p:cNvPr descr="Background pointer shape in timeline graphic" id="358" name="Google Shape;358;p43"/>
+          <p:cNvSpPr/>
+          <p:nvPr/>
+        </p:nvSpPr>
+        <p:spPr>
+          <a:xfrm>
+            <a:off x="6781813" y="2199000"/>
+            <a:ext cx="2051100" cy="745500"/>
+          </a:xfrm>
+          <a:prstGeom prst="chevron">
+            <a:avLst>
+              <a:gd fmla="val 50000" name="adj"/>
+            </a:avLst>
+          </a:prstGeom>
+          <a:solidFill>
+            <a:schemeClr val="dk1"/>
+          </a:solidFill>
+          <a:ln cap="flat" cmpd="sng" w="9525">
+            <a:solidFill>
+              <a:schemeClr val="lt1"/>
+            </a:solidFill>
+            <a:prstDash val="solid"/>
+            <a:round/>
+            <a:headEnd len="sm" w="sm" type="none"/>
+            <a:tailEnd len="sm" w="sm" type="none"/>
+          </a:ln>
+        </p:spPr>
+        <p:txBody>
+          <a:bodyPr anchorCtr="0" anchor="ctr" bIns="121875" lIns="121875" spcFirstLastPara="1" rIns="121875" wrap="square" tIns="121875">
+            <a:noAutofit/>
+          </a:bodyPr>
+          <a:lstStyle/>
+          <a:p>
+            <a:pPr indent="0" lvl="0" marL="0" rtl="0" algn="l">
+              <a:spcBef>
+                <a:spcPts val="0"/>
+              </a:spcBef>
+              <a:spcAft>
+                <a:spcPts val="0"/>
+              </a:spcAft>
+              <a:buNone/>
+            </a:pPr>
+            <a:r>
+              <a:t/>
+            </a:r>
+            <a:endParaRPr/>
+          </a:p>
+        </p:txBody>
+      </p:sp>
+      <p:sp>
+        <p:nvSpPr>
+          <p:cNvPr id="359" name="Google Shape;359;p43"/>
+          <p:cNvSpPr txBox="1"/>
+          <p:nvPr>
+            <p:ph idx="4294967295" type="body"/>
+          </p:nvPr>
+        </p:nvSpPr>
+        <p:spPr>
+          <a:xfrm>
+            <a:off x="7111512" y="2336550"/>
+            <a:ext cx="1315500" cy="470400"/>
+          </a:xfrm>
+          <a:prstGeom prst="rect">
+            <a:avLst/>
+          </a:prstGeom>
+        </p:spPr>
+        <p:txBody>
+          <a:bodyPr anchorCtr="0" anchor="ctr" bIns="91425" lIns="91425" spcFirstLastPara="1" rIns="91425" wrap="square" tIns="91425">
+            <a:noAutofit/>
+          </a:bodyPr>
+          <a:lstStyle/>
+          <a:p>
+            <a:pPr indent="0" lvl="0" marL="0" rtl="0" algn="ctr">
+              <a:lnSpc>
+                <a:spcPct val="100000"/>
+              </a:lnSpc>
+              <a:spcBef>
+                <a:spcPts val="0"/>
+              </a:spcBef>
+              <a:spcAft>
+                <a:spcPts val="0"/>
+              </a:spcAft>
+              <a:buNone/>
+            </a:pPr>
+            <a:r>
+              <a:rPr lang="en" sz="1600">
+                <a:solidFill>
+                  <a:schemeClr val="lt1"/>
+                </a:solidFill>
+              </a:rPr>
+              <a:t>11.01.XX</a:t>
+            </a:r>
+            <a:endParaRPr sz="1600">
+              <a:solidFill>
+                <a:schemeClr val="lt1"/>
+              </a:solidFill>
+            </a:endParaRPr>
+          </a:p>
+        </p:txBody>
+      </p:sp>
+      <p:grpSp>
+        <p:nvGrpSpPr>
+          <p:cNvPr id="360" name="Google Shape;360;p43"/>
+          <p:cNvGrpSpPr/>
+          <p:nvPr/>
+        </p:nvGrpSpPr>
+        <p:grpSpPr>
+          <a:xfrm>
+            <a:off x="7669807" y="1610215"/>
+            <a:ext cx="198900" cy="593656"/>
+            <a:chOff x="3918084" y="1610215"/>
+            <a:chExt cx="198900" cy="593656"/>
+          </a:xfrm>
+        </p:grpSpPr>
+        <p:cxnSp>
+          <p:nvCxnSpPr>
+            <p:cNvPr id="361" name="Google Shape;361;p43"/>
+            <p:cNvCxnSpPr/>
+            <p:nvPr/>
+          </p:nvCxnSpPr>
+          <p:spPr>
+            <a:xfrm>
+              <a:off x="4017546" y="1649171"/>
+              <a:ext cx="0" cy="554700"/>
+            </a:xfrm>
+            <a:prstGeom prst="straightConnector1">
+              <a:avLst/>
+            </a:prstGeom>
+            <a:noFill/>
+            <a:ln cap="flat" cmpd="sng" w="9525">
+              <a:solidFill>
+                <a:schemeClr val="dk2"/>
+              </a:solidFill>
+              <a:prstDash val="solid"/>
+              <a:round/>
+              <a:headEnd len="sm" w="sm" type="none"/>
+              <a:tailEnd len="sm" w="sm" type="none"/>
+            </a:ln>
+          </p:spPr>
+        </p:cxnSp>
+        <p:sp>
+          <p:nvSpPr>
+            <p:cNvPr id="362" name="Google Shape;362;p43"/>
+            <p:cNvSpPr/>
+            <p:nvPr/>
+          </p:nvSpPr>
+          <p:spPr>
+            <a:xfrm>
+              <a:off x="3918084" y="1610215"/>
+              <a:ext cx="198900" cy="198900"/>
+            </a:xfrm>
+            <a:prstGeom prst="ellipse">
+              <a:avLst/>
+            </a:prstGeom>
+            <a:solidFill>
+              <a:schemeClr val="dk1"/>
+            </a:solidFill>
+            <a:ln>
+              <a:noFill/>
+            </a:ln>
+          </p:spPr>
+          <p:txBody>
+            <a:bodyPr anchorCtr="0" anchor="ctr" bIns="91425" lIns="91425" spcFirstLastPara="1" rIns="91425" wrap="square" tIns="91425">
+              <a:noAutofit/>
+            </a:bodyPr>
+            <a:lstStyle/>
+            <a:p>
+              <a:pPr indent="0" lvl="0" marL="0" rtl="0" algn="l">
+                <a:spcBef>
+                  <a:spcPts val="0"/>
+                </a:spcBef>
+                <a:spcAft>
+                  <a:spcPts val="0"/>
+                </a:spcAft>
+                <a:buNone/>
+              </a:pPr>
+              <a:r>
+                <a:t/>
+              </a:r>
+              <a:endParaRPr/>
+            </a:p>
+          </p:txBody>
+        </p:sp>
+      </p:grpSp>
+      <p:sp>
+        <p:nvSpPr>
+          <p:cNvPr id="363" name="Google Shape;363;p43"/>
+          <p:cNvSpPr txBox="1"/>
+          <p:nvPr>
+            <p:ph idx="4294967295" type="body"/>
+          </p:nvPr>
+        </p:nvSpPr>
+        <p:spPr>
+          <a:xfrm>
+            <a:off x="6685979" y="385667"/>
+            <a:ext cx="2242800" cy="906300"/>
+          </a:xfrm>
+          <a:prstGeom prst="rect">
+            <a:avLst/>
+          </a:prstGeom>
+        </p:spPr>
+        <p:txBody>
+          <a:bodyPr anchorCtr="0" anchor="t" bIns="91425" lIns="91425" spcFirstLastPara="1" rIns="91425" wrap="square" tIns="91425">
+            <a:noAutofit/>
+          </a:bodyPr>
+          <a:lstStyle/>
+          <a:p>
+            <a:pPr indent="0" lvl="0" marL="0" rtl="0" algn="l">
+              <a:spcBef>
+                <a:spcPts val="0"/>
+              </a:spcBef>
+              <a:spcAft>
+                <a:spcPts val="1600"/>
+              </a:spcAft>
+              <a:buNone/>
+            </a:pPr>
+            <a:r>
+              <a:rPr lang="en" sz="1600"/>
+              <a:t>Lorem ipsum dolor sit amet, consectetur adipiscing elit</a:t>
+            </a:r>
+            <a:endParaRPr sz="1600"/>
           </a:p>
         </p:txBody>
       </p:sp>
@@ -13095,8 +20269,8 @@
         </p:nvGrpSpPr>
         <p:grpSpPr>
           <a:xfrm>
-            <a:off x="1229725" y="1017796"/>
-            <a:ext cx="6808850" cy="1771606"/>
+            <a:off x="1229725" y="1852243"/>
+            <a:ext cx="6808850" cy="937021"/>
             <a:chOff x="1468200" y="2794154"/>
             <a:chExt cx="2894550" cy="735900"/>
           </a:xfrm>
@@ -13184,6 +20358,64 @@
           </p:spPr>
         </p:cxnSp>
       </p:grpSp>
+      <p:sp>
+        <p:nvSpPr>
+          <p:cNvPr id="152" name="Google Shape;152;p20"/>
+          <p:cNvSpPr txBox="1"/>
+          <p:nvPr/>
+        </p:nvSpPr>
+        <p:spPr>
+          <a:xfrm>
+            <a:off x="2711100" y="1452050"/>
+            <a:ext cx="3721800" cy="400200"/>
+          </a:xfrm>
+          <a:prstGeom prst="rect">
+            <a:avLst/>
+          </a:prstGeom>
+          <a:noFill/>
+          <a:ln>
+            <a:noFill/>
+          </a:ln>
+        </p:spPr>
+        <p:txBody>
+          <a:bodyPr anchorCtr="0" anchor="t" bIns="91425" lIns="91425" spcFirstLastPara="1" rIns="91425" wrap="square" tIns="91425">
+            <a:spAutoFit/>
+          </a:bodyPr>
+          <a:lstStyle/>
+          <a:p>
+            <a:pPr indent="0" lvl="0" marL="0" rtl="0" algn="ctr">
+              <a:spcBef>
+                <a:spcPts val="0"/>
+              </a:spcBef>
+              <a:spcAft>
+                <a:spcPts val="0"/>
+              </a:spcAft>
+              <a:buNone/>
+            </a:pPr>
+            <a:r>
+              <a:rPr b="1" lang="en">
+                <a:solidFill>
+                  <a:schemeClr val="dk1"/>
+                </a:solidFill>
+                <a:latin typeface="Roboto"/>
+                <a:ea typeface="Roboto"/>
+                <a:cs typeface="Roboto"/>
+                <a:sym typeface="Roboto"/>
+              </a:rPr>
+              <a:t>Customer Retention &amp; Activation</a:t>
+            </a:r>
+            <a:endParaRPr b="1">
+              <a:solidFill>
+                <a:schemeClr val="dk1"/>
+              </a:solidFill>
+              <a:latin typeface="Roboto"/>
+              <a:ea typeface="Roboto"/>
+              <a:cs typeface="Roboto"/>
+              <a:sym typeface="Roboto"/>
+            </a:endParaRPr>
+          </a:p>
+        </p:txBody>
+      </p:sp>
     </p:spTree>
   </p:cSld>
   <p:clrMapOvr>
@@ -13197,7 +20429,7 @@
   <p:cSld>
     <p:spTree>
       <p:nvGrpSpPr>
-        <p:cNvPr id="155" name="Shape 155"/>
+        <p:cNvPr id="156" name="Shape 156"/>
         <p:cNvGrpSpPr/>
         <p:nvPr/>
       </p:nvGrpSpPr>
@@ -13211,7 +20443,7 @@
       </p:grpSpPr>
       <p:sp>
         <p:nvSpPr>
-          <p:cNvPr id="156" name="Google Shape;156;p21"/>
+          <p:cNvPr id="157" name="Google Shape;157;p21"/>
           <p:cNvSpPr txBox="1"/>
           <p:nvPr>
             <p:ph type="title"/>
@@ -13251,7 +20483,7 @@
       </p:sp>
       <p:sp>
         <p:nvSpPr>
-          <p:cNvPr id="157" name="Google Shape;157;p21"/>
+          <p:cNvPr id="158" name="Google Shape;158;p21"/>
           <p:cNvSpPr txBox="1"/>
           <p:nvPr>
             <p:ph idx="2" type="body"/>
@@ -13422,7 +20654,7 @@
       </p:sp>
       <p:sp>
         <p:nvSpPr>
-          <p:cNvPr id="158" name="Google Shape;158;p21"/>
+          <p:cNvPr id="159" name="Google Shape;159;p21"/>
           <p:cNvSpPr txBox="1"/>
           <p:nvPr/>
         </p:nvSpPr>
